--- a/2019Nov_Design_Implementation/Ch7.pptx
+++ b/2019Nov_Design_Implementation/Ch7.pptx
@@ -5,7 +5,7 @@
     <p:sldMasterId id="2147483763" r:id="rId1"/>
   </p:sldMasterIdLst>
   <p:notesMasterIdLst>
-    <p:notesMasterId r:id="rId31"/>
+    <p:notesMasterId r:id="rId25"/>
   </p:notesMasterIdLst>
   <p:sldIdLst>
     <p:sldId id="257" r:id="rId2"/>
@@ -18,25 +18,19 @@
     <p:sldId id="280" r:id="rId9"/>
     <p:sldId id="279" r:id="rId10"/>
     <p:sldId id="284" r:id="rId11"/>
-    <p:sldId id="287" r:id="rId12"/>
-    <p:sldId id="288" r:id="rId13"/>
-    <p:sldId id="266" r:id="rId14"/>
-    <p:sldId id="275" r:id="rId15"/>
-    <p:sldId id="317" r:id="rId16"/>
-    <p:sldId id="315" r:id="rId17"/>
-    <p:sldId id="314" r:id="rId18"/>
-    <p:sldId id="268" r:id="rId19"/>
-    <p:sldId id="318" r:id="rId20"/>
-    <p:sldId id="292" r:id="rId21"/>
-    <p:sldId id="293" r:id="rId22"/>
-    <p:sldId id="303" r:id="rId23"/>
-    <p:sldId id="269" r:id="rId24"/>
-    <p:sldId id="306" r:id="rId25"/>
-    <p:sldId id="308" r:id="rId26"/>
-    <p:sldId id="310" r:id="rId27"/>
-    <p:sldId id="311" r:id="rId28"/>
-    <p:sldId id="259" r:id="rId29"/>
-    <p:sldId id="260" r:id="rId30"/>
+    <p:sldId id="288" r:id="rId12"/>
+    <p:sldId id="266" r:id="rId13"/>
+    <p:sldId id="275" r:id="rId14"/>
+    <p:sldId id="317" r:id="rId15"/>
+    <p:sldId id="319" r:id="rId16"/>
+    <p:sldId id="268" r:id="rId17"/>
+    <p:sldId id="318" r:id="rId18"/>
+    <p:sldId id="292" r:id="rId19"/>
+    <p:sldId id="269" r:id="rId20"/>
+    <p:sldId id="308" r:id="rId21"/>
+    <p:sldId id="311" r:id="rId22"/>
+    <p:sldId id="259" r:id="rId23"/>
+    <p:sldId id="260" r:id="rId24"/>
   </p:sldIdLst>
   <p:sldSz cx="9144000" cy="6858000" type="screen4x3"/>
   <p:notesSz cx="6858000" cy="9144000"/>
@@ -646,6 +640,10 @@
           <a:bodyPr/>
           <a:lstStyle/>
           <a:p>
+            <a:r>
+              <a:rPr lang="en-US" dirty="0" err="1"/>
+              <a:t>Incompatablity</a:t>
+            </a:r>
             <a:endParaRPr lang="en-US" dirty="0"/>
           </a:p>
         </p:txBody>
@@ -667,7 +665,7 @@
           <a:p>
             <a:fld id="{2409C4FB-DC9D-443A-B59A-674DF8005B57}" type="slidenum">
               <a:rPr lang="en-US" smtClean="0"/>
-              <a:t>15</a:t>
+              <a:t>17</a:t>
             </a:fld>
             <a:endParaRPr lang="en-US"/>
           </a:p>
@@ -676,7 +674,7 @@
     </p:spTree>
     <p:extLst>
       <p:ext uri="{BB962C8B-B14F-4D97-AF65-F5344CB8AC3E}">
-        <p14:creationId xmlns:p14="http://schemas.microsoft.com/office/powerpoint/2010/main" val="1595860565"/>
+        <p14:creationId xmlns:p14="http://schemas.microsoft.com/office/powerpoint/2010/main" val="1921602732"/>
       </p:ext>
     </p:extLst>
   </p:cSld>
@@ -730,38 +728,59 @@
           <a:bodyPr/>
           <a:lstStyle/>
           <a:p>
-            <a:pPr marL="0" marR="0" lvl="0" indent="0" algn="l" defTabSz="914400" rtl="0" eaLnBrk="1" fontAlgn="auto" latinLnBrk="0" hangingPunct="1">
-              <a:lnSpc>
-                <a:spcPct val="100000"/>
-              </a:lnSpc>
-              <a:spcBef>
-                <a:spcPts val="0"/>
-              </a:spcBef>
-              <a:spcAft>
-                <a:spcPts val="0"/>
-              </a:spcAft>
-              <a:buClrTx/>
-              <a:buSzTx/>
-              <a:buFontTx/>
-              <a:buNone/>
-              <a:tabLst/>
-              <a:defRPr/>
-            </a:pPr>
-            <a:r>
-              <a:rPr lang="en-US" sz="1200" b="0" kern="1200" dirty="0">
-                <a:solidFill>
-                  <a:schemeClr val="tx1"/>
-                </a:solidFill>
-                <a:effectLst/>
-                <a:latin typeface="+mn-lt"/>
-                <a:ea typeface="+mn-ea"/>
-                <a:cs typeface="+mn-cs"/>
-              </a:rPr>
-              <a:t>Multiple displays</a:t>
-            </a:r>
-          </a:p>
-          <a:p>
-            <a:endParaRPr lang="en-US" dirty="0"/>
+            <a:r>
+              <a:rPr lang="en-US" dirty="0"/>
+              <a:t>The abstraction level </a:t>
+            </a:r>
+          </a:p>
+          <a:p>
+            <a:pPr lvl="1"/>
+            <a:r>
+              <a:rPr lang="en-US" dirty="0"/>
+              <a:t>At this level, you don’t reuse software directly but use knowledge of successful abstractions in the design of your software. </a:t>
+            </a:r>
+            <a:endParaRPr lang="en-GB" dirty="0"/>
+          </a:p>
+          <a:p>
+            <a:r>
+              <a:rPr lang="en-US" dirty="0"/>
+              <a:t>The object level </a:t>
+            </a:r>
+          </a:p>
+          <a:p>
+            <a:pPr lvl="1"/>
+            <a:r>
+              <a:rPr lang="en-US" dirty="0"/>
+              <a:t>At this level, you directly reuse objects from a library rather than writing the code yourself. </a:t>
+            </a:r>
+            <a:endParaRPr lang="en-GB" dirty="0"/>
+          </a:p>
+          <a:p>
+            <a:r>
+              <a:rPr lang="en-US" dirty="0"/>
+              <a:t>The component level </a:t>
+            </a:r>
+          </a:p>
+          <a:p>
+            <a:pPr lvl="1"/>
+            <a:r>
+              <a:rPr lang="en-US" dirty="0"/>
+              <a:t>Components are collections of objects and object classes that you reuse in application systems. </a:t>
+            </a:r>
+            <a:endParaRPr lang="en-GB" dirty="0"/>
+          </a:p>
+          <a:p>
+            <a:r>
+              <a:rPr lang="en-US" dirty="0"/>
+              <a:t>The system level </a:t>
+            </a:r>
+          </a:p>
+          <a:p>
+            <a:pPr lvl="1"/>
+            <a:r>
+              <a:rPr lang="en-US" dirty="0"/>
+              <a:t>At this level, you reuse entire application systems. </a:t>
+            </a:r>
           </a:p>
         </p:txBody>
       </p:sp>
@@ -782,7 +801,7 @@
           <a:p>
             <a:fld id="{2409C4FB-DC9D-443A-B59A-674DF8005B57}" type="slidenum">
               <a:rPr lang="en-US" smtClean="0"/>
-              <a:t>16</a:t>
+              <a:t>18</a:t>
             </a:fld>
             <a:endParaRPr lang="en-US"/>
           </a:p>
@@ -791,7 +810,7 @@
     </p:spTree>
     <p:extLst>
       <p:ext uri="{BB962C8B-B14F-4D97-AF65-F5344CB8AC3E}">
-        <p14:creationId xmlns:p14="http://schemas.microsoft.com/office/powerpoint/2010/main" val="2896505350"/>
+        <p14:creationId xmlns:p14="http://schemas.microsoft.com/office/powerpoint/2010/main" val="590082539"/>
       </p:ext>
     </p:extLst>
   </p:cSld>
@@ -846,8 +865,28 @@
           <a:lstStyle/>
           <a:p>
             <a:r>
-              <a:rPr lang="en-US" dirty="0" err="1"/>
-              <a:t>mvvm</a:t>
+              <a:rPr lang="en-US" dirty="0"/>
+              <a:t>MIT</a:t>
+            </a:r>
+            <a:r>
+              <a:rPr lang="en-US" sz="1200" b="0" i="0" kern="1200" dirty="0">
+                <a:solidFill>
+                  <a:schemeClr val="tx1"/>
+                </a:solidFill>
+                <a:effectLst/>
+                <a:latin typeface="+mn-lt"/>
+                <a:ea typeface="+mn-ea"/>
+                <a:cs typeface="+mn-cs"/>
+              </a:rPr>
+              <a:t>, A short, permissive software license. Basically, you can do whatever you want as long as you include the original copyright and license notice in any copy of the software/source.  There are many variations of this license in use.</a:t>
+            </a:r>
+          </a:p>
+          <a:p>
+            <a:r>
+              <a:rPr lang="en-US" dirty="0">
+                <a:hlinkClick r:id="rId3"/>
+              </a:rPr>
+              <a:t>https://tldrlegal.com/license/mit-license</a:t>
             </a:r>
             <a:endParaRPr lang="en-US" dirty="0"/>
           </a:p>
@@ -870,7 +909,7 @@
           <a:p>
             <a:fld id="{2409C4FB-DC9D-443A-B59A-674DF8005B57}" type="slidenum">
               <a:rPr lang="en-US" smtClean="0"/>
-              <a:t>17</a:t>
+              <a:t>21</a:t>
             </a:fld>
             <a:endParaRPr lang="en-US"/>
           </a:p>
@@ -879,231 +918,7 @@
     </p:spTree>
     <p:extLst>
       <p:ext uri="{BB962C8B-B14F-4D97-AF65-F5344CB8AC3E}">
-        <p14:creationId xmlns:p14="http://schemas.microsoft.com/office/powerpoint/2010/main" val="2290793371"/>
-      </p:ext>
-    </p:extLst>
-  </p:cSld>
-  <p:clrMapOvr>
-    <a:masterClrMapping/>
-  </p:clrMapOvr>
-</p:notes>
-</file>
-
-<file path=ppt/notesSlides/notesSlide13.xml><?xml version="1.0" encoding="utf-8"?>
-<p:notes xmlns:a="http://schemas.openxmlformats.org/drawingml/2006/main" xmlns:r="http://schemas.openxmlformats.org/officeDocument/2006/relationships" xmlns:p="http://schemas.openxmlformats.org/presentationml/2006/main">
-  <p:cSld>
-    <p:spTree>
-      <p:nvGrpSpPr>
-        <p:cNvPr id="1" name=""/>
-        <p:cNvGrpSpPr/>
-        <p:nvPr/>
-      </p:nvGrpSpPr>
-      <p:grpSpPr>
-        <a:xfrm>
-          <a:off x="0" y="0"/>
-          <a:ext cx="0" cy="0"/>
-          <a:chOff x="0" y="0"/>
-          <a:chExt cx="0" cy="0"/>
-        </a:xfrm>
-      </p:grpSpPr>
-      <p:sp>
-        <p:nvSpPr>
-          <p:cNvPr id="2" name="Slide Image Placeholder 1"/>
-          <p:cNvSpPr>
-            <a:spLocks noGrp="1" noRot="1" noChangeAspect="1"/>
-          </p:cNvSpPr>
-          <p:nvPr>
-            <p:ph type="sldImg"/>
-          </p:nvPr>
-        </p:nvSpPr>
-        <p:spPr/>
-      </p:sp>
-      <p:sp>
-        <p:nvSpPr>
-          <p:cNvPr id="3" name="Notes Placeholder 2"/>
-          <p:cNvSpPr>
-            <a:spLocks noGrp="1"/>
-          </p:cNvSpPr>
-          <p:nvPr>
-            <p:ph type="body" idx="1"/>
-          </p:nvPr>
-        </p:nvSpPr>
-        <p:spPr/>
-        <p:txBody>
-          <a:bodyPr/>
-          <a:lstStyle/>
-          <a:p>
-            <a:r>
-              <a:rPr lang="en-US" dirty="0" err="1"/>
-              <a:t>Incompatablity</a:t>
-            </a:r>
-            <a:endParaRPr lang="en-US" dirty="0"/>
-          </a:p>
-        </p:txBody>
-      </p:sp>
-      <p:sp>
-        <p:nvSpPr>
-          <p:cNvPr id="4" name="Slide Number Placeholder 3"/>
-          <p:cNvSpPr>
-            <a:spLocks noGrp="1"/>
-          </p:cNvSpPr>
-          <p:nvPr>
-            <p:ph type="sldNum" sz="quarter" idx="5"/>
-          </p:nvPr>
-        </p:nvSpPr>
-        <p:spPr/>
-        <p:txBody>
-          <a:bodyPr/>
-          <a:lstStyle/>
-          <a:p>
-            <a:fld id="{2409C4FB-DC9D-443A-B59A-674DF8005B57}" type="slidenum">
-              <a:rPr lang="en-US" smtClean="0"/>
-              <a:t>19</a:t>
-            </a:fld>
-            <a:endParaRPr lang="en-US"/>
-          </a:p>
-        </p:txBody>
-      </p:sp>
-    </p:spTree>
-    <p:extLst>
-      <p:ext uri="{BB962C8B-B14F-4D97-AF65-F5344CB8AC3E}">
-        <p14:creationId xmlns:p14="http://schemas.microsoft.com/office/powerpoint/2010/main" val="1921602732"/>
-      </p:ext>
-    </p:extLst>
-  </p:cSld>
-  <p:clrMapOvr>
-    <a:masterClrMapping/>
-  </p:clrMapOvr>
-</p:notes>
-</file>
-
-<file path=ppt/notesSlides/notesSlide14.xml><?xml version="1.0" encoding="utf-8"?>
-<p:notes xmlns:a="http://schemas.openxmlformats.org/drawingml/2006/main" xmlns:r="http://schemas.openxmlformats.org/officeDocument/2006/relationships" xmlns:p="http://schemas.openxmlformats.org/presentationml/2006/main">
-  <p:cSld>
-    <p:spTree>
-      <p:nvGrpSpPr>
-        <p:cNvPr id="1" name=""/>
-        <p:cNvGrpSpPr/>
-        <p:nvPr/>
-      </p:nvGrpSpPr>
-      <p:grpSpPr>
-        <a:xfrm>
-          <a:off x="0" y="0"/>
-          <a:ext cx="0" cy="0"/>
-          <a:chOff x="0" y="0"/>
-          <a:chExt cx="0" cy="0"/>
-        </a:xfrm>
-      </p:grpSpPr>
-      <p:sp>
-        <p:nvSpPr>
-          <p:cNvPr id="2" name="Slide Image Placeholder 1"/>
-          <p:cNvSpPr>
-            <a:spLocks noGrp="1" noRot="1" noChangeAspect="1"/>
-          </p:cNvSpPr>
-          <p:nvPr>
-            <p:ph type="sldImg"/>
-          </p:nvPr>
-        </p:nvSpPr>
-        <p:spPr/>
-      </p:sp>
-      <p:sp>
-        <p:nvSpPr>
-          <p:cNvPr id="3" name="Notes Placeholder 2"/>
-          <p:cNvSpPr>
-            <a:spLocks noGrp="1"/>
-          </p:cNvSpPr>
-          <p:nvPr>
-            <p:ph type="body" idx="1"/>
-          </p:nvPr>
-        </p:nvSpPr>
-        <p:spPr/>
-        <p:txBody>
-          <a:bodyPr/>
-          <a:lstStyle/>
-          <a:p>
-            <a:r>
-              <a:rPr lang="en-US" dirty="0"/>
-              <a:t>The abstraction level </a:t>
-            </a:r>
-          </a:p>
-          <a:p>
-            <a:pPr lvl="1"/>
-            <a:r>
-              <a:rPr lang="en-US" dirty="0"/>
-              <a:t>At this level, you don’t reuse software directly but use knowledge of successful abstractions in the design of your software. </a:t>
-            </a:r>
-            <a:endParaRPr lang="en-GB" dirty="0"/>
-          </a:p>
-          <a:p>
-            <a:r>
-              <a:rPr lang="en-US" dirty="0"/>
-              <a:t>The object level </a:t>
-            </a:r>
-          </a:p>
-          <a:p>
-            <a:pPr lvl="1"/>
-            <a:r>
-              <a:rPr lang="en-US" dirty="0"/>
-              <a:t>At this level, you directly reuse objects from a library rather than writing the code yourself. </a:t>
-            </a:r>
-            <a:endParaRPr lang="en-GB" dirty="0"/>
-          </a:p>
-          <a:p>
-            <a:r>
-              <a:rPr lang="en-US" dirty="0"/>
-              <a:t>The component level </a:t>
-            </a:r>
-          </a:p>
-          <a:p>
-            <a:pPr lvl="1"/>
-            <a:r>
-              <a:rPr lang="en-US" dirty="0"/>
-              <a:t>Components are collections of objects and object classes that you reuse in application systems. </a:t>
-            </a:r>
-            <a:endParaRPr lang="en-GB" dirty="0"/>
-          </a:p>
-          <a:p>
-            <a:r>
-              <a:rPr lang="en-US" dirty="0"/>
-              <a:t>The system level </a:t>
-            </a:r>
-          </a:p>
-          <a:p>
-            <a:pPr lvl="1"/>
-            <a:r>
-              <a:rPr lang="en-US" dirty="0"/>
-              <a:t>At this level, you reuse entire application systems. </a:t>
-            </a:r>
-          </a:p>
-        </p:txBody>
-      </p:sp>
-      <p:sp>
-        <p:nvSpPr>
-          <p:cNvPr id="4" name="Slide Number Placeholder 3"/>
-          <p:cNvSpPr>
-            <a:spLocks noGrp="1"/>
-          </p:cNvSpPr>
-          <p:nvPr>
-            <p:ph type="sldNum" sz="quarter" idx="5"/>
-          </p:nvPr>
-        </p:nvSpPr>
-        <p:spPr/>
-        <p:txBody>
-          <a:bodyPr/>
-          <a:lstStyle/>
-          <a:p>
-            <a:fld id="{2409C4FB-DC9D-443A-B59A-674DF8005B57}" type="slidenum">
-              <a:rPr lang="en-US" smtClean="0"/>
-              <a:t>20</a:t>
-            </a:fld>
-            <a:endParaRPr lang="en-US"/>
-          </a:p>
-        </p:txBody>
-      </p:sp>
-    </p:spTree>
-    <p:extLst>
-      <p:ext uri="{BB962C8B-B14F-4D97-AF65-F5344CB8AC3E}">
-        <p14:creationId xmlns:p14="http://schemas.microsoft.com/office/powerpoint/2010/main" val="590082539"/>
+        <p14:creationId xmlns:p14="http://schemas.microsoft.com/office/powerpoint/2010/main" val="3053241619"/>
       </p:ext>
     </p:extLst>
   </p:cSld>
@@ -1785,68 +1600,32 @@
           <a:bodyPr/>
           <a:lstStyle/>
           <a:p>
-            <a:pPr lvl="1">
-              <a:lnSpc>
-                <a:spcPct val="90000"/>
-              </a:lnSpc>
-            </a:pPr>
-            <a:r>
-              <a:rPr lang="en-GB" dirty="0"/>
-              <a:t>Objects are arranged horizontally across the top;</a:t>
-            </a:r>
-          </a:p>
-          <a:p>
-            <a:pPr lvl="1">
-              <a:lnSpc>
-                <a:spcPct val="90000"/>
-              </a:lnSpc>
-            </a:pPr>
-            <a:r>
-              <a:rPr lang="en-GB" dirty="0"/>
-              <a:t>Time is represented vertically so models are read top to bottom;</a:t>
-            </a:r>
-          </a:p>
-          <a:p>
-            <a:pPr lvl="1">
-              <a:lnSpc>
-                <a:spcPct val="90000"/>
-              </a:lnSpc>
-            </a:pPr>
-            <a:r>
-              <a:rPr lang="en-GB" b="1" dirty="0"/>
-              <a:t>Interactions</a:t>
-            </a:r>
-            <a:r>
-              <a:rPr lang="en-GB" dirty="0"/>
-              <a:t> are represented by labelled arrows, Different styles of arrow represent different types of interaction;</a:t>
-            </a:r>
-          </a:p>
-          <a:p>
-            <a:pPr lvl="1">
-              <a:lnSpc>
-                <a:spcPct val="90000"/>
-              </a:lnSpc>
-            </a:pPr>
-            <a:r>
-              <a:rPr lang="en-GB" dirty="0"/>
-              <a:t>A thin rectangle in an object lifeline represents the time when the object is the controlling object in the system.</a:t>
-            </a:r>
-          </a:p>
-          <a:p>
-            <a:pPr lvl="1">
-              <a:lnSpc>
-                <a:spcPct val="90000"/>
-              </a:lnSpc>
-            </a:pPr>
-            <a:endParaRPr lang="en-US" dirty="0"/>
-          </a:p>
-          <a:p>
-            <a:pPr lvl="1">
-              <a:lnSpc>
-                <a:spcPct val="90000"/>
-              </a:lnSpc>
-            </a:pPr>
-            <a:endParaRPr lang="en-GB" dirty="0"/>
+            <a:r>
+              <a:rPr lang="en-US" sz="1200" b="0" kern="1200" dirty="0">
+                <a:solidFill>
+                  <a:schemeClr val="tx1"/>
+                </a:solidFill>
+                <a:effectLst/>
+                <a:latin typeface="+mn-lt"/>
+                <a:ea typeface="+mn-ea"/>
+                <a:cs typeface="+mn-cs"/>
+              </a:rPr>
+              <a:t>State diagrams are useful high-level models of a system or an object’s operation.</a:t>
+            </a:r>
+          </a:p>
+          <a:p>
+            <a:r>
+              <a:rPr lang="en-US" sz="1200" b="0" kern="1200" dirty="0">
+                <a:solidFill>
+                  <a:schemeClr val="tx1"/>
+                </a:solidFill>
+                <a:effectLst/>
+                <a:latin typeface="+mn-lt"/>
+                <a:ea typeface="+mn-ea"/>
+                <a:cs typeface="+mn-cs"/>
+              </a:rPr>
+              <a:t>You don’t usually need a state diagram for all of the objects in the system. Many of the objects in a system are relatively simple and a state model adds unnecessary detail to the design</a:t>
+            </a:r>
           </a:p>
         </p:txBody>
       </p:sp>
@@ -1876,7 +1655,7 @@
     </p:spTree>
     <p:extLst>
       <p:ext uri="{BB962C8B-B14F-4D97-AF65-F5344CB8AC3E}">
-        <p14:creationId xmlns:p14="http://schemas.microsoft.com/office/powerpoint/2010/main" val="541205473"/>
+        <p14:creationId xmlns:p14="http://schemas.microsoft.com/office/powerpoint/2010/main" val="1040362761"/>
       </p:ext>
     </p:extLst>
   </p:cSld>
@@ -1940,7 +1719,7 @@
                 <a:ea typeface="+mn-ea"/>
                 <a:cs typeface="+mn-cs"/>
               </a:rPr>
-              <a:t>State diagrams are useful high-level models of a system or an object’s operation.</a:t>
+              <a:t>Design patterns were derived from ideas put forward by Christopher Alexander</a:t>
             </a:r>
           </a:p>
           <a:p>
@@ -1954,8 +1733,25 @@
                 <a:ea typeface="+mn-ea"/>
                 <a:cs typeface="+mn-cs"/>
               </a:rPr>
-              <a:t>You don’t usually need a state diagram for all of the objects in the system. Many of the objects in a system are relatively simple and a state model adds unnecessary detail to the design</a:t>
-            </a:r>
+              <a:t>(Alexander et al., 1977), who suggested that there were certain common patterns of</a:t>
+            </a:r>
+          </a:p>
+          <a:p>
+            <a:r>
+              <a:rPr lang="en-US" sz="1200" b="0" kern="1200" dirty="0">
+                <a:solidFill>
+                  <a:schemeClr val="tx1"/>
+                </a:solidFill>
+                <a:effectLst/>
+                <a:latin typeface="+mn-lt"/>
+                <a:ea typeface="+mn-ea"/>
+                <a:cs typeface="+mn-cs"/>
+              </a:rPr>
+              <a:t>building design that were inherently pleasing and effective.</a:t>
+            </a:r>
+          </a:p>
+          <a:p>
+            <a:endParaRPr lang="en-US" dirty="0"/>
           </a:p>
         </p:txBody>
       </p:sp>
@@ -1976,7 +1772,7 @@
           <a:p>
             <a:fld id="{2409C4FB-DC9D-443A-B59A-674DF8005B57}" type="slidenum">
               <a:rPr lang="en-US" smtClean="0"/>
-              <a:t>12</a:t>
+              <a:t>13</a:t>
             </a:fld>
             <a:endParaRPr lang="en-US"/>
           </a:p>
@@ -1985,7 +1781,7 @@
     </p:spTree>
     <p:extLst>
       <p:ext uri="{BB962C8B-B14F-4D97-AF65-F5344CB8AC3E}">
-        <p14:creationId xmlns:p14="http://schemas.microsoft.com/office/powerpoint/2010/main" val="1040362761"/>
+        <p14:creationId xmlns:p14="http://schemas.microsoft.com/office/powerpoint/2010/main" val="3193709210"/>
       </p:ext>
     </p:extLst>
   </p:cSld>
@@ -2039,48 +1835,6 @@
           <a:bodyPr/>
           <a:lstStyle/>
           <a:p>
-            <a:r>
-              <a:rPr lang="en-US" sz="1200" b="0" kern="1200" dirty="0">
-                <a:solidFill>
-                  <a:schemeClr val="tx1"/>
-                </a:solidFill>
-                <a:effectLst/>
-                <a:latin typeface="+mn-lt"/>
-                <a:ea typeface="+mn-ea"/>
-                <a:cs typeface="+mn-cs"/>
-              </a:rPr>
-              <a:t>Design patterns were derived from ideas put forward by Christopher Alexander</a:t>
-            </a:r>
-          </a:p>
-          <a:p>
-            <a:r>
-              <a:rPr lang="en-US" sz="1200" b="0" kern="1200" dirty="0">
-                <a:solidFill>
-                  <a:schemeClr val="tx1"/>
-                </a:solidFill>
-                <a:effectLst/>
-                <a:latin typeface="+mn-lt"/>
-                <a:ea typeface="+mn-ea"/>
-                <a:cs typeface="+mn-cs"/>
-              </a:rPr>
-              <a:t>(Alexander et al., 1977), who suggested that there were certain common patterns of</a:t>
-            </a:r>
-          </a:p>
-          <a:p>
-            <a:r>
-              <a:rPr lang="en-US" sz="1200" b="0" kern="1200" dirty="0">
-                <a:solidFill>
-                  <a:schemeClr val="tx1"/>
-                </a:solidFill>
-                <a:effectLst/>
-                <a:latin typeface="+mn-lt"/>
-                <a:ea typeface="+mn-ea"/>
-                <a:cs typeface="+mn-cs"/>
-              </a:rPr>
-              <a:t>building design that were inherently pleasing and effective.</a:t>
-            </a:r>
-          </a:p>
-          <a:p>
             <a:endParaRPr lang="en-US" dirty="0"/>
           </a:p>
         </p:txBody>
@@ -2111,7 +1865,7 @@
     </p:spTree>
     <p:extLst>
       <p:ext uri="{BB962C8B-B14F-4D97-AF65-F5344CB8AC3E}">
-        <p14:creationId xmlns:p14="http://schemas.microsoft.com/office/powerpoint/2010/main" val="3193709210"/>
+        <p14:creationId xmlns:p14="http://schemas.microsoft.com/office/powerpoint/2010/main" val="1595860565"/>
       </p:ext>
     </p:extLst>
   </p:cSld>
@@ -6311,99 +6065,6 @@
           <p:cNvPr id="2" name="Title 1">
             <a:extLst>
               <a:ext uri="{FF2B5EF4-FFF2-40B4-BE49-F238E27FC236}">
-                <a16:creationId xmlns:a16="http://schemas.microsoft.com/office/drawing/2014/main" id="{6A1624C0-7F73-41A6-A34D-6311A76EC42F}"/>
-              </a:ext>
-            </a:extLst>
-          </p:cNvPr>
-          <p:cNvSpPr>
-            <a:spLocks noGrp="1"/>
-          </p:cNvSpPr>
-          <p:nvPr>
-            <p:ph type="title"/>
-          </p:nvPr>
-        </p:nvSpPr>
-        <p:spPr/>
-        <p:txBody>
-          <a:bodyPr/>
-          <a:lstStyle/>
-          <a:p>
-            <a:r>
-              <a:rPr lang="en-US" dirty="0"/>
-              <a:t>Sequence diagram</a:t>
-            </a:r>
-          </a:p>
-        </p:txBody>
-      </p:sp>
-      <p:pic>
-        <p:nvPicPr>
-          <p:cNvPr id="5" name="Content Placeholder 4">
-            <a:extLst>
-              <a:ext uri="{FF2B5EF4-FFF2-40B4-BE49-F238E27FC236}">
-                <a16:creationId xmlns:a16="http://schemas.microsoft.com/office/drawing/2014/main" id="{1FB6A6DC-CD7C-4EF3-8450-B170E9AFE66E}"/>
-              </a:ext>
-            </a:extLst>
-          </p:cNvPr>
-          <p:cNvPicPr>
-            <a:picLocks noGrp="1" noChangeAspect="1"/>
-          </p:cNvPicPr>
-          <p:nvPr>
-            <p:ph idx="1"/>
-          </p:nvPr>
-        </p:nvPicPr>
-        <p:blipFill>
-          <a:blip r:embed="rId3">
-            <a:extLst>
-              <a:ext uri="{28A0092B-C50C-407E-A947-70E740481C1C}">
-                <a14:useLocalDpi xmlns:a14="http://schemas.microsoft.com/office/drawing/2010/main" val="0"/>
-              </a:ext>
-            </a:extLst>
-          </a:blip>
-          <a:stretch>
-            <a:fillRect/>
-          </a:stretch>
-        </p:blipFill>
-        <p:spPr>
-          <a:xfrm>
-            <a:off x="581192" y="2081866"/>
-            <a:ext cx="7989752" cy="4429400"/>
-          </a:xfrm>
-        </p:spPr>
-      </p:pic>
-    </p:spTree>
-    <p:extLst>
-      <p:ext uri="{BB962C8B-B14F-4D97-AF65-F5344CB8AC3E}">
-        <p14:creationId xmlns:p14="http://schemas.microsoft.com/office/powerpoint/2010/main" val="1777977493"/>
-      </p:ext>
-    </p:extLst>
-  </p:cSld>
-  <p:clrMapOvr>
-    <a:masterClrMapping/>
-  </p:clrMapOvr>
-</p:sld>
-</file>
-
-<file path=ppt/slides/slide12.xml><?xml version="1.0" encoding="utf-8"?>
-<p:sld xmlns:a="http://schemas.openxmlformats.org/drawingml/2006/main" xmlns:r="http://schemas.openxmlformats.org/officeDocument/2006/relationships" xmlns:p="http://schemas.openxmlformats.org/presentationml/2006/main">
-  <p:cSld>
-    <p:spTree>
-      <p:nvGrpSpPr>
-        <p:cNvPr id="1" name=""/>
-        <p:cNvGrpSpPr/>
-        <p:nvPr/>
-      </p:nvGrpSpPr>
-      <p:grpSpPr>
-        <a:xfrm>
-          <a:off x="0" y="0"/>
-          <a:ext cx="0" cy="0"/>
-          <a:chOff x="0" y="0"/>
-          <a:chExt cx="0" cy="0"/>
-        </a:xfrm>
-      </p:grpSpPr>
-      <p:sp>
-        <p:nvSpPr>
-          <p:cNvPr id="2" name="Title 1">
-            <a:extLst>
-              <a:ext uri="{FF2B5EF4-FFF2-40B4-BE49-F238E27FC236}">
                 <a16:creationId xmlns:a16="http://schemas.microsoft.com/office/drawing/2014/main" id="{6BB45249-B717-477F-91D9-C8A02637B904}"/>
               </a:ext>
             </a:extLst>
@@ -6475,7 +6136,7 @@
 </p:sld>
 </file>
 
-<file path=ppt/slides/slide13.xml><?xml version="1.0" encoding="utf-8"?>
+<file path=ppt/slides/slide12.xml><?xml version="1.0" encoding="utf-8"?>
 <p:sld xmlns:a="http://schemas.openxmlformats.org/drawingml/2006/main" xmlns:r="http://schemas.openxmlformats.org/officeDocument/2006/relationships" xmlns:p="http://schemas.openxmlformats.org/presentationml/2006/main">
   <p:cSld>
     <p:bg>
@@ -6912,6 +6573,107 @@
     <p:extLst>
       <p:ext uri="{BB962C8B-B14F-4D97-AF65-F5344CB8AC3E}">
         <p14:creationId xmlns:p14="http://schemas.microsoft.com/office/powerpoint/2010/main" val="1684734620"/>
+      </p:ext>
+    </p:extLst>
+  </p:cSld>
+  <p:clrMapOvr>
+    <a:masterClrMapping/>
+  </p:clrMapOvr>
+</p:sld>
+</file>
+
+<file path=ppt/slides/slide13.xml><?xml version="1.0" encoding="utf-8"?>
+<p:sld xmlns:a="http://schemas.openxmlformats.org/drawingml/2006/main" xmlns:r="http://schemas.openxmlformats.org/officeDocument/2006/relationships" xmlns:p="http://schemas.openxmlformats.org/presentationml/2006/main">
+  <p:cSld>
+    <p:spTree>
+      <p:nvGrpSpPr>
+        <p:cNvPr id="1" name=""/>
+        <p:cNvGrpSpPr/>
+        <p:nvPr/>
+      </p:nvGrpSpPr>
+      <p:grpSpPr>
+        <a:xfrm>
+          <a:off x="0" y="0"/>
+          <a:ext cx="0" cy="0"/>
+          <a:chOff x="0" y="0"/>
+          <a:chExt cx="0" cy="0"/>
+        </a:xfrm>
+      </p:grpSpPr>
+      <p:sp>
+        <p:nvSpPr>
+          <p:cNvPr id="2" name="Title 1">
+            <a:extLst>
+              <a:ext uri="{FF2B5EF4-FFF2-40B4-BE49-F238E27FC236}">
+                <a16:creationId xmlns:a16="http://schemas.microsoft.com/office/drawing/2014/main" id="{B5885EE2-D61D-439C-B8FC-41B524FEA028}"/>
+              </a:ext>
+            </a:extLst>
+          </p:cNvPr>
+          <p:cNvSpPr>
+            <a:spLocks noGrp="1"/>
+          </p:cNvSpPr>
+          <p:nvPr>
+            <p:ph type="title"/>
+          </p:nvPr>
+        </p:nvSpPr>
+        <p:spPr/>
+        <p:txBody>
+          <a:bodyPr/>
+          <a:lstStyle/>
+          <a:p>
+            <a:r>
+              <a:rPr lang="en-US" dirty="0"/>
+              <a:t>Design patterns</a:t>
+            </a:r>
+          </a:p>
+        </p:txBody>
+      </p:sp>
+      <p:sp>
+        <p:nvSpPr>
+          <p:cNvPr id="3" name="Content Placeholder 2">
+            <a:extLst>
+              <a:ext uri="{FF2B5EF4-FFF2-40B4-BE49-F238E27FC236}">
+                <a16:creationId xmlns:a16="http://schemas.microsoft.com/office/drawing/2014/main" id="{2B9F1572-67C4-4AF0-881F-8734379CD6A3}"/>
+              </a:ext>
+            </a:extLst>
+          </p:cNvPr>
+          <p:cNvSpPr>
+            <a:spLocks noGrp="1"/>
+          </p:cNvSpPr>
+          <p:nvPr>
+            <p:ph idx="1"/>
+          </p:nvPr>
+        </p:nvSpPr>
+        <p:spPr/>
+        <p:txBody>
+          <a:bodyPr>
+            <a:normAutofit/>
+          </a:bodyPr>
+          <a:lstStyle/>
+          <a:p>
+            <a:r>
+              <a:rPr lang="en-GB" sz="2000" dirty="0"/>
+              <a:t>A way of reusing abstract knowledge about a common problem and its solution.</a:t>
+            </a:r>
+          </a:p>
+          <a:p>
+            <a:r>
+              <a:rPr lang="en-US" sz="2000" dirty="0"/>
+              <a:t>Patterns are a great idea but you need experience of software design to use them effectively.</a:t>
+            </a:r>
+          </a:p>
+          <a:p>
+            <a:r>
+              <a:rPr lang="en-US" sz="2000" dirty="0"/>
+              <a:t>You have to recognize situations where a pattern can be applied.</a:t>
+            </a:r>
+            <a:endParaRPr lang="en-GB" sz="2000" dirty="0"/>
+          </a:p>
+        </p:txBody>
+      </p:sp>
+    </p:spTree>
+    <p:extLst>
+      <p:ext uri="{BB962C8B-B14F-4D97-AF65-F5344CB8AC3E}">
+        <p14:creationId xmlns:p14="http://schemas.microsoft.com/office/powerpoint/2010/main" val="2260861453"/>
       </p:ext>
     </p:extLst>
   </p:cSld>
@@ -6943,107 +6705,6 @@
           <p:cNvPr id="2" name="Title 1">
             <a:extLst>
               <a:ext uri="{FF2B5EF4-FFF2-40B4-BE49-F238E27FC236}">
-                <a16:creationId xmlns:a16="http://schemas.microsoft.com/office/drawing/2014/main" id="{B5885EE2-D61D-439C-B8FC-41B524FEA028}"/>
-              </a:ext>
-            </a:extLst>
-          </p:cNvPr>
-          <p:cNvSpPr>
-            <a:spLocks noGrp="1"/>
-          </p:cNvSpPr>
-          <p:nvPr>
-            <p:ph type="title"/>
-          </p:nvPr>
-        </p:nvSpPr>
-        <p:spPr/>
-        <p:txBody>
-          <a:bodyPr/>
-          <a:lstStyle/>
-          <a:p>
-            <a:r>
-              <a:rPr lang="en-US" dirty="0"/>
-              <a:t>Design patterns</a:t>
-            </a:r>
-          </a:p>
-        </p:txBody>
-      </p:sp>
-      <p:sp>
-        <p:nvSpPr>
-          <p:cNvPr id="3" name="Content Placeholder 2">
-            <a:extLst>
-              <a:ext uri="{FF2B5EF4-FFF2-40B4-BE49-F238E27FC236}">
-                <a16:creationId xmlns:a16="http://schemas.microsoft.com/office/drawing/2014/main" id="{2B9F1572-67C4-4AF0-881F-8734379CD6A3}"/>
-              </a:ext>
-            </a:extLst>
-          </p:cNvPr>
-          <p:cNvSpPr>
-            <a:spLocks noGrp="1"/>
-          </p:cNvSpPr>
-          <p:nvPr>
-            <p:ph idx="1"/>
-          </p:nvPr>
-        </p:nvSpPr>
-        <p:spPr/>
-        <p:txBody>
-          <a:bodyPr>
-            <a:normAutofit/>
-          </a:bodyPr>
-          <a:lstStyle/>
-          <a:p>
-            <a:r>
-              <a:rPr lang="en-GB" sz="2000" dirty="0"/>
-              <a:t>A way of reusing abstract knowledge about a common problem and its solution.</a:t>
-            </a:r>
-          </a:p>
-          <a:p>
-            <a:r>
-              <a:rPr lang="en-US" sz="2000" dirty="0"/>
-              <a:t>Patterns are a great idea but you need experience of software design to use them effectively.</a:t>
-            </a:r>
-          </a:p>
-          <a:p>
-            <a:r>
-              <a:rPr lang="en-US" sz="2000" dirty="0"/>
-              <a:t>You have to recognize situations where a pattern can be applied.</a:t>
-            </a:r>
-            <a:endParaRPr lang="en-GB" sz="2000" dirty="0"/>
-          </a:p>
-        </p:txBody>
-      </p:sp>
-    </p:spTree>
-    <p:extLst>
-      <p:ext uri="{BB962C8B-B14F-4D97-AF65-F5344CB8AC3E}">
-        <p14:creationId xmlns:p14="http://schemas.microsoft.com/office/powerpoint/2010/main" val="2260861453"/>
-      </p:ext>
-    </p:extLst>
-  </p:cSld>
-  <p:clrMapOvr>
-    <a:masterClrMapping/>
-  </p:clrMapOvr>
-</p:sld>
-</file>
-
-<file path=ppt/slides/slide15.xml><?xml version="1.0" encoding="utf-8"?>
-<p:sld xmlns:a="http://schemas.openxmlformats.org/drawingml/2006/main" xmlns:r="http://schemas.openxmlformats.org/officeDocument/2006/relationships" xmlns:p="http://schemas.openxmlformats.org/presentationml/2006/main">
-  <p:cSld>
-    <p:spTree>
-      <p:nvGrpSpPr>
-        <p:cNvPr id="1" name=""/>
-        <p:cNvGrpSpPr/>
-        <p:nvPr/>
-      </p:nvGrpSpPr>
-      <p:grpSpPr>
-        <a:xfrm>
-          <a:off x="0" y="0"/>
-          <a:ext cx="0" cy="0"/>
-          <a:chOff x="0" y="0"/>
-          <a:chExt cx="0" cy="0"/>
-        </a:xfrm>
-      </p:grpSpPr>
-      <p:sp>
-        <p:nvSpPr>
-          <p:cNvPr id="2" name="Title 1">
-            <a:extLst>
-              <a:ext uri="{FF2B5EF4-FFF2-40B4-BE49-F238E27FC236}">
                 <a16:creationId xmlns:a16="http://schemas.microsoft.com/office/drawing/2014/main" id="{04A63167-A459-44DB-BF5B-F04EDB94A6B4}"/>
               </a:ext>
             </a:extLst>
@@ -7777,9 +7438,17 @@
 </p:sld>
 </file>
 
-<file path=ppt/slides/slide16.xml><?xml version="1.0" encoding="utf-8"?>
+<file path=ppt/slides/slide15.xml><?xml version="1.0" encoding="utf-8"?>
 <p:sld xmlns:a="http://schemas.openxmlformats.org/drawingml/2006/main" xmlns:r="http://schemas.openxmlformats.org/officeDocument/2006/relationships" xmlns:p="http://schemas.openxmlformats.org/presentationml/2006/main">
   <p:cSld>
+    <p:bg>
+      <p:bgPr>
+        <a:solidFill>
+          <a:schemeClr val="bg1"/>
+        </a:solidFill>
+        <a:effectLst/>
+      </p:bgPr>
+    </p:bg>
     <p:spTree>
       <p:nvGrpSpPr>
         <p:cNvPr id="1" name=""/>
@@ -7796,10 +7465,127 @@
       </p:grpSpPr>
       <p:sp>
         <p:nvSpPr>
+          <p:cNvPr id="73" name="Rectangle 72">
+            <a:extLst>
+              <a:ext uri="{FF2B5EF4-FFF2-40B4-BE49-F238E27FC236}">
+                <a16:creationId xmlns:a16="http://schemas.microsoft.com/office/drawing/2014/main" id="{636F6DB7-CF8D-494A-82F6-13B58DCA9896}"/>
+              </a:ext>
+              <a:ext uri="{C183D7F6-B498-43B3-948B-1728B52AA6E4}">
+                <adec:decorative xmlns:adec="http://schemas.microsoft.com/office/drawing/2017/decorative" val="1"/>
+              </a:ext>
+            </a:extLst>
+          </p:cNvPr>
+          <p:cNvSpPr>
+            <a:spLocks noGrp="1" noRot="1" noChangeAspect="1" noMove="1" noResize="1" noEditPoints="1" noAdjustHandles="1" noChangeArrowheads="1" noChangeShapeType="1" noTextEdit="1"/>
+          </p:cNvSpPr>
+          <p:nvPr>
+            <p:extLst>
+              <p:ext uri="{386F3935-93C4-4BCD-93E2-E3B085C9AB24}">
+                <p16:designElem xmlns:p16="http://schemas.microsoft.com/office/powerpoint/2015/main" val="1"/>
+              </p:ext>
+            </p:extLst>
+          </p:nvPr>
+        </p:nvSpPr>
+        <p:spPr>
+          <a:xfrm>
+            <a:off x="0" y="0"/>
+            <a:ext cx="9144000" cy="6858000"/>
+          </a:xfrm>
+          <a:prstGeom prst="rect">
+            <a:avLst/>
+          </a:prstGeom>
+          <a:solidFill>
+            <a:schemeClr val="tx1"/>
+          </a:solidFill>
+          <a:ln>
+            <a:noFill/>
+          </a:ln>
+        </p:spPr>
+        <p:style>
+          <a:lnRef idx="2">
+            <a:schemeClr val="accent1">
+              <a:shade val="50000"/>
+            </a:schemeClr>
+          </a:lnRef>
+          <a:fillRef idx="1">
+            <a:schemeClr val="accent1"/>
+          </a:fillRef>
+          <a:effectRef idx="0">
+            <a:schemeClr val="accent1"/>
+          </a:effectRef>
+          <a:fontRef idx="minor">
+            <a:schemeClr val="lt1"/>
+          </a:fontRef>
+        </p:style>
+        <p:txBody>
+          <a:bodyPr rtlCol="0" anchor="ctr"/>
+          <a:lstStyle/>
+          <a:p>
+            <a:pPr algn="ctr"/>
+            <a:endParaRPr lang="en-US"/>
+          </a:p>
+        </p:txBody>
+      </p:sp>
+      <p:sp>
+        <p:nvSpPr>
+          <p:cNvPr id="75" name="Rectangle 74">
+            <a:extLst>
+              <a:ext uri="{FF2B5EF4-FFF2-40B4-BE49-F238E27FC236}">
+                <a16:creationId xmlns:a16="http://schemas.microsoft.com/office/drawing/2014/main" id="{0B7E5194-6E82-4A44-99C3-FE7D87F34134}"/>
+              </a:ext>
+              <a:ext uri="{C183D7F6-B498-43B3-948B-1728B52AA6E4}">
+                <adec:decorative xmlns:adec="http://schemas.microsoft.com/office/drawing/2017/decorative" val="1"/>
+              </a:ext>
+            </a:extLst>
+          </p:cNvPr>
+          <p:cNvSpPr>
+            <a:spLocks noGrp="1" noRot="1" noChangeAspect="1" noMove="1" noResize="1" noEditPoints="1" noAdjustHandles="1" noChangeArrowheads="1" noChangeShapeType="1" noTextEdit="1"/>
+          </p:cNvSpPr>
+          <p:nvPr>
+            <p:extLst>
+              <p:ext uri="{386F3935-93C4-4BCD-93E2-E3B085C9AB24}">
+                <p16:designElem xmlns:p16="http://schemas.microsoft.com/office/powerpoint/2015/main" val="1"/>
+              </p:ext>
+            </p:extLst>
+          </p:nvPr>
+        </p:nvSpPr>
+        <p:spPr>
+          <a:xfrm>
+            <a:off x="331782" y="614407"/>
+            <a:ext cx="2780608" cy="5611772"/>
+          </a:xfrm>
+          <a:prstGeom prst="rect">
+            <a:avLst/>
+          </a:prstGeom>
+          <a:solidFill>
+            <a:schemeClr val="accent1"/>
+          </a:solidFill>
+          <a:ln>
+            <a:noFill/>
+          </a:ln>
+          <a:effectLst/>
+        </p:spPr>
+        <p:style>
+          <a:lnRef idx="1">
+            <a:schemeClr val="accent1"/>
+          </a:lnRef>
+          <a:fillRef idx="3">
+            <a:schemeClr val="accent1"/>
+          </a:fillRef>
+          <a:effectRef idx="2">
+            <a:schemeClr val="accent1"/>
+          </a:effectRef>
+          <a:fontRef idx="minor">
+            <a:schemeClr val="lt1"/>
+          </a:fontRef>
+        </p:style>
+      </p:sp>
+      <p:sp>
+        <p:nvSpPr>
           <p:cNvPr id="2" name="Title 1">
             <a:extLst>
               <a:ext uri="{FF2B5EF4-FFF2-40B4-BE49-F238E27FC236}">
-                <a16:creationId xmlns:a16="http://schemas.microsoft.com/office/drawing/2014/main" id="{C27E7338-5944-4BDF-B9F6-31A1158D05BB}"/>
+                <a16:creationId xmlns:a16="http://schemas.microsoft.com/office/drawing/2014/main" id="{1D539BF1-049A-4C7E-BE4B-C7443235F5AE}"/>
               </a:ext>
             </a:extLst>
           </p:cNvPr>
@@ -7810,39 +7596,824 @@
             <p:ph type="title"/>
           </p:nvPr>
         </p:nvSpPr>
-        <p:spPr/>
-        <p:txBody>
-          <a:bodyPr/>
+        <p:spPr>
+          <a:xfrm>
+            <a:off x="573082" y="826346"/>
+            <a:ext cx="2378929" cy="1013800"/>
+          </a:xfrm>
+        </p:spPr>
+        <p:txBody>
+          <a:bodyPr>
+            <a:normAutofit/>
+          </a:bodyPr>
           <a:lstStyle/>
           <a:p>
             <a:r>
-              <a:rPr lang="en-US" dirty="0"/>
-              <a:t>Observer pattern</a:t>
+              <a:rPr lang="en-US" sz="2100" dirty="0">
+                <a:solidFill>
+                  <a:srgbClr val="FFFFFF"/>
+                </a:solidFill>
+              </a:rPr>
+              <a:t>SINGLETON</a:t>
+            </a:r>
+          </a:p>
+        </p:txBody>
+      </p:sp>
+      <p:grpSp>
+        <p:nvGrpSpPr>
+          <p:cNvPr id="77" name="Group 76">
+            <a:extLst>
+              <a:ext uri="{FF2B5EF4-FFF2-40B4-BE49-F238E27FC236}">
+                <a16:creationId xmlns:a16="http://schemas.microsoft.com/office/drawing/2014/main" id="{49FCC1E1-84D3-494D-A0A0-286AFA1C3018}"/>
+              </a:ext>
+              <a:ext uri="{C183D7F6-B498-43B3-948B-1728B52AA6E4}">
+                <adec:decorative xmlns:adec="http://schemas.microsoft.com/office/drawing/2017/decorative" val="1"/>
+              </a:ext>
+            </a:extLst>
+          </p:cNvPr>
+          <p:cNvGrpSpPr>
+            <a:grpSpLocks noGrp="1" noUngrp="1" noRot="1" noChangeAspect="1" noMove="1" noResize="1"/>
+          </p:cNvGrpSpPr>
+          <p:nvPr>
+            <p:extLst>
+              <p:ext uri="{386F3935-93C4-4BCD-93E2-E3B085C9AB24}">
+                <p16:designElem xmlns:p16="http://schemas.microsoft.com/office/powerpoint/2015/main" val="1"/>
+              </p:ext>
+            </p:extLst>
+          </p:nvPr>
+        </p:nvGrpSpPr>
+        <p:grpSpPr>
+          <a:xfrm>
+            <a:off x="334900" y="453643"/>
+            <a:ext cx="8474200" cy="98554"/>
+            <a:chOff x="446534" y="453643"/>
+            <a:chExt cx="11298933" cy="98554"/>
+          </a:xfrm>
+        </p:grpSpPr>
+        <p:sp>
+          <p:nvSpPr>
+            <p:cNvPr id="78" name="Rectangle 77">
+              <a:extLst>
+                <a:ext uri="{FF2B5EF4-FFF2-40B4-BE49-F238E27FC236}">
+                  <a16:creationId xmlns:a16="http://schemas.microsoft.com/office/drawing/2014/main" id="{96E09E90-FF79-402E-AF01-97A279BEADAD}"/>
+                </a:ext>
+                <a:ext uri="{C183D7F6-B498-43B3-948B-1728B52AA6E4}">
+                  <adec:decorative xmlns:adec="http://schemas.microsoft.com/office/drawing/2017/decorative" val="1"/>
+                </a:ext>
+              </a:extLst>
+            </p:cNvPr>
+            <p:cNvSpPr/>
+            <p:nvPr>
+              <p:extLst>
+                <p:ext uri="{386F3935-93C4-4BCD-93E2-E3B085C9AB24}">
+                  <p16:designElem xmlns:p16="http://schemas.microsoft.com/office/powerpoint/2015/main" val="1"/>
+                </p:ext>
+              </p:extLst>
+            </p:nvPr>
+          </p:nvSpPr>
+          <p:spPr>
+            <a:xfrm>
+              <a:off x="446534" y="457200"/>
+              <a:ext cx="3703320" cy="94997"/>
+            </a:xfrm>
+            <a:prstGeom prst="rect">
+              <a:avLst/>
+            </a:prstGeom>
+            <a:solidFill>
+              <a:schemeClr val="accent1"/>
+            </a:solidFill>
+            <a:ln>
+              <a:noFill/>
+            </a:ln>
+            <a:effectLst/>
+          </p:spPr>
+          <p:style>
+            <a:lnRef idx="1">
+              <a:schemeClr val="accent1"/>
+            </a:lnRef>
+            <a:fillRef idx="3">
+              <a:schemeClr val="accent1"/>
+            </a:fillRef>
+            <a:effectRef idx="2">
+              <a:schemeClr val="accent1"/>
+            </a:effectRef>
+            <a:fontRef idx="minor">
+              <a:schemeClr val="lt1"/>
+            </a:fontRef>
+          </p:style>
+        </p:sp>
+        <p:sp>
+          <p:nvSpPr>
+            <p:cNvPr id="79" name="Rectangle 78">
+              <a:extLst>
+                <a:ext uri="{FF2B5EF4-FFF2-40B4-BE49-F238E27FC236}">
+                  <a16:creationId xmlns:a16="http://schemas.microsoft.com/office/drawing/2014/main" id="{EC6946F8-4B9B-4C51-9F51-2DB377392CC1}"/>
+                </a:ext>
+                <a:ext uri="{C183D7F6-B498-43B3-948B-1728B52AA6E4}">
+                  <adec:decorative xmlns:adec="http://schemas.microsoft.com/office/drawing/2017/decorative" val="1"/>
+                </a:ext>
+              </a:extLst>
+            </p:cNvPr>
+            <p:cNvSpPr/>
+            <p:nvPr>
+              <p:extLst>
+                <p:ext uri="{386F3935-93C4-4BCD-93E2-E3B085C9AB24}">
+                  <p16:designElem xmlns:p16="http://schemas.microsoft.com/office/powerpoint/2015/main" val="1"/>
+                </p:ext>
+              </p:extLst>
+            </p:nvPr>
+          </p:nvSpPr>
+          <p:spPr>
+            <a:xfrm>
+              <a:off x="8042147" y="453643"/>
+              <a:ext cx="3703320" cy="98554"/>
+            </a:xfrm>
+            <a:prstGeom prst="rect">
+              <a:avLst/>
+            </a:prstGeom>
+            <a:solidFill>
+              <a:schemeClr val="accent4"/>
+            </a:solidFill>
+            <a:ln>
+              <a:noFill/>
+            </a:ln>
+            <a:effectLst/>
+          </p:spPr>
+          <p:style>
+            <a:lnRef idx="1">
+              <a:schemeClr val="accent1"/>
+            </a:lnRef>
+            <a:fillRef idx="3">
+              <a:schemeClr val="accent1"/>
+            </a:fillRef>
+            <a:effectRef idx="2">
+              <a:schemeClr val="accent1"/>
+            </a:effectRef>
+            <a:fontRef idx="minor">
+              <a:schemeClr val="lt1"/>
+            </a:fontRef>
+          </p:style>
+        </p:sp>
+        <p:sp>
+          <p:nvSpPr>
+            <p:cNvPr id="80" name="Rectangle 79">
+              <a:extLst>
+                <a:ext uri="{FF2B5EF4-FFF2-40B4-BE49-F238E27FC236}">
+                  <a16:creationId xmlns:a16="http://schemas.microsoft.com/office/drawing/2014/main" id="{7B3D2B3D-A285-438C-A344-AED3E46A0782}"/>
+                </a:ext>
+                <a:ext uri="{C183D7F6-B498-43B3-948B-1728B52AA6E4}">
+                  <adec:decorative xmlns:adec="http://schemas.microsoft.com/office/drawing/2017/decorative" val="1"/>
+                </a:ext>
+              </a:extLst>
+            </p:cNvPr>
+            <p:cNvSpPr/>
+            <p:nvPr>
+              <p:extLst>
+                <p:ext uri="{386F3935-93C4-4BCD-93E2-E3B085C9AB24}">
+                  <p16:designElem xmlns:p16="http://schemas.microsoft.com/office/powerpoint/2015/main" val="1"/>
+                </p:ext>
+              </p:extLst>
+            </p:nvPr>
+          </p:nvSpPr>
+          <p:spPr>
+            <a:xfrm>
+              <a:off x="4241830" y="457200"/>
+              <a:ext cx="3703320" cy="91440"/>
+            </a:xfrm>
+            <a:prstGeom prst="rect">
+              <a:avLst/>
+            </a:prstGeom>
+            <a:solidFill>
+              <a:schemeClr val="accent2"/>
+            </a:solidFill>
+            <a:ln>
+              <a:noFill/>
+            </a:ln>
+            <a:effectLst/>
+          </p:spPr>
+          <p:style>
+            <a:lnRef idx="1">
+              <a:schemeClr val="accent1"/>
+            </a:lnRef>
+            <a:fillRef idx="3">
+              <a:schemeClr val="accent1"/>
+            </a:fillRef>
+            <a:effectRef idx="2">
+              <a:schemeClr val="accent1"/>
+            </a:effectRef>
+            <a:fontRef idx="minor">
+              <a:schemeClr val="lt1"/>
+            </a:fontRef>
+          </p:style>
+        </p:sp>
+      </p:grpSp>
+      <p:sp>
+        <p:nvSpPr>
+          <p:cNvPr id="1030" name="Content Placeholder 1029">
+            <a:extLst>
+              <a:ext uri="{FF2B5EF4-FFF2-40B4-BE49-F238E27FC236}">
+                <a16:creationId xmlns:a16="http://schemas.microsoft.com/office/drawing/2014/main" id="{899D56E0-19EC-4E49-AD96-9DE2DE4C4BA2}"/>
+              </a:ext>
+            </a:extLst>
+          </p:cNvPr>
+          <p:cNvSpPr>
+            <a:spLocks noGrp="1"/>
+          </p:cNvSpPr>
+          <p:nvPr>
+            <p:ph idx="1"/>
+          </p:nvPr>
+        </p:nvSpPr>
+        <p:spPr>
+          <a:xfrm>
+            <a:off x="573082" y="2052084"/>
+            <a:ext cx="2274937" cy="3856229"/>
+          </a:xfrm>
+        </p:spPr>
+        <p:txBody>
+          <a:bodyPr anchor="t">
+            <a:normAutofit/>
+          </a:bodyPr>
+          <a:lstStyle/>
+          <a:p>
+            <a:pPr marL="0" indent="0">
+              <a:buNone/>
+            </a:pPr>
+            <a:r>
+              <a:rPr lang="en-US" sz="1600" dirty="0">
+                <a:solidFill>
+                  <a:srgbClr val="FFFFFF"/>
+                </a:solidFill>
+              </a:rPr>
+              <a:t>When? When the application needs an object frequently, and the object itself is very computationally expensive.</a:t>
+            </a:r>
+          </a:p>
+          <a:p>
+            <a:pPr marL="0" indent="0">
+              <a:buNone/>
+            </a:pPr>
+            <a:endParaRPr lang="en-US" sz="1600" dirty="0">
+              <a:solidFill>
+                <a:srgbClr val="FFFFFF"/>
+              </a:solidFill>
+            </a:endParaRPr>
+          </a:p>
+          <a:p>
+            <a:pPr marL="0" indent="0">
+              <a:buNone/>
+            </a:pPr>
+            <a:r>
+              <a:rPr lang="en-US" sz="1600" dirty="0">
+                <a:solidFill>
+                  <a:srgbClr val="FFFFFF"/>
+                </a:solidFill>
+              </a:rPr>
+              <a:t>When not a good idea? When we using it in multi-thread scenario.</a:t>
             </a:r>
           </a:p>
         </p:txBody>
       </p:sp>
       <p:pic>
         <p:nvPicPr>
-          <p:cNvPr id="6" name="Content Placeholder 5">
+          <p:cNvPr id="1026" name="Picture 2" descr="https://i1.wp.com/www.javagists.com/wp-content/uploads/2017/09/singleton-pattern-Overview.png?resize=478%2C350&amp;ssl=1">
             <a:extLst>
               <a:ext uri="{FF2B5EF4-FFF2-40B4-BE49-F238E27FC236}">
-                <a16:creationId xmlns:a16="http://schemas.microsoft.com/office/drawing/2014/main" id="{B6996187-F1F9-4B80-B25A-EE9460CE21A8}"/>
+                <a16:creationId xmlns:a16="http://schemas.microsoft.com/office/drawing/2014/main" id="{4CF7C723-AEA9-4347-8581-F9F79AF18BE3}"/>
               </a:ext>
             </a:extLst>
           </p:cNvPr>
           <p:cNvPicPr>
-            <a:picLocks noGrp="1" noChangeAspect="1"/>
+            <a:picLocks noChangeAspect="1" noChangeArrowheads="1"/>
           </p:cNvPicPr>
-          <p:nvPr>
-            <p:ph idx="1"/>
-          </p:nvPr>
+          <p:nvPr/>
         </p:nvPicPr>
-        <p:blipFill>
-          <a:blip r:embed="rId3">
+        <p:blipFill rotWithShape="1">
+          <a:blip r:embed="rId2">
             <a:extLst>
               <a:ext uri="{28A0092B-C50C-407E-A947-70E740481C1C}">
                 <a14:useLocalDpi xmlns:a14="http://schemas.microsoft.com/office/drawing/2010/main" val="0"/>
+              </a:ext>
+            </a:extLst>
+          </a:blip>
+          <a:srcRect b="11461"/>
+          <a:stretch/>
+        </p:blipFill>
+        <p:spPr bwMode="auto">
+          <a:xfrm>
+            <a:off x="3193311" y="826346"/>
+            <a:ext cx="5615789" cy="3640716"/>
+          </a:xfrm>
+          <a:prstGeom prst="rect">
+            <a:avLst/>
+          </a:prstGeom>
+          <a:noFill/>
+          <a:extLst>
+            <a:ext uri="{909E8E84-426E-40DD-AFC4-6F175D3DCCD1}">
+              <a14:hiddenFill xmlns:a14="http://schemas.microsoft.com/office/drawing/2010/main">
+                <a:solidFill>
+                  <a:srgbClr val="FFFFFF"/>
+                </a:solidFill>
+              </a14:hiddenFill>
+            </a:ext>
+          </a:extLst>
+        </p:spPr>
+      </p:pic>
+      <p:sp>
+        <p:nvSpPr>
+          <p:cNvPr id="4" name="Rectangle 3">
+            <a:extLst>
+              <a:ext uri="{FF2B5EF4-FFF2-40B4-BE49-F238E27FC236}">
+                <a16:creationId xmlns:a16="http://schemas.microsoft.com/office/drawing/2014/main" id="{2E74F51D-9A7A-40FB-8E5A-8DDB4E4FC7E2}"/>
+              </a:ext>
+            </a:extLst>
+          </p:cNvPr>
+          <p:cNvSpPr/>
+          <p:nvPr/>
+        </p:nvSpPr>
+        <p:spPr>
+          <a:xfrm>
+            <a:off x="4840546" y="6246911"/>
+            <a:ext cx="3968554" cy="307777"/>
+          </a:xfrm>
+          <a:prstGeom prst="rect">
+            <a:avLst/>
+          </a:prstGeom>
+        </p:spPr>
+        <p:txBody>
+          <a:bodyPr wrap="square">
+            <a:spAutoFit/>
+          </a:bodyPr>
+          <a:lstStyle/>
+          <a:p>
+            <a:pPr algn="r"/>
+            <a:r>
+              <a:rPr lang="en-US" sz="1400" dirty="0">
+                <a:hlinkClick r:id="rId3"/>
+              </a:rPr>
+              <a:t>https://www.javagists.com/singleton-design-pattern</a:t>
+            </a:r>
+            <a:endParaRPr lang="en-US" sz="1400" dirty="0"/>
+          </a:p>
+        </p:txBody>
+      </p:sp>
+      <p:pic>
+        <p:nvPicPr>
+          <p:cNvPr id="6" name="Picture 5">
+            <a:extLst>
+              <a:ext uri="{FF2B5EF4-FFF2-40B4-BE49-F238E27FC236}">
+                <a16:creationId xmlns:a16="http://schemas.microsoft.com/office/drawing/2014/main" id="{24BA31ED-8040-4166-99CA-D5FAD679844C}"/>
+              </a:ext>
+            </a:extLst>
+          </p:cNvPr>
+          <p:cNvPicPr>
+            <a:picLocks noChangeAspect="1"/>
+          </p:cNvPicPr>
+          <p:nvPr/>
+        </p:nvPicPr>
+        <p:blipFill>
+          <a:blip r:embed="rId4"/>
+          <a:stretch>
+            <a:fillRect/>
+          </a:stretch>
+        </p:blipFill>
+        <p:spPr>
+          <a:xfrm>
+            <a:off x="3105361" y="4482861"/>
+            <a:ext cx="4686954" cy="1743318"/>
+          </a:xfrm>
+          <a:prstGeom prst="rect">
+            <a:avLst/>
+          </a:prstGeom>
+        </p:spPr>
+      </p:pic>
+    </p:spTree>
+    <p:extLst>
+      <p:ext uri="{BB962C8B-B14F-4D97-AF65-F5344CB8AC3E}">
+        <p14:creationId xmlns:p14="http://schemas.microsoft.com/office/powerpoint/2010/main" val="3674040947"/>
+      </p:ext>
+    </p:extLst>
+  </p:cSld>
+  <p:clrMapOvr>
+    <a:overrideClrMapping bg1="dk1" tx1="lt1" bg2="dk2" tx2="lt2" accent1="accent1" accent2="accent2" accent3="accent3" accent4="accent4" accent5="accent5" accent6="accent6" hlink="hlink" folHlink="folHlink"/>
+  </p:clrMapOvr>
+</p:sld>
+</file>
+
+<file path=ppt/slides/slide16.xml><?xml version="1.0" encoding="utf-8"?>
+<p:sld xmlns:a="http://schemas.openxmlformats.org/drawingml/2006/main" xmlns:r="http://schemas.openxmlformats.org/officeDocument/2006/relationships" xmlns:p="http://schemas.openxmlformats.org/presentationml/2006/main">
+  <p:cSld>
+    <p:bg>
+      <p:bgPr>
+        <a:solidFill>
+          <a:schemeClr val="bg1"/>
+        </a:solidFill>
+        <a:effectLst/>
+      </p:bgPr>
+    </p:bg>
+    <p:spTree>
+      <p:nvGrpSpPr>
+        <p:cNvPr id="1" name=""/>
+        <p:cNvGrpSpPr/>
+        <p:nvPr/>
+      </p:nvGrpSpPr>
+      <p:grpSpPr>
+        <a:xfrm>
+          <a:off x="0" y="0"/>
+          <a:ext cx="0" cy="0"/>
+          <a:chOff x="0" y="0"/>
+          <a:chExt cx="0" cy="0"/>
+        </a:xfrm>
+      </p:grpSpPr>
+      <p:sp>
+        <p:nvSpPr>
+          <p:cNvPr id="22" name="Rectangle 9">
+            <a:extLst>
+              <a:ext uri="{FF2B5EF4-FFF2-40B4-BE49-F238E27FC236}">
+                <a16:creationId xmlns:a16="http://schemas.microsoft.com/office/drawing/2014/main" id="{DB691D59-8F51-4DD8-AD41-D568D29B08F8}"/>
+              </a:ext>
+              <a:ext uri="{C183D7F6-B498-43B3-948B-1728B52AA6E4}">
+                <adec:decorative xmlns:adec="http://schemas.microsoft.com/office/drawing/2017/decorative" val="1"/>
+              </a:ext>
+            </a:extLst>
+          </p:cNvPr>
+          <p:cNvSpPr>
+            <a:spLocks noGrp="1" noRot="1" noChangeAspect="1" noMove="1" noResize="1" noEditPoints="1" noAdjustHandles="1" noChangeArrowheads="1" noChangeShapeType="1" noTextEdit="1"/>
+          </p:cNvSpPr>
+          <p:nvPr>
+            <p:extLst>
+              <p:ext uri="{386F3935-93C4-4BCD-93E2-E3B085C9AB24}">
+                <p16:designElem xmlns:p16="http://schemas.microsoft.com/office/powerpoint/2015/main" val="1"/>
+              </p:ext>
+            </p:extLst>
+          </p:nvPr>
+        </p:nvSpPr>
+        <p:spPr>
+          <a:xfrm>
+            <a:off x="334900" y="457200"/>
+            <a:ext cx="2777490" cy="94997"/>
+          </a:xfrm>
+          <a:prstGeom prst="rect">
+            <a:avLst/>
+          </a:prstGeom>
+          <a:solidFill>
+            <a:schemeClr val="accent1"/>
+          </a:solidFill>
+          <a:ln>
+            <a:noFill/>
+          </a:ln>
+          <a:effectLst/>
+        </p:spPr>
+        <p:style>
+          <a:lnRef idx="1">
+            <a:schemeClr val="accent1"/>
+          </a:lnRef>
+          <a:fillRef idx="3">
+            <a:schemeClr val="accent1"/>
+          </a:fillRef>
+          <a:effectRef idx="2">
+            <a:schemeClr val="accent1"/>
+          </a:effectRef>
+          <a:fontRef idx="minor">
+            <a:schemeClr val="lt1"/>
+          </a:fontRef>
+        </p:style>
+      </p:sp>
+      <p:sp>
+        <p:nvSpPr>
+          <p:cNvPr id="23" name="Rectangle 11">
+            <a:extLst>
+              <a:ext uri="{FF2B5EF4-FFF2-40B4-BE49-F238E27FC236}">
+                <a16:creationId xmlns:a16="http://schemas.microsoft.com/office/drawing/2014/main" id="{204AEF18-0627-48F3-9B3D-F7E8F050B1D4}"/>
+              </a:ext>
+              <a:ext uri="{C183D7F6-B498-43B3-948B-1728B52AA6E4}">
+                <adec:decorative xmlns:adec="http://schemas.microsoft.com/office/drawing/2017/decorative" val="1"/>
+              </a:ext>
+            </a:extLst>
+          </p:cNvPr>
+          <p:cNvSpPr>
+            <a:spLocks noGrp="1" noRot="1" noChangeAspect="1" noMove="1" noResize="1" noEditPoints="1" noAdjustHandles="1" noChangeArrowheads="1" noChangeShapeType="1" noTextEdit="1"/>
+          </p:cNvSpPr>
+          <p:nvPr>
+            <p:extLst>
+              <p:ext uri="{386F3935-93C4-4BCD-93E2-E3B085C9AB24}">
+                <p16:designElem xmlns:p16="http://schemas.microsoft.com/office/powerpoint/2015/main" val="1"/>
+              </p:ext>
+            </p:extLst>
+          </p:nvPr>
+        </p:nvSpPr>
+        <p:spPr>
+          <a:xfrm>
+            <a:off x="6031610" y="453643"/>
+            <a:ext cx="2777490" cy="98554"/>
+          </a:xfrm>
+          <a:prstGeom prst="rect">
+            <a:avLst/>
+          </a:prstGeom>
+          <a:solidFill>
+            <a:schemeClr val="accent4"/>
+          </a:solidFill>
+          <a:ln>
+            <a:noFill/>
+          </a:ln>
+          <a:effectLst/>
+        </p:spPr>
+        <p:style>
+          <a:lnRef idx="1">
+            <a:schemeClr val="accent1"/>
+          </a:lnRef>
+          <a:fillRef idx="3">
+            <a:schemeClr val="accent1"/>
+          </a:fillRef>
+          <a:effectRef idx="2">
+            <a:schemeClr val="accent1"/>
+          </a:effectRef>
+          <a:fontRef idx="minor">
+            <a:schemeClr val="lt1"/>
+          </a:fontRef>
+        </p:style>
+      </p:sp>
+      <p:sp>
+        <p:nvSpPr>
+          <p:cNvPr id="24" name="Rectangle 13">
+            <a:extLst>
+              <a:ext uri="{FF2B5EF4-FFF2-40B4-BE49-F238E27FC236}">
+                <a16:creationId xmlns:a16="http://schemas.microsoft.com/office/drawing/2014/main" id="{CEAEE08A-C572-438F-9753-B0D527A515A7}"/>
+              </a:ext>
+              <a:ext uri="{C183D7F6-B498-43B3-948B-1728B52AA6E4}">
+                <adec:decorative xmlns:adec="http://schemas.microsoft.com/office/drawing/2017/decorative" val="1"/>
+              </a:ext>
+            </a:extLst>
+          </p:cNvPr>
+          <p:cNvSpPr>
+            <a:spLocks noGrp="1" noRot="1" noChangeAspect="1" noMove="1" noResize="1" noEditPoints="1" noAdjustHandles="1" noChangeArrowheads="1" noChangeShapeType="1" noTextEdit="1"/>
+          </p:cNvSpPr>
+          <p:nvPr>
+            <p:extLst>
+              <p:ext uri="{386F3935-93C4-4BCD-93E2-E3B085C9AB24}">
+                <p16:designElem xmlns:p16="http://schemas.microsoft.com/office/powerpoint/2015/main" val="1"/>
+              </p:ext>
+            </p:extLst>
+          </p:nvPr>
+        </p:nvSpPr>
+        <p:spPr>
+          <a:xfrm>
+            <a:off x="3181372" y="457200"/>
+            <a:ext cx="2777490" cy="91440"/>
+          </a:xfrm>
+          <a:prstGeom prst="rect">
+            <a:avLst/>
+          </a:prstGeom>
+          <a:solidFill>
+            <a:schemeClr val="accent2"/>
+          </a:solidFill>
+          <a:ln>
+            <a:noFill/>
+          </a:ln>
+          <a:effectLst/>
+        </p:spPr>
+        <p:style>
+          <a:lnRef idx="1">
+            <a:schemeClr val="accent1"/>
+          </a:lnRef>
+          <a:fillRef idx="3">
+            <a:schemeClr val="accent1"/>
+          </a:fillRef>
+          <a:effectRef idx="2">
+            <a:schemeClr val="accent1"/>
+          </a:effectRef>
+          <a:fontRef idx="minor">
+            <a:schemeClr val="lt1"/>
+          </a:fontRef>
+        </p:style>
+      </p:sp>
+      <p:sp>
+        <p:nvSpPr>
+          <p:cNvPr id="25" name="Rectangle 15">
+            <a:extLst>
+              <a:ext uri="{FF2B5EF4-FFF2-40B4-BE49-F238E27FC236}">
+                <a16:creationId xmlns:a16="http://schemas.microsoft.com/office/drawing/2014/main" id="{DB93146F-62ED-4C59-844C-0935D0FB5031}"/>
+              </a:ext>
+              <a:ext uri="{C183D7F6-B498-43B3-948B-1728B52AA6E4}">
+                <adec:decorative xmlns:adec="http://schemas.microsoft.com/office/drawing/2017/decorative" val="1"/>
+              </a:ext>
+            </a:extLst>
+          </p:cNvPr>
+          <p:cNvSpPr>
+            <a:spLocks noGrp="1" noRot="1" noChangeAspect="1" noMove="1" noResize="1" noEditPoints="1" noAdjustHandles="1" noChangeArrowheads="1" noChangeShapeType="1" noTextEdit="1"/>
+          </p:cNvSpPr>
+          <p:nvPr>
+            <p:extLst>
+              <p:ext uri="{386F3935-93C4-4BCD-93E2-E3B085C9AB24}">
+                <p16:designElem xmlns:p16="http://schemas.microsoft.com/office/powerpoint/2015/main" val="1"/>
+              </p:ext>
+            </p:extLst>
+          </p:nvPr>
+        </p:nvSpPr>
+        <p:spPr>
+          <a:xfrm>
+            <a:off x="334900" y="3085765"/>
+            <a:ext cx="8447150" cy="3304800"/>
+          </a:xfrm>
+          <a:prstGeom prst="rect">
+            <a:avLst/>
+          </a:prstGeom>
+          <a:solidFill>
+            <a:schemeClr val="accent1"/>
+          </a:solidFill>
+          <a:ln>
+            <a:noFill/>
+          </a:ln>
+          <a:effectLst/>
+        </p:spPr>
+        <p:style>
+          <a:lnRef idx="1">
+            <a:schemeClr val="accent1"/>
+          </a:lnRef>
+          <a:fillRef idx="3">
+            <a:schemeClr val="accent1"/>
+          </a:fillRef>
+          <a:effectRef idx="2">
+            <a:schemeClr val="accent1"/>
+          </a:effectRef>
+          <a:fontRef idx="minor">
+            <a:schemeClr val="lt1"/>
+          </a:fontRef>
+        </p:style>
+      </p:sp>
+      <p:sp useBgFill="1">
+        <p:nvSpPr>
+          <p:cNvPr id="26" name="Rectangle 17">
+            <a:extLst>
+              <a:ext uri="{FF2B5EF4-FFF2-40B4-BE49-F238E27FC236}">
+                <a16:creationId xmlns:a16="http://schemas.microsoft.com/office/drawing/2014/main" id="{B5D795CF-5F70-4821-BB11-0B2B8FCCD45A}"/>
+              </a:ext>
+              <a:ext uri="{C183D7F6-B498-43B3-948B-1728B52AA6E4}">
+                <adec:decorative xmlns:adec="http://schemas.microsoft.com/office/drawing/2017/decorative" val="1"/>
+              </a:ext>
+            </a:extLst>
+          </p:cNvPr>
+          <p:cNvSpPr>
+            <a:spLocks noGrp="1" noRot="1" noChangeAspect="1" noMove="1" noResize="1" noEditPoints="1" noAdjustHandles="1" noChangeArrowheads="1" noChangeShapeType="1" noTextEdit="1"/>
+          </p:cNvSpPr>
+          <p:nvPr>
+            <p:extLst>
+              <p:ext uri="{386F3935-93C4-4BCD-93E2-E3B085C9AB24}">
+                <p16:designElem xmlns:p16="http://schemas.microsoft.com/office/powerpoint/2015/main" val="1"/>
+              </p:ext>
+            </p:extLst>
+          </p:nvPr>
+        </p:nvSpPr>
+        <p:spPr>
+          <a:xfrm>
+            <a:off x="0" y="638175"/>
+            <a:ext cx="9143999" cy="6219825"/>
+          </a:xfrm>
+          <a:prstGeom prst="rect">
+            <a:avLst/>
+          </a:prstGeom>
+          <a:ln>
+            <a:noFill/>
+          </a:ln>
+        </p:spPr>
+        <p:style>
+          <a:lnRef idx="2">
+            <a:schemeClr val="accent1">
+              <a:shade val="50000"/>
+            </a:schemeClr>
+          </a:lnRef>
+          <a:fillRef idx="1">
+            <a:schemeClr val="accent1"/>
+          </a:fillRef>
+          <a:effectRef idx="0">
+            <a:schemeClr val="accent1"/>
+          </a:effectRef>
+          <a:fontRef idx="minor">
+            <a:schemeClr val="lt1"/>
+          </a:fontRef>
+        </p:style>
+        <p:txBody>
+          <a:bodyPr rtlCol="0" anchor="ctr"/>
+          <a:lstStyle/>
+          <a:p>
+            <a:pPr algn="ctr"/>
+            <a:endParaRPr lang="en-US"/>
+          </a:p>
+        </p:txBody>
+      </p:sp>
+      <p:sp>
+        <p:nvSpPr>
+          <p:cNvPr id="27" name="Rectangle 19">
+            <a:extLst>
+              <a:ext uri="{FF2B5EF4-FFF2-40B4-BE49-F238E27FC236}">
+                <a16:creationId xmlns:a16="http://schemas.microsoft.com/office/drawing/2014/main" id="{73B1AC31-0B6C-4781-BA06-16BE17F8AFBE}"/>
+              </a:ext>
+              <a:ext uri="{C183D7F6-B498-43B3-948B-1728B52AA6E4}">
+                <adec:decorative xmlns:adec="http://schemas.microsoft.com/office/drawing/2017/decorative" val="1"/>
+              </a:ext>
+            </a:extLst>
+          </p:cNvPr>
+          <p:cNvSpPr>
+            <a:spLocks noGrp="1" noRot="1" noChangeAspect="1" noMove="1" noResize="1" noEditPoints="1" noAdjustHandles="1" noChangeArrowheads="1" noChangeShapeType="1" noTextEdit="1"/>
+          </p:cNvSpPr>
+          <p:nvPr>
+            <p:extLst>
+              <p:ext uri="{386F3935-93C4-4BCD-93E2-E3B085C9AB24}">
+                <p16:designElem xmlns:p16="http://schemas.microsoft.com/office/powerpoint/2015/main" val="1"/>
+              </p:ext>
+            </p:extLst>
+          </p:nvPr>
+        </p:nvSpPr>
+        <p:spPr>
+          <a:xfrm>
+            <a:off x="3185138" y="723899"/>
+            <a:ext cx="5623962" cy="5666666"/>
+          </a:xfrm>
+          <a:prstGeom prst="rect">
+            <a:avLst/>
+          </a:prstGeom>
+          <a:solidFill>
+            <a:schemeClr val="accent1"/>
+          </a:solidFill>
+          <a:ln>
+            <a:noFill/>
+          </a:ln>
+          <a:effectLst/>
+        </p:spPr>
+        <p:style>
+          <a:lnRef idx="1">
+            <a:schemeClr val="accent1"/>
+          </a:lnRef>
+          <a:fillRef idx="3">
+            <a:schemeClr val="accent1"/>
+          </a:fillRef>
+          <a:effectRef idx="2">
+            <a:schemeClr val="accent1"/>
+          </a:effectRef>
+          <a:fontRef idx="minor">
+            <a:schemeClr val="lt1"/>
+          </a:fontRef>
+        </p:style>
+      </p:sp>
+      <p:sp>
+        <p:nvSpPr>
+          <p:cNvPr id="2" name="Title 1">
+            <a:extLst>
+              <a:ext uri="{FF2B5EF4-FFF2-40B4-BE49-F238E27FC236}">
+                <a16:creationId xmlns:a16="http://schemas.microsoft.com/office/drawing/2014/main" id="{B7744167-4984-4DA1-ACFD-F22FEBA13A5E}"/>
+              </a:ext>
+            </a:extLst>
+          </p:cNvPr>
+          <p:cNvSpPr>
+            <a:spLocks noGrp="1"/>
+          </p:cNvSpPr>
+          <p:nvPr>
+            <p:ph type="title"/>
+          </p:nvPr>
+        </p:nvSpPr>
+        <p:spPr>
+          <a:xfrm>
+            <a:off x="3434432" y="1419225"/>
+            <a:ext cx="5098956" cy="2085869"/>
+          </a:xfrm>
+        </p:spPr>
+        <p:txBody>
+          <a:bodyPr vert="horz" lIns="91440" tIns="45720" rIns="91440" bIns="45720" rtlCol="0" anchor="b">
+            <a:normAutofit/>
+          </a:bodyPr>
+          <a:lstStyle/>
+          <a:p>
+            <a:r>
+              <a:rPr lang="en-US" sz="3600" dirty="0">
+                <a:solidFill>
+                  <a:srgbClr val="FFFFFF"/>
+                </a:solidFill>
+              </a:rPr>
+              <a:t>Implementation issues</a:t>
+            </a:r>
+          </a:p>
+        </p:txBody>
+      </p:sp>
+      <p:pic>
+        <p:nvPicPr>
+          <p:cNvPr id="28" name="Graphic 6" descr="Issue">
+            <a:extLst>
+              <a:ext uri="{FF2B5EF4-FFF2-40B4-BE49-F238E27FC236}">
+                <a16:creationId xmlns:a16="http://schemas.microsoft.com/office/drawing/2014/main" id="{B804821B-A4B0-463B-BA22-E64940F097AC}"/>
+              </a:ext>
+            </a:extLst>
+          </p:cNvPr>
+          <p:cNvPicPr>
+            <a:picLocks noChangeAspect="1"/>
+          </p:cNvPicPr>
+          <p:nvPr/>
+        </p:nvPicPr>
+        <p:blipFill>
+          <a:blip r:embed="rId2">
+            <a:extLst>
+              <a:ext uri="{28A0092B-C50C-407E-A947-70E740481C1C}">
+                <a14:useLocalDpi xmlns:a14="http://schemas.microsoft.com/office/drawing/2010/main" val="0"/>
+              </a:ext>
+              <a:ext uri="{96DAC541-7B7A-43D3-8B79-37D633B846F1}">
+                <asvg:svgBlip xmlns:asvg="http://schemas.microsoft.com/office/drawing/2016/SVG/main" r:embed="rId3"/>
               </a:ext>
             </a:extLst>
           </a:blip>
@@ -7852,15 +8423,18 @@
         </p:blipFill>
         <p:spPr>
           <a:xfrm>
-            <a:off x="1980044" y="2595361"/>
-            <a:ext cx="5191850" cy="2896004"/>
-          </a:xfrm>
+            <a:off x="577724" y="2392970"/>
+            <a:ext cx="2294126" cy="2294126"/>
+          </a:xfrm>
+          <a:prstGeom prst="rect">
+            <a:avLst/>
+          </a:prstGeom>
         </p:spPr>
       </p:pic>
     </p:spTree>
     <p:extLst>
       <p:ext uri="{BB962C8B-B14F-4D97-AF65-F5344CB8AC3E}">
-        <p14:creationId xmlns:p14="http://schemas.microsoft.com/office/powerpoint/2010/main" val="655417267"/>
+        <p14:creationId xmlns:p14="http://schemas.microsoft.com/office/powerpoint/2010/main" val="834722342"/>
       </p:ext>
     </p:extLst>
   </p:cSld>
@@ -7892,7 +8466,7 @@
           <p:cNvPr id="2" name="Title 1">
             <a:extLst>
               <a:ext uri="{FF2B5EF4-FFF2-40B4-BE49-F238E27FC236}">
-                <a16:creationId xmlns:a16="http://schemas.microsoft.com/office/drawing/2014/main" id="{BDBC4A55-E930-4B2C-A214-1A4F4873277D}"/>
+                <a16:creationId xmlns:a16="http://schemas.microsoft.com/office/drawing/2014/main" id="{2DDF9CC6-CC6E-4280-8357-ECF4C6F27A04}"/>
               </a:ext>
             </a:extLst>
           </p:cNvPr>
@@ -7903,63 +8477,87 @@
             <p:ph type="title"/>
           </p:nvPr>
         </p:nvSpPr>
-        <p:spPr>
-          <a:xfrm>
-            <a:off x="581192" y="687474"/>
-            <a:ext cx="7989752" cy="1083329"/>
-          </a:xfrm>
-        </p:spPr>
+        <p:spPr/>
         <p:txBody>
           <a:bodyPr/>
           <a:lstStyle/>
           <a:p>
             <a:r>
-              <a:rPr lang="en-GB"/>
-              <a:t>Observer pattern</a:t>
-            </a:r>
-            <a:endParaRPr lang="en-US" dirty="0"/>
-          </a:p>
-        </p:txBody>
-      </p:sp>
-      <p:pic>
-        <p:nvPicPr>
-          <p:cNvPr id="5" name="Content Placeholder 4">
+              <a:rPr lang="en-US" dirty="0"/>
+              <a:t>Implementation issues</a:t>
+            </a:r>
+          </a:p>
+        </p:txBody>
+      </p:sp>
+      <p:sp>
+        <p:nvSpPr>
+          <p:cNvPr id="3" name="Content Placeholder 2">
             <a:extLst>
               <a:ext uri="{FF2B5EF4-FFF2-40B4-BE49-F238E27FC236}">
-                <a16:creationId xmlns:a16="http://schemas.microsoft.com/office/drawing/2014/main" id="{C8851423-6317-42D2-9A8A-EB8098DF3A6C}"/>
+                <a16:creationId xmlns:a16="http://schemas.microsoft.com/office/drawing/2014/main" id="{E6B3CE25-FBD5-411E-8DBD-0DAD63840C1B}"/>
               </a:ext>
             </a:extLst>
           </p:cNvPr>
-          <p:cNvPicPr>
-            <a:picLocks noGrp="1" noChangeAspect="1"/>
-          </p:cNvPicPr>
+          <p:cNvSpPr>
+            <a:spLocks noGrp="1"/>
+          </p:cNvSpPr>
           <p:nvPr>
             <p:ph idx="1"/>
           </p:nvPr>
-        </p:nvPicPr>
-        <p:blipFill>
-          <a:blip r:embed="rId3">
-            <a:extLst>
-              <a:ext uri="{28A0092B-C50C-407E-A947-70E740481C1C}">
-                <a14:useLocalDpi xmlns:a14="http://schemas.microsoft.com/office/drawing/2010/main" val="0"/>
-              </a:ext>
-            </a:extLst>
-          </a:blip>
-          <a:stretch>
-            <a:fillRect/>
-          </a:stretch>
-        </p:blipFill>
-        <p:spPr>
-          <a:xfrm>
-            <a:off x="581191" y="1929465"/>
-            <a:ext cx="7989751" cy="4494235"/>
-          </a:xfrm>
-        </p:spPr>
-      </p:pic>
+        </p:nvSpPr>
+        <p:spPr/>
+        <p:txBody>
+          <a:bodyPr/>
+          <a:lstStyle/>
+          <a:p>
+            <a:r>
+              <a:rPr lang="en-US" b="1" dirty="0"/>
+              <a:t>Reuse</a:t>
+            </a:r>
+          </a:p>
+          <a:p>
+            <a:pPr lvl="1"/>
+            <a:r>
+              <a:rPr lang="en-US" dirty="0"/>
+              <a:t>Make as much use as possible of existing code.</a:t>
+            </a:r>
+          </a:p>
+          <a:p>
+            <a:r>
+              <a:rPr lang="en-US" b="1" dirty="0"/>
+              <a:t>Configuration management</a:t>
+            </a:r>
+          </a:p>
+          <a:p>
+            <a:pPr lvl="1"/>
+            <a:r>
+              <a:rPr lang="en-US" dirty="0"/>
+              <a:t>During the development process, you have to keep track of the many different versions of each software component in a configuration management system.</a:t>
+            </a:r>
+          </a:p>
+          <a:p>
+            <a:r>
+              <a:rPr lang="en-US" b="1" dirty="0"/>
+              <a:t>Host-target development</a:t>
+            </a:r>
+            <a:r>
+              <a:rPr lang="en-US" dirty="0"/>
+              <a:t> </a:t>
+            </a:r>
+          </a:p>
+          <a:p>
+            <a:pPr lvl="1"/>
+            <a:r>
+              <a:rPr lang="en-US" dirty="0"/>
+              <a:t>Production software does not usually execute on the same computer as the software development environment</a:t>
+            </a:r>
+          </a:p>
+        </p:txBody>
+      </p:sp>
     </p:spTree>
     <p:extLst>
       <p:ext uri="{BB962C8B-B14F-4D97-AF65-F5344CB8AC3E}">
-        <p14:creationId xmlns:p14="http://schemas.microsoft.com/office/powerpoint/2010/main" val="859918495"/>
+        <p14:creationId xmlns:p14="http://schemas.microsoft.com/office/powerpoint/2010/main" val="3599300705"/>
       </p:ext>
     </p:extLst>
   </p:cSld>
@@ -7970,6 +8568,95 @@
 </file>
 
 <file path=ppt/slides/slide18.xml><?xml version="1.0" encoding="utf-8"?>
+<p:sld xmlns:a="http://schemas.openxmlformats.org/drawingml/2006/main" xmlns:r="http://schemas.openxmlformats.org/officeDocument/2006/relationships" xmlns:p="http://schemas.openxmlformats.org/presentationml/2006/main">
+  <p:cSld>
+    <p:spTree>
+      <p:nvGrpSpPr>
+        <p:cNvPr id="1" name=""/>
+        <p:cNvGrpSpPr/>
+        <p:nvPr/>
+      </p:nvGrpSpPr>
+      <p:grpSpPr>
+        <a:xfrm>
+          <a:off x="0" y="0"/>
+          <a:ext cx="0" cy="0"/>
+          <a:chOff x="0" y="0"/>
+          <a:chExt cx="0" cy="0"/>
+        </a:xfrm>
+      </p:grpSpPr>
+      <p:sp>
+        <p:nvSpPr>
+          <p:cNvPr id="2" name="Title 1"/>
+          <p:cNvSpPr>
+            <a:spLocks noGrp="1"/>
+          </p:cNvSpPr>
+          <p:nvPr>
+            <p:ph type="title"/>
+          </p:nvPr>
+        </p:nvSpPr>
+        <p:spPr/>
+        <p:txBody>
+          <a:bodyPr/>
+          <a:lstStyle/>
+          <a:p>
+            <a:r>
+              <a:rPr lang="en-US" dirty="0"/>
+              <a:t>Reuse levels</a:t>
+            </a:r>
+          </a:p>
+        </p:txBody>
+      </p:sp>
+      <p:sp>
+        <p:nvSpPr>
+          <p:cNvPr id="3" name="Content Placeholder 2"/>
+          <p:cNvSpPr>
+            <a:spLocks noGrp="1"/>
+          </p:cNvSpPr>
+          <p:nvPr>
+            <p:ph idx="1"/>
+          </p:nvPr>
+        </p:nvSpPr>
+        <p:spPr/>
+        <p:txBody>
+          <a:bodyPr>
+            <a:normAutofit/>
+          </a:bodyPr>
+          <a:lstStyle/>
+          <a:p>
+            <a:r>
+              <a:rPr lang="en-US" sz="2000" dirty="0"/>
+              <a:t>The abstraction level </a:t>
+            </a:r>
+          </a:p>
+          <a:p>
+            <a:r>
+              <a:rPr lang="en-US" sz="2000" dirty="0"/>
+              <a:t>The object level </a:t>
+            </a:r>
+          </a:p>
+          <a:p>
+            <a:r>
+              <a:rPr lang="en-US" sz="2000" dirty="0"/>
+              <a:t>The component level </a:t>
+            </a:r>
+          </a:p>
+          <a:p>
+            <a:r>
+              <a:rPr lang="en-US" sz="2000" dirty="0"/>
+              <a:t>The system level </a:t>
+            </a:r>
+          </a:p>
+        </p:txBody>
+      </p:sp>
+    </p:spTree>
+  </p:cSld>
+  <p:clrMapOvr>
+    <a:masterClrMapping/>
+  </p:clrMapOvr>
+</p:sld>
+</file>
+
+<file path=ppt/slides/slide19.xml><?xml version="1.0" encoding="utf-8"?>
 <p:sld xmlns:a="http://schemas.openxmlformats.org/drawingml/2006/main" xmlns:r="http://schemas.openxmlformats.org/officeDocument/2006/relationships" xmlns:p="http://schemas.openxmlformats.org/presentationml/2006/main">
   <p:cSld>
     <p:bg>
@@ -7996,7 +8683,7 @@
       </p:grpSpPr>
       <p:sp>
         <p:nvSpPr>
-          <p:cNvPr id="22" name="Rectangle 9">
+          <p:cNvPr id="10" name="Rectangle 9">
             <a:extLst>
               <a:ext uri="{FF2B5EF4-FFF2-40B4-BE49-F238E27FC236}">
                 <a16:creationId xmlns:a16="http://schemas.microsoft.com/office/drawing/2014/main" id="{DB691D59-8F51-4DD8-AD41-D568D29B08F8}"/>
@@ -8050,7 +8737,7 @@
       </p:sp>
       <p:sp>
         <p:nvSpPr>
-          <p:cNvPr id="23" name="Rectangle 11">
+          <p:cNvPr id="12" name="Rectangle 11">
             <a:extLst>
               <a:ext uri="{FF2B5EF4-FFF2-40B4-BE49-F238E27FC236}">
                 <a16:creationId xmlns:a16="http://schemas.microsoft.com/office/drawing/2014/main" id="{204AEF18-0627-48F3-9B3D-F7E8F050B1D4}"/>
@@ -8104,7 +8791,7 @@
       </p:sp>
       <p:sp>
         <p:nvSpPr>
-          <p:cNvPr id="24" name="Rectangle 13">
+          <p:cNvPr id="14" name="Rectangle 13">
             <a:extLst>
               <a:ext uri="{FF2B5EF4-FFF2-40B4-BE49-F238E27FC236}">
                 <a16:creationId xmlns:a16="http://schemas.microsoft.com/office/drawing/2014/main" id="{CEAEE08A-C572-438F-9753-B0D527A515A7}"/>
@@ -8158,7 +8845,7 @@
       </p:sp>
       <p:sp>
         <p:nvSpPr>
-          <p:cNvPr id="25" name="Rectangle 15">
+          <p:cNvPr id="16" name="Rectangle 15">
             <a:extLst>
               <a:ext uri="{FF2B5EF4-FFF2-40B4-BE49-F238E27FC236}">
                 <a16:creationId xmlns:a16="http://schemas.microsoft.com/office/drawing/2014/main" id="{DB93146F-62ED-4C59-844C-0935D0FB5031}"/>
@@ -8212,7 +8899,7 @@
       </p:sp>
       <p:sp useBgFill="1">
         <p:nvSpPr>
-          <p:cNvPr id="26" name="Rectangle 17">
+          <p:cNvPr id="18" name="Rectangle 17">
             <a:extLst>
               <a:ext uri="{FF2B5EF4-FFF2-40B4-BE49-F238E27FC236}">
                 <a16:creationId xmlns:a16="http://schemas.microsoft.com/office/drawing/2014/main" id="{B5D795CF-5F70-4821-BB11-0B2B8FCCD45A}"/>
@@ -8272,7 +8959,7 @@
       </p:sp>
       <p:sp>
         <p:nvSpPr>
-          <p:cNvPr id="27" name="Rectangle 19">
+          <p:cNvPr id="20" name="Rectangle 19">
             <a:extLst>
               <a:ext uri="{FF2B5EF4-FFF2-40B4-BE49-F238E27FC236}">
                 <a16:creationId xmlns:a16="http://schemas.microsoft.com/office/drawing/2014/main" id="{73B1AC31-0B6C-4781-BA06-16BE17F8AFBE}"/>
@@ -8329,7 +9016,7 @@
           <p:cNvPr id="2" name="Title 1">
             <a:extLst>
               <a:ext uri="{FF2B5EF4-FFF2-40B4-BE49-F238E27FC236}">
-                <a16:creationId xmlns:a16="http://schemas.microsoft.com/office/drawing/2014/main" id="{B7744167-4984-4DA1-ACFD-F22FEBA13A5E}"/>
+                <a16:creationId xmlns:a16="http://schemas.microsoft.com/office/drawing/2014/main" id="{890863BB-7193-4FC9-8079-76A0EE482197}"/>
               </a:ext>
             </a:extLst>
           </p:cNvPr>
@@ -8358,17 +9045,17 @@
                   <a:srgbClr val="FFFFFF"/>
                 </a:solidFill>
               </a:rPr>
-              <a:t>Implementation issues</a:t>
+              <a:t>Open source development</a:t>
             </a:r>
           </a:p>
         </p:txBody>
       </p:sp>
       <p:pic>
         <p:nvPicPr>
-          <p:cNvPr id="28" name="Graphic 6" descr="Issue">
+          <p:cNvPr id="7" name="Graphic 6" descr="Open Source">
             <a:extLst>
               <a:ext uri="{FF2B5EF4-FFF2-40B4-BE49-F238E27FC236}">
-                <a16:creationId xmlns:a16="http://schemas.microsoft.com/office/drawing/2014/main" id="{B804821B-A4B0-463B-BA22-E64940F097AC}"/>
+                <a16:creationId xmlns:a16="http://schemas.microsoft.com/office/drawing/2014/main" id="{5BC91557-3ACC-4C17-9BE9-5B0805521AA5}"/>
               </a:ext>
             </a:extLst>
           </p:cNvPr>
@@ -8405,137 +9092,7 @@
     </p:spTree>
     <p:extLst>
       <p:ext uri="{BB962C8B-B14F-4D97-AF65-F5344CB8AC3E}">
-        <p14:creationId xmlns:p14="http://schemas.microsoft.com/office/powerpoint/2010/main" val="834722342"/>
-      </p:ext>
-    </p:extLst>
-  </p:cSld>
-  <p:clrMapOvr>
-    <a:masterClrMapping/>
-  </p:clrMapOvr>
-</p:sld>
-</file>
-
-<file path=ppt/slides/slide19.xml><?xml version="1.0" encoding="utf-8"?>
-<p:sld xmlns:a="http://schemas.openxmlformats.org/drawingml/2006/main" xmlns:r="http://schemas.openxmlformats.org/officeDocument/2006/relationships" xmlns:p="http://schemas.openxmlformats.org/presentationml/2006/main">
-  <p:cSld>
-    <p:spTree>
-      <p:nvGrpSpPr>
-        <p:cNvPr id="1" name=""/>
-        <p:cNvGrpSpPr/>
-        <p:nvPr/>
-      </p:nvGrpSpPr>
-      <p:grpSpPr>
-        <a:xfrm>
-          <a:off x="0" y="0"/>
-          <a:ext cx="0" cy="0"/>
-          <a:chOff x="0" y="0"/>
-          <a:chExt cx="0" cy="0"/>
-        </a:xfrm>
-      </p:grpSpPr>
-      <p:sp>
-        <p:nvSpPr>
-          <p:cNvPr id="2" name="Title 1">
-            <a:extLst>
-              <a:ext uri="{FF2B5EF4-FFF2-40B4-BE49-F238E27FC236}">
-                <a16:creationId xmlns:a16="http://schemas.microsoft.com/office/drawing/2014/main" id="{2DDF9CC6-CC6E-4280-8357-ECF4C6F27A04}"/>
-              </a:ext>
-            </a:extLst>
-          </p:cNvPr>
-          <p:cNvSpPr>
-            <a:spLocks noGrp="1"/>
-          </p:cNvSpPr>
-          <p:nvPr>
-            <p:ph type="title"/>
-          </p:nvPr>
-        </p:nvSpPr>
-        <p:spPr/>
-        <p:txBody>
-          <a:bodyPr/>
-          <a:lstStyle/>
-          <a:p>
-            <a:r>
-              <a:rPr lang="en-US" dirty="0"/>
-              <a:t>Implementation issues</a:t>
-            </a:r>
-          </a:p>
-        </p:txBody>
-      </p:sp>
-      <p:sp>
-        <p:nvSpPr>
-          <p:cNvPr id="3" name="Content Placeholder 2">
-            <a:extLst>
-              <a:ext uri="{FF2B5EF4-FFF2-40B4-BE49-F238E27FC236}">
-                <a16:creationId xmlns:a16="http://schemas.microsoft.com/office/drawing/2014/main" id="{E6B3CE25-FBD5-411E-8DBD-0DAD63840C1B}"/>
-              </a:ext>
-            </a:extLst>
-          </p:cNvPr>
-          <p:cNvSpPr>
-            <a:spLocks noGrp="1"/>
-          </p:cNvSpPr>
-          <p:nvPr>
-            <p:ph idx="1"/>
-          </p:nvPr>
-        </p:nvSpPr>
-        <p:spPr/>
-        <p:txBody>
-          <a:bodyPr/>
-          <a:lstStyle/>
-          <a:p>
-            <a:r>
-              <a:rPr lang="en-US" b="1" dirty="0"/>
-              <a:t>Reuse</a:t>
-            </a:r>
-          </a:p>
-          <a:p>
-            <a:pPr lvl="1"/>
-            <a:r>
-              <a:rPr lang="en-US" dirty="0"/>
-              <a:t>Most modern software is constructed by reusing existing components or systems. </a:t>
-            </a:r>
-          </a:p>
-          <a:p>
-            <a:pPr lvl="1"/>
-            <a:r>
-              <a:rPr lang="en-US" dirty="0"/>
-              <a:t>Make as much use as possible of existing code.</a:t>
-            </a:r>
-          </a:p>
-          <a:p>
-            <a:r>
-              <a:rPr lang="en-US" b="1" dirty="0"/>
-              <a:t>Configuration management</a:t>
-            </a:r>
-          </a:p>
-          <a:p>
-            <a:pPr lvl="1"/>
-            <a:r>
-              <a:rPr lang="en-US" dirty="0"/>
-              <a:t>During the development process, you have to keep track of the many different versions of each software component in a configuration management system.</a:t>
-            </a:r>
-          </a:p>
-          <a:p>
-            <a:r>
-              <a:rPr lang="en-US" b="1" dirty="0"/>
-              <a:t>Host-target development</a:t>
-            </a:r>
-            <a:r>
-              <a:rPr lang="en-US" dirty="0"/>
-              <a:t> </a:t>
-            </a:r>
-          </a:p>
-          <a:p>
-            <a:pPr lvl="1"/>
-            <a:r>
-              <a:rPr lang="en-US" dirty="0"/>
-              <a:t>Production software does not usually execute on the same computer as the software development environment</a:t>
-            </a:r>
-          </a:p>
-        </p:txBody>
-      </p:sp>
-    </p:spTree>
-    <p:extLst>
-      <p:ext uri="{BB962C8B-B14F-4D97-AF65-F5344CB8AC3E}">
-        <p14:creationId xmlns:p14="http://schemas.microsoft.com/office/powerpoint/2010/main" val="3599300705"/>
+        <p14:creationId xmlns:p14="http://schemas.microsoft.com/office/powerpoint/2010/main" val="501695002"/>
       </p:ext>
     </p:extLst>
   </p:cSld>
@@ -9244,7 +9801,7 @@
           <a:p>
             <a:r>
               <a:rPr lang="en-US" dirty="0"/>
-              <a:t>Reuse levels</a:t>
+              <a:t>Open source</a:t>
             </a:r>
           </a:p>
         </p:txBody>
@@ -9259,35 +9816,79 @@
             <p:ph idx="1"/>
           </p:nvPr>
         </p:nvSpPr>
-        <p:spPr/>
+        <p:spPr>
+          <a:xfrm>
+            <a:off x="581192" y="2228003"/>
+            <a:ext cx="7989752" cy="3942523"/>
+          </a:xfrm>
+        </p:spPr>
         <p:txBody>
           <a:bodyPr>
-            <a:normAutofit/>
+            <a:normAutofit fontScale="92500" lnSpcReduction="20000"/>
           </a:bodyPr>
           <a:lstStyle/>
           <a:p>
+            <a:pPr marL="0" indent="0">
+              <a:buNone/>
+            </a:pPr>
             <a:r>
               <a:rPr lang="en-US" sz="2000" dirty="0"/>
-              <a:t>The abstraction level </a:t>
-            </a:r>
-          </a:p>
-          <a:p>
+              <a:t>Is an approach that we publish our source code and volunteers are invited to participate in the development process</a:t>
+            </a:r>
+          </a:p>
+          <a:p>
+            <a:pPr marL="0" indent="0">
+              <a:buNone/>
+            </a:pPr>
             <a:r>
               <a:rPr lang="en-US" sz="2000" dirty="0"/>
-              <a:t>The object level </a:t>
+              <a:t>ISSUES </a:t>
             </a:r>
           </a:p>
           <a:p>
             <a:r>
               <a:rPr lang="en-US" sz="2000" dirty="0"/>
-              <a:t>The component level </a:t>
-            </a:r>
+              <a:t>Should we make use of open source components?</a:t>
+            </a:r>
+            <a:endParaRPr lang="en-GB" sz="2000" dirty="0"/>
           </a:p>
           <a:p>
             <a:r>
               <a:rPr lang="en-US" sz="2000" dirty="0"/>
-              <a:t>The system level </a:t>
-            </a:r>
+              <a:t>Should an open source approach be used for the software’s development?</a:t>
+            </a:r>
+          </a:p>
+          <a:p>
+            <a:pPr marL="0" indent="0">
+              <a:buNone/>
+            </a:pPr>
+            <a:r>
+              <a:rPr lang="en-US" sz="2000" cap="all" dirty="0"/>
+              <a:t>business</a:t>
+            </a:r>
+            <a:endParaRPr lang="en-US" sz="2000" dirty="0"/>
+          </a:p>
+          <a:p>
+            <a:r>
+              <a:rPr lang="en-US" sz="2000" dirty="0"/>
+              <a:t>Open source projects business model is not reliant on selling a software product but on selling support for that product. </a:t>
+            </a:r>
+          </a:p>
+          <a:p>
+            <a:r>
+              <a:rPr lang="en-US" sz="2000" dirty="0"/>
+              <a:t>It is believed that involving the open source community will allow software to be developed more cheaply, more quickly and will create a community of users for the software. </a:t>
+            </a:r>
+          </a:p>
+          <a:p>
+            <a:pPr marL="0" indent="0">
+              <a:buNone/>
+            </a:pPr>
+            <a:r>
+              <a:rPr lang="en-US" sz="2000" dirty="0"/>
+              <a:t>LICENSE: GPL, LGPL, BSD, …</a:t>
+            </a:r>
+            <a:endParaRPr lang="en-GB" sz="2000" dirty="0"/>
           </a:p>
         </p:txBody>
       </p:sp>
@@ -9300,7 +9901,7 @@
 </file>
 
 <file path=ppt/slides/slide21.xml><?xml version="1.0" encoding="utf-8"?>
-<p:sld xmlns:a="http://schemas.openxmlformats.org/drawingml/2006/main" xmlns:r="http://schemas.openxmlformats.org/officeDocument/2006/relationships" xmlns:p="http://schemas.openxmlformats.org/presentationml/2006/main">
+<p:sld xmlns:a="http://schemas.openxmlformats.org/drawingml/2006/main" xmlns:r="http://schemas.openxmlformats.org/officeDocument/2006/relationships" xmlns:p="http://schemas.openxmlformats.org/presentationml/2006/main" show="0">
   <p:cSld>
     <p:spTree>
       <p:nvGrpSpPr>
@@ -9333,7 +9934,7 @@
           <a:p>
             <a:r>
               <a:rPr lang="en-US" dirty="0"/>
-              <a:t>Reuse costs</a:t>
+              <a:t>License models</a:t>
             </a:r>
           </a:p>
         </p:txBody>
@@ -9350,33 +9951,63 @@
         </p:nvSpPr>
         <p:spPr/>
         <p:txBody>
-          <a:bodyPr/>
+          <a:bodyPr>
+            <a:normAutofit fontScale="92500" lnSpcReduction="10000"/>
+          </a:bodyPr>
           <a:lstStyle/>
           <a:p>
             <a:r>
-              <a:rPr lang="en-US" dirty="0"/>
-              <a:t>Time spent in looking for software to reuse and assessing whether or not it meets your needs. </a:t>
-            </a:r>
-            <a:endParaRPr lang="en-GB" dirty="0"/>
-          </a:p>
-          <a:p>
-            <a:r>
-              <a:rPr lang="en-US" dirty="0"/>
-              <a:t>Buying the reusable software. For large off-the-shelf systems, these costs can be very high.</a:t>
-            </a:r>
-            <a:endParaRPr lang="en-GB" dirty="0"/>
-          </a:p>
-          <a:p>
-            <a:r>
-              <a:rPr lang="en-US" dirty="0"/>
-              <a:t>Costs of adapting and configuring the reusable software components or systems to reflect the requirements</a:t>
-            </a:r>
-          </a:p>
-          <a:p>
-            <a:r>
-              <a:rPr lang="en-US" dirty="0"/>
-              <a:t>Costs of integrating reusable software elements with each</a:t>
-            </a:r>
+              <a:rPr lang="en-US" sz="2200" dirty="0"/>
+              <a:t>The GNU General Public License (GPL)</a:t>
+            </a:r>
+          </a:p>
+          <a:p>
+            <a:pPr lvl="1"/>
+            <a:r>
+              <a:rPr lang="en-US" sz="2000" dirty="0"/>
+              <a:t>If you use open source software that is licensed under the GPL license, then </a:t>
+            </a:r>
+            <a:r>
+              <a:rPr lang="en-US" sz="2000" b="1" dirty="0"/>
+              <a:t>you must make that software open source. </a:t>
+            </a:r>
+            <a:endParaRPr lang="en-GB" sz="2000" b="1" dirty="0"/>
+          </a:p>
+          <a:p>
+            <a:r>
+              <a:rPr lang="en-US" sz="2200" dirty="0"/>
+              <a:t>The GNU Lesser General Public License (LGPL)</a:t>
+            </a:r>
+          </a:p>
+          <a:p>
+            <a:pPr lvl="1"/>
+            <a:r>
+              <a:rPr lang="en-US" sz="2000" dirty="0"/>
+              <a:t>You can write components that link to open source code </a:t>
+            </a:r>
+            <a:r>
+              <a:rPr lang="en-US" sz="2000" b="1" dirty="0"/>
+              <a:t>without having to publish </a:t>
+            </a:r>
+            <a:r>
+              <a:rPr lang="en-US" sz="2000" dirty="0"/>
+              <a:t>the source of these components. </a:t>
+            </a:r>
+            <a:endParaRPr lang="en-GB" sz="2000" dirty="0"/>
+          </a:p>
+          <a:p>
+            <a:r>
+              <a:rPr lang="en-US" sz="2200" dirty="0"/>
+              <a:t>The Berkley Standard Distribution (BSD) License</a:t>
+            </a:r>
+          </a:p>
+          <a:p>
+            <a:pPr lvl="1"/>
+            <a:r>
+              <a:rPr lang="en-US" sz="2000" dirty="0"/>
+              <a:t>You are not obliged to re-publish any changes or modifications made to open source code. You can include the code in proprietary systems that are sold.</a:t>
+            </a:r>
+            <a:endParaRPr lang="en-GB" sz="2000" dirty="0"/>
           </a:p>
         </p:txBody>
       </p:sp>
@@ -9389,944 +10020,6 @@
 </file>
 
 <file path=ppt/slides/slide22.xml><?xml version="1.0" encoding="utf-8"?>
-<p:sld xmlns:a="http://schemas.openxmlformats.org/drawingml/2006/main" xmlns:r="http://schemas.openxmlformats.org/officeDocument/2006/relationships" xmlns:p="http://schemas.openxmlformats.org/presentationml/2006/main">
-  <p:cSld>
-    <p:spTree>
-      <p:nvGrpSpPr>
-        <p:cNvPr id="1" name=""/>
-        <p:cNvGrpSpPr/>
-        <p:nvPr/>
-      </p:nvGrpSpPr>
-      <p:grpSpPr>
-        <a:xfrm>
-          <a:off x="0" y="0"/>
-          <a:ext cx="0" cy="0"/>
-          <a:chOff x="0" y="0"/>
-          <a:chExt cx="0" cy="0"/>
-        </a:xfrm>
-      </p:grpSpPr>
-      <p:sp>
-        <p:nvSpPr>
-          <p:cNvPr id="2" name="Title 1"/>
-          <p:cNvSpPr>
-            <a:spLocks noGrp="1"/>
-          </p:cNvSpPr>
-          <p:nvPr>
-            <p:ph type="title"/>
-          </p:nvPr>
-        </p:nvSpPr>
-        <p:spPr/>
-        <p:txBody>
-          <a:bodyPr/>
-          <a:lstStyle/>
-          <a:p>
-            <a:r>
-              <a:rPr lang="en-US" dirty="0"/>
-              <a:t>Development tools</a:t>
-            </a:r>
-          </a:p>
-        </p:txBody>
-      </p:sp>
-      <p:sp>
-        <p:nvSpPr>
-          <p:cNvPr id="3" name="Content Placeholder 2"/>
-          <p:cNvSpPr>
-            <a:spLocks noGrp="1"/>
-          </p:cNvSpPr>
-          <p:nvPr>
-            <p:ph idx="1"/>
-          </p:nvPr>
-        </p:nvSpPr>
-        <p:spPr/>
-        <p:txBody>
-          <a:bodyPr/>
-          <a:lstStyle/>
-          <a:p>
-            <a:r>
-              <a:rPr lang="en-US" dirty="0"/>
-              <a:t>An integrated compiler [JVM, Roslyn,…]</a:t>
-            </a:r>
-          </a:p>
-          <a:p>
-            <a:r>
-              <a:rPr lang="en-US" dirty="0"/>
-              <a:t>Syntax-directed editing system [</a:t>
-            </a:r>
-            <a:r>
-              <a:rPr lang="en-US" dirty="0" err="1"/>
-              <a:t>VSCode</a:t>
-            </a:r>
-            <a:r>
-              <a:rPr lang="en-US" dirty="0"/>
-              <a:t>,…]</a:t>
-            </a:r>
-            <a:endParaRPr lang="en-GB" dirty="0"/>
-          </a:p>
-          <a:p>
-            <a:r>
-              <a:rPr lang="en-US" dirty="0"/>
-              <a:t>A language debugging system [VS,…]</a:t>
-            </a:r>
-            <a:endParaRPr lang="en-GB" dirty="0"/>
-          </a:p>
-          <a:p>
-            <a:r>
-              <a:rPr lang="en-US" dirty="0"/>
-              <a:t>Graphical editing tools, such as tools to edit UML models [IBM Rational Rose]</a:t>
-            </a:r>
-            <a:endParaRPr lang="en-GB" dirty="0"/>
-          </a:p>
-          <a:p>
-            <a:r>
-              <a:rPr lang="en-US" dirty="0"/>
-              <a:t>Testing tools [JUnit, </a:t>
-            </a:r>
-            <a:r>
-              <a:rPr lang="en-US" dirty="0" err="1"/>
-              <a:t>xUnit</a:t>
-            </a:r>
-            <a:r>
-              <a:rPr lang="en-US" dirty="0"/>
-              <a:t>,..]</a:t>
-            </a:r>
-            <a:endParaRPr lang="en-GB" dirty="0"/>
-          </a:p>
-          <a:p>
-            <a:r>
-              <a:rPr lang="en-US" dirty="0"/>
-              <a:t>Project support tools that help you organize the code for different development projects. [Trello, Jira,…]</a:t>
-            </a:r>
-            <a:endParaRPr lang="en-GB" dirty="0"/>
-          </a:p>
-        </p:txBody>
-      </p:sp>
-    </p:spTree>
-  </p:cSld>
-  <p:clrMapOvr>
-    <a:masterClrMapping/>
-  </p:clrMapOvr>
-</p:sld>
-</file>
-
-<file path=ppt/slides/slide23.xml><?xml version="1.0" encoding="utf-8"?>
-<p:sld xmlns:a="http://schemas.openxmlformats.org/drawingml/2006/main" xmlns:r="http://schemas.openxmlformats.org/officeDocument/2006/relationships" xmlns:p="http://schemas.openxmlformats.org/presentationml/2006/main">
-  <p:cSld>
-    <p:bg>
-      <p:bgPr>
-        <a:solidFill>
-          <a:schemeClr val="bg1"/>
-        </a:solidFill>
-        <a:effectLst/>
-      </p:bgPr>
-    </p:bg>
-    <p:spTree>
-      <p:nvGrpSpPr>
-        <p:cNvPr id="1" name=""/>
-        <p:cNvGrpSpPr/>
-        <p:nvPr/>
-      </p:nvGrpSpPr>
-      <p:grpSpPr>
-        <a:xfrm>
-          <a:off x="0" y="0"/>
-          <a:ext cx="0" cy="0"/>
-          <a:chOff x="0" y="0"/>
-          <a:chExt cx="0" cy="0"/>
-        </a:xfrm>
-      </p:grpSpPr>
-      <p:sp>
-        <p:nvSpPr>
-          <p:cNvPr id="10" name="Rectangle 9">
-            <a:extLst>
-              <a:ext uri="{FF2B5EF4-FFF2-40B4-BE49-F238E27FC236}">
-                <a16:creationId xmlns:a16="http://schemas.microsoft.com/office/drawing/2014/main" id="{DB691D59-8F51-4DD8-AD41-D568D29B08F8}"/>
-              </a:ext>
-              <a:ext uri="{C183D7F6-B498-43B3-948B-1728B52AA6E4}">
-                <adec:decorative xmlns:adec="http://schemas.microsoft.com/office/drawing/2017/decorative" val="1"/>
-              </a:ext>
-            </a:extLst>
-          </p:cNvPr>
-          <p:cNvSpPr>
-            <a:spLocks noGrp="1" noRot="1" noChangeAspect="1" noMove="1" noResize="1" noEditPoints="1" noAdjustHandles="1" noChangeArrowheads="1" noChangeShapeType="1" noTextEdit="1"/>
-          </p:cNvSpPr>
-          <p:nvPr>
-            <p:extLst>
-              <p:ext uri="{386F3935-93C4-4BCD-93E2-E3B085C9AB24}">
-                <p16:designElem xmlns:p16="http://schemas.microsoft.com/office/powerpoint/2015/main" val="1"/>
-              </p:ext>
-            </p:extLst>
-          </p:nvPr>
-        </p:nvSpPr>
-        <p:spPr>
-          <a:xfrm>
-            <a:off x="334900" y="457200"/>
-            <a:ext cx="2777490" cy="94997"/>
-          </a:xfrm>
-          <a:prstGeom prst="rect">
-            <a:avLst/>
-          </a:prstGeom>
-          <a:solidFill>
-            <a:schemeClr val="accent1"/>
-          </a:solidFill>
-          <a:ln>
-            <a:noFill/>
-          </a:ln>
-          <a:effectLst/>
-        </p:spPr>
-        <p:style>
-          <a:lnRef idx="1">
-            <a:schemeClr val="accent1"/>
-          </a:lnRef>
-          <a:fillRef idx="3">
-            <a:schemeClr val="accent1"/>
-          </a:fillRef>
-          <a:effectRef idx="2">
-            <a:schemeClr val="accent1"/>
-          </a:effectRef>
-          <a:fontRef idx="minor">
-            <a:schemeClr val="lt1"/>
-          </a:fontRef>
-        </p:style>
-      </p:sp>
-      <p:sp>
-        <p:nvSpPr>
-          <p:cNvPr id="12" name="Rectangle 11">
-            <a:extLst>
-              <a:ext uri="{FF2B5EF4-FFF2-40B4-BE49-F238E27FC236}">
-                <a16:creationId xmlns:a16="http://schemas.microsoft.com/office/drawing/2014/main" id="{204AEF18-0627-48F3-9B3D-F7E8F050B1D4}"/>
-              </a:ext>
-              <a:ext uri="{C183D7F6-B498-43B3-948B-1728B52AA6E4}">
-                <adec:decorative xmlns:adec="http://schemas.microsoft.com/office/drawing/2017/decorative" val="1"/>
-              </a:ext>
-            </a:extLst>
-          </p:cNvPr>
-          <p:cNvSpPr>
-            <a:spLocks noGrp="1" noRot="1" noChangeAspect="1" noMove="1" noResize="1" noEditPoints="1" noAdjustHandles="1" noChangeArrowheads="1" noChangeShapeType="1" noTextEdit="1"/>
-          </p:cNvSpPr>
-          <p:nvPr>
-            <p:extLst>
-              <p:ext uri="{386F3935-93C4-4BCD-93E2-E3B085C9AB24}">
-                <p16:designElem xmlns:p16="http://schemas.microsoft.com/office/powerpoint/2015/main" val="1"/>
-              </p:ext>
-            </p:extLst>
-          </p:nvPr>
-        </p:nvSpPr>
-        <p:spPr>
-          <a:xfrm>
-            <a:off x="6031610" y="453643"/>
-            <a:ext cx="2777490" cy="98554"/>
-          </a:xfrm>
-          <a:prstGeom prst="rect">
-            <a:avLst/>
-          </a:prstGeom>
-          <a:solidFill>
-            <a:schemeClr val="accent4"/>
-          </a:solidFill>
-          <a:ln>
-            <a:noFill/>
-          </a:ln>
-          <a:effectLst/>
-        </p:spPr>
-        <p:style>
-          <a:lnRef idx="1">
-            <a:schemeClr val="accent1"/>
-          </a:lnRef>
-          <a:fillRef idx="3">
-            <a:schemeClr val="accent1"/>
-          </a:fillRef>
-          <a:effectRef idx="2">
-            <a:schemeClr val="accent1"/>
-          </a:effectRef>
-          <a:fontRef idx="minor">
-            <a:schemeClr val="lt1"/>
-          </a:fontRef>
-        </p:style>
-      </p:sp>
-      <p:sp>
-        <p:nvSpPr>
-          <p:cNvPr id="14" name="Rectangle 13">
-            <a:extLst>
-              <a:ext uri="{FF2B5EF4-FFF2-40B4-BE49-F238E27FC236}">
-                <a16:creationId xmlns:a16="http://schemas.microsoft.com/office/drawing/2014/main" id="{CEAEE08A-C572-438F-9753-B0D527A515A7}"/>
-              </a:ext>
-              <a:ext uri="{C183D7F6-B498-43B3-948B-1728B52AA6E4}">
-                <adec:decorative xmlns:adec="http://schemas.microsoft.com/office/drawing/2017/decorative" val="1"/>
-              </a:ext>
-            </a:extLst>
-          </p:cNvPr>
-          <p:cNvSpPr>
-            <a:spLocks noGrp="1" noRot="1" noChangeAspect="1" noMove="1" noResize="1" noEditPoints="1" noAdjustHandles="1" noChangeArrowheads="1" noChangeShapeType="1" noTextEdit="1"/>
-          </p:cNvSpPr>
-          <p:nvPr>
-            <p:extLst>
-              <p:ext uri="{386F3935-93C4-4BCD-93E2-E3B085C9AB24}">
-                <p16:designElem xmlns:p16="http://schemas.microsoft.com/office/powerpoint/2015/main" val="1"/>
-              </p:ext>
-            </p:extLst>
-          </p:nvPr>
-        </p:nvSpPr>
-        <p:spPr>
-          <a:xfrm>
-            <a:off x="3181372" y="457200"/>
-            <a:ext cx="2777490" cy="91440"/>
-          </a:xfrm>
-          <a:prstGeom prst="rect">
-            <a:avLst/>
-          </a:prstGeom>
-          <a:solidFill>
-            <a:schemeClr val="accent2"/>
-          </a:solidFill>
-          <a:ln>
-            <a:noFill/>
-          </a:ln>
-          <a:effectLst/>
-        </p:spPr>
-        <p:style>
-          <a:lnRef idx="1">
-            <a:schemeClr val="accent1"/>
-          </a:lnRef>
-          <a:fillRef idx="3">
-            <a:schemeClr val="accent1"/>
-          </a:fillRef>
-          <a:effectRef idx="2">
-            <a:schemeClr val="accent1"/>
-          </a:effectRef>
-          <a:fontRef idx="minor">
-            <a:schemeClr val="lt1"/>
-          </a:fontRef>
-        </p:style>
-      </p:sp>
-      <p:sp>
-        <p:nvSpPr>
-          <p:cNvPr id="16" name="Rectangle 15">
-            <a:extLst>
-              <a:ext uri="{FF2B5EF4-FFF2-40B4-BE49-F238E27FC236}">
-                <a16:creationId xmlns:a16="http://schemas.microsoft.com/office/drawing/2014/main" id="{DB93146F-62ED-4C59-844C-0935D0FB5031}"/>
-              </a:ext>
-              <a:ext uri="{C183D7F6-B498-43B3-948B-1728B52AA6E4}">
-                <adec:decorative xmlns:adec="http://schemas.microsoft.com/office/drawing/2017/decorative" val="1"/>
-              </a:ext>
-            </a:extLst>
-          </p:cNvPr>
-          <p:cNvSpPr>
-            <a:spLocks noGrp="1" noRot="1" noChangeAspect="1" noMove="1" noResize="1" noEditPoints="1" noAdjustHandles="1" noChangeArrowheads="1" noChangeShapeType="1" noTextEdit="1"/>
-          </p:cNvSpPr>
-          <p:nvPr>
-            <p:extLst>
-              <p:ext uri="{386F3935-93C4-4BCD-93E2-E3B085C9AB24}">
-                <p16:designElem xmlns:p16="http://schemas.microsoft.com/office/powerpoint/2015/main" val="1"/>
-              </p:ext>
-            </p:extLst>
-          </p:nvPr>
-        </p:nvSpPr>
-        <p:spPr>
-          <a:xfrm>
-            <a:off x="334900" y="3085765"/>
-            <a:ext cx="8447150" cy="3304800"/>
-          </a:xfrm>
-          <a:prstGeom prst="rect">
-            <a:avLst/>
-          </a:prstGeom>
-          <a:solidFill>
-            <a:schemeClr val="accent1"/>
-          </a:solidFill>
-          <a:ln>
-            <a:noFill/>
-          </a:ln>
-          <a:effectLst/>
-        </p:spPr>
-        <p:style>
-          <a:lnRef idx="1">
-            <a:schemeClr val="accent1"/>
-          </a:lnRef>
-          <a:fillRef idx="3">
-            <a:schemeClr val="accent1"/>
-          </a:fillRef>
-          <a:effectRef idx="2">
-            <a:schemeClr val="accent1"/>
-          </a:effectRef>
-          <a:fontRef idx="minor">
-            <a:schemeClr val="lt1"/>
-          </a:fontRef>
-        </p:style>
-      </p:sp>
-      <p:sp useBgFill="1">
-        <p:nvSpPr>
-          <p:cNvPr id="18" name="Rectangle 17">
-            <a:extLst>
-              <a:ext uri="{FF2B5EF4-FFF2-40B4-BE49-F238E27FC236}">
-                <a16:creationId xmlns:a16="http://schemas.microsoft.com/office/drawing/2014/main" id="{B5D795CF-5F70-4821-BB11-0B2B8FCCD45A}"/>
-              </a:ext>
-              <a:ext uri="{C183D7F6-B498-43B3-948B-1728B52AA6E4}">
-                <adec:decorative xmlns:adec="http://schemas.microsoft.com/office/drawing/2017/decorative" val="1"/>
-              </a:ext>
-            </a:extLst>
-          </p:cNvPr>
-          <p:cNvSpPr>
-            <a:spLocks noGrp="1" noRot="1" noChangeAspect="1" noMove="1" noResize="1" noEditPoints="1" noAdjustHandles="1" noChangeArrowheads="1" noChangeShapeType="1" noTextEdit="1"/>
-          </p:cNvSpPr>
-          <p:nvPr>
-            <p:extLst>
-              <p:ext uri="{386F3935-93C4-4BCD-93E2-E3B085C9AB24}">
-                <p16:designElem xmlns:p16="http://schemas.microsoft.com/office/powerpoint/2015/main" val="1"/>
-              </p:ext>
-            </p:extLst>
-          </p:nvPr>
-        </p:nvSpPr>
-        <p:spPr>
-          <a:xfrm>
-            <a:off x="0" y="638175"/>
-            <a:ext cx="9143999" cy="6219825"/>
-          </a:xfrm>
-          <a:prstGeom prst="rect">
-            <a:avLst/>
-          </a:prstGeom>
-          <a:ln>
-            <a:noFill/>
-          </a:ln>
-        </p:spPr>
-        <p:style>
-          <a:lnRef idx="2">
-            <a:schemeClr val="accent1">
-              <a:shade val="50000"/>
-            </a:schemeClr>
-          </a:lnRef>
-          <a:fillRef idx="1">
-            <a:schemeClr val="accent1"/>
-          </a:fillRef>
-          <a:effectRef idx="0">
-            <a:schemeClr val="accent1"/>
-          </a:effectRef>
-          <a:fontRef idx="minor">
-            <a:schemeClr val="lt1"/>
-          </a:fontRef>
-        </p:style>
-        <p:txBody>
-          <a:bodyPr rtlCol="0" anchor="ctr"/>
-          <a:lstStyle/>
-          <a:p>
-            <a:pPr algn="ctr"/>
-            <a:endParaRPr lang="en-US"/>
-          </a:p>
-        </p:txBody>
-      </p:sp>
-      <p:sp>
-        <p:nvSpPr>
-          <p:cNvPr id="20" name="Rectangle 19">
-            <a:extLst>
-              <a:ext uri="{FF2B5EF4-FFF2-40B4-BE49-F238E27FC236}">
-                <a16:creationId xmlns:a16="http://schemas.microsoft.com/office/drawing/2014/main" id="{73B1AC31-0B6C-4781-BA06-16BE17F8AFBE}"/>
-              </a:ext>
-              <a:ext uri="{C183D7F6-B498-43B3-948B-1728B52AA6E4}">
-                <adec:decorative xmlns:adec="http://schemas.microsoft.com/office/drawing/2017/decorative" val="1"/>
-              </a:ext>
-            </a:extLst>
-          </p:cNvPr>
-          <p:cNvSpPr>
-            <a:spLocks noGrp="1" noRot="1" noChangeAspect="1" noMove="1" noResize="1" noEditPoints="1" noAdjustHandles="1" noChangeArrowheads="1" noChangeShapeType="1" noTextEdit="1"/>
-          </p:cNvSpPr>
-          <p:nvPr>
-            <p:extLst>
-              <p:ext uri="{386F3935-93C4-4BCD-93E2-E3B085C9AB24}">
-                <p16:designElem xmlns:p16="http://schemas.microsoft.com/office/powerpoint/2015/main" val="1"/>
-              </p:ext>
-            </p:extLst>
-          </p:nvPr>
-        </p:nvSpPr>
-        <p:spPr>
-          <a:xfrm>
-            <a:off x="3185138" y="723899"/>
-            <a:ext cx="5623962" cy="5666666"/>
-          </a:xfrm>
-          <a:prstGeom prst="rect">
-            <a:avLst/>
-          </a:prstGeom>
-          <a:solidFill>
-            <a:schemeClr val="accent1"/>
-          </a:solidFill>
-          <a:ln>
-            <a:noFill/>
-          </a:ln>
-          <a:effectLst/>
-        </p:spPr>
-        <p:style>
-          <a:lnRef idx="1">
-            <a:schemeClr val="accent1"/>
-          </a:lnRef>
-          <a:fillRef idx="3">
-            <a:schemeClr val="accent1"/>
-          </a:fillRef>
-          <a:effectRef idx="2">
-            <a:schemeClr val="accent1"/>
-          </a:effectRef>
-          <a:fontRef idx="minor">
-            <a:schemeClr val="lt1"/>
-          </a:fontRef>
-        </p:style>
-      </p:sp>
-      <p:sp>
-        <p:nvSpPr>
-          <p:cNvPr id="2" name="Title 1">
-            <a:extLst>
-              <a:ext uri="{FF2B5EF4-FFF2-40B4-BE49-F238E27FC236}">
-                <a16:creationId xmlns:a16="http://schemas.microsoft.com/office/drawing/2014/main" id="{890863BB-7193-4FC9-8079-76A0EE482197}"/>
-              </a:ext>
-            </a:extLst>
-          </p:cNvPr>
-          <p:cNvSpPr>
-            <a:spLocks noGrp="1"/>
-          </p:cNvSpPr>
-          <p:nvPr>
-            <p:ph type="title"/>
-          </p:nvPr>
-        </p:nvSpPr>
-        <p:spPr>
-          <a:xfrm>
-            <a:off x="3434432" y="1419225"/>
-            <a:ext cx="5098956" cy="2085869"/>
-          </a:xfrm>
-        </p:spPr>
-        <p:txBody>
-          <a:bodyPr vert="horz" lIns="91440" tIns="45720" rIns="91440" bIns="45720" rtlCol="0" anchor="b">
-            <a:normAutofit/>
-          </a:bodyPr>
-          <a:lstStyle/>
-          <a:p>
-            <a:r>
-              <a:rPr lang="en-US" sz="3600" dirty="0">
-                <a:solidFill>
-                  <a:srgbClr val="FFFFFF"/>
-                </a:solidFill>
-              </a:rPr>
-              <a:t>Open source development</a:t>
-            </a:r>
-          </a:p>
-        </p:txBody>
-      </p:sp>
-      <p:pic>
-        <p:nvPicPr>
-          <p:cNvPr id="7" name="Graphic 6" descr="Open Source">
-            <a:extLst>
-              <a:ext uri="{FF2B5EF4-FFF2-40B4-BE49-F238E27FC236}">
-                <a16:creationId xmlns:a16="http://schemas.microsoft.com/office/drawing/2014/main" id="{5BC91557-3ACC-4C17-9BE9-5B0805521AA5}"/>
-              </a:ext>
-            </a:extLst>
-          </p:cNvPr>
-          <p:cNvPicPr>
-            <a:picLocks noChangeAspect="1"/>
-          </p:cNvPicPr>
-          <p:nvPr/>
-        </p:nvPicPr>
-        <p:blipFill>
-          <a:blip r:embed="rId2">
-            <a:extLst>
-              <a:ext uri="{28A0092B-C50C-407E-A947-70E740481C1C}">
-                <a14:useLocalDpi xmlns:a14="http://schemas.microsoft.com/office/drawing/2010/main" val="0"/>
-              </a:ext>
-              <a:ext uri="{96DAC541-7B7A-43D3-8B79-37D633B846F1}">
-                <asvg:svgBlip xmlns:asvg="http://schemas.microsoft.com/office/drawing/2016/SVG/main" r:embed="rId3"/>
-              </a:ext>
-            </a:extLst>
-          </a:blip>
-          <a:stretch>
-            <a:fillRect/>
-          </a:stretch>
-        </p:blipFill>
-        <p:spPr>
-          <a:xfrm>
-            <a:off x="577724" y="2392970"/>
-            <a:ext cx="2294126" cy="2294126"/>
-          </a:xfrm>
-          <a:prstGeom prst="rect">
-            <a:avLst/>
-          </a:prstGeom>
-        </p:spPr>
-      </p:pic>
-    </p:spTree>
-    <p:extLst>
-      <p:ext uri="{BB962C8B-B14F-4D97-AF65-F5344CB8AC3E}">
-        <p14:creationId xmlns:p14="http://schemas.microsoft.com/office/powerpoint/2010/main" val="501695002"/>
-      </p:ext>
-    </p:extLst>
-  </p:cSld>
-  <p:clrMapOvr>
-    <a:masterClrMapping/>
-  </p:clrMapOvr>
-</p:sld>
-</file>
-
-<file path=ppt/slides/slide24.xml><?xml version="1.0" encoding="utf-8"?>
-<p:sld xmlns:a="http://schemas.openxmlformats.org/drawingml/2006/main" xmlns:r="http://schemas.openxmlformats.org/officeDocument/2006/relationships" xmlns:p="http://schemas.openxmlformats.org/presentationml/2006/main">
-  <p:cSld>
-    <p:spTree>
-      <p:nvGrpSpPr>
-        <p:cNvPr id="1" name=""/>
-        <p:cNvGrpSpPr/>
-        <p:nvPr/>
-      </p:nvGrpSpPr>
-      <p:grpSpPr>
-        <a:xfrm>
-          <a:off x="0" y="0"/>
-          <a:ext cx="0" cy="0"/>
-          <a:chOff x="0" y="0"/>
-          <a:chExt cx="0" cy="0"/>
-        </a:xfrm>
-      </p:grpSpPr>
-      <p:sp>
-        <p:nvSpPr>
-          <p:cNvPr id="2" name="Title 1"/>
-          <p:cNvSpPr>
-            <a:spLocks noGrp="1"/>
-          </p:cNvSpPr>
-          <p:nvPr>
-            <p:ph type="title"/>
-          </p:nvPr>
-        </p:nvSpPr>
-        <p:spPr/>
-        <p:txBody>
-          <a:bodyPr/>
-          <a:lstStyle/>
-          <a:p>
-            <a:r>
-              <a:rPr lang="en-US" dirty="0"/>
-              <a:t>Open source development</a:t>
-            </a:r>
-          </a:p>
-        </p:txBody>
-      </p:sp>
-      <p:sp>
-        <p:nvSpPr>
-          <p:cNvPr id="3" name="Content Placeholder 2"/>
-          <p:cNvSpPr>
-            <a:spLocks noGrp="1"/>
-          </p:cNvSpPr>
-          <p:nvPr>
-            <p:ph idx="1"/>
-          </p:nvPr>
-        </p:nvSpPr>
-        <p:spPr/>
-        <p:txBody>
-          <a:bodyPr>
-            <a:normAutofit/>
-          </a:bodyPr>
-          <a:lstStyle/>
-          <a:p>
-            <a:r>
-              <a:rPr lang="en-US" sz="2000" dirty="0"/>
-              <a:t>Open source development is an approach to software development in which the source code of a software system is published and volunteers are invited to participate in the development process</a:t>
-            </a:r>
-          </a:p>
-          <a:p>
-            <a:r>
-              <a:rPr lang="en-US" sz="2000" dirty="0"/>
-              <a:t>Its roots are in the Free Software Foundation (fsf.org), which advocates that source code should not be proprietary but rather should always be available for users to examine and modify as they wish. </a:t>
-            </a:r>
-          </a:p>
-        </p:txBody>
-      </p:sp>
-    </p:spTree>
-  </p:cSld>
-  <p:clrMapOvr>
-    <a:masterClrMapping/>
-  </p:clrMapOvr>
-</p:sld>
-</file>
-
-<file path=ppt/slides/slide25.xml><?xml version="1.0" encoding="utf-8"?>
-<p:sld xmlns:a="http://schemas.openxmlformats.org/drawingml/2006/main" xmlns:r="http://schemas.openxmlformats.org/officeDocument/2006/relationships" xmlns:p="http://schemas.openxmlformats.org/presentationml/2006/main">
-  <p:cSld>
-    <p:spTree>
-      <p:nvGrpSpPr>
-        <p:cNvPr id="1" name=""/>
-        <p:cNvGrpSpPr/>
-        <p:nvPr/>
-      </p:nvGrpSpPr>
-      <p:grpSpPr>
-        <a:xfrm>
-          <a:off x="0" y="0"/>
-          <a:ext cx="0" cy="0"/>
-          <a:chOff x="0" y="0"/>
-          <a:chExt cx="0" cy="0"/>
-        </a:xfrm>
-      </p:grpSpPr>
-      <p:sp>
-        <p:nvSpPr>
-          <p:cNvPr id="2" name="Title 1"/>
-          <p:cNvSpPr>
-            <a:spLocks noGrp="1"/>
-          </p:cNvSpPr>
-          <p:nvPr>
-            <p:ph type="title"/>
-          </p:nvPr>
-        </p:nvSpPr>
-        <p:spPr/>
-        <p:txBody>
-          <a:bodyPr/>
-          <a:lstStyle/>
-          <a:p>
-            <a:r>
-              <a:rPr lang="en-US" dirty="0"/>
-              <a:t>Open source</a:t>
-            </a:r>
-          </a:p>
-        </p:txBody>
-      </p:sp>
-      <p:sp>
-        <p:nvSpPr>
-          <p:cNvPr id="3" name="Content Placeholder 2"/>
-          <p:cNvSpPr>
-            <a:spLocks noGrp="1"/>
-          </p:cNvSpPr>
-          <p:nvPr>
-            <p:ph idx="1"/>
-          </p:nvPr>
-        </p:nvSpPr>
-        <p:spPr/>
-        <p:txBody>
-          <a:bodyPr>
-            <a:normAutofit/>
-          </a:bodyPr>
-          <a:lstStyle/>
-          <a:p>
-            <a:pPr marL="0" indent="0">
-              <a:buNone/>
-            </a:pPr>
-            <a:r>
-              <a:rPr lang="en-US" dirty="0"/>
-              <a:t>ISSUES </a:t>
-            </a:r>
-          </a:p>
-          <a:p>
-            <a:r>
-              <a:rPr lang="en-US" dirty="0"/>
-              <a:t>Should the product that is being developed make use of open source components?</a:t>
-            </a:r>
-            <a:endParaRPr lang="en-GB" dirty="0"/>
-          </a:p>
-          <a:p>
-            <a:r>
-              <a:rPr lang="en-US" dirty="0"/>
-              <a:t>Should an open source approach be used for the software’s development?</a:t>
-            </a:r>
-          </a:p>
-          <a:p>
-            <a:pPr marL="0" indent="0">
-              <a:buNone/>
-            </a:pPr>
-            <a:r>
-              <a:rPr lang="en-US" cap="all" dirty="0"/>
-              <a:t>business</a:t>
-            </a:r>
-            <a:endParaRPr lang="en-US" dirty="0"/>
-          </a:p>
-          <a:p>
-            <a:r>
-              <a:rPr lang="en-US" dirty="0"/>
-              <a:t>Open source projects business model is not reliant on selling a software product but on selling support for that product. </a:t>
-            </a:r>
-          </a:p>
-          <a:p>
-            <a:r>
-              <a:rPr lang="en-US" dirty="0"/>
-              <a:t>It is believed that involving the open source community will allow software to be developed more cheaply, more quickly and will create a community of users for the software. </a:t>
-            </a:r>
-            <a:endParaRPr lang="en-GB" dirty="0"/>
-          </a:p>
-          <a:p>
-            <a:endParaRPr lang="en-US" dirty="0"/>
-          </a:p>
-        </p:txBody>
-      </p:sp>
-    </p:spTree>
-  </p:cSld>
-  <p:clrMapOvr>
-    <a:masterClrMapping/>
-  </p:clrMapOvr>
-</p:sld>
-</file>
-
-<file path=ppt/slides/slide26.xml><?xml version="1.0" encoding="utf-8"?>
-<p:sld xmlns:a="http://schemas.openxmlformats.org/drawingml/2006/main" xmlns:r="http://schemas.openxmlformats.org/officeDocument/2006/relationships" xmlns:p="http://schemas.openxmlformats.org/presentationml/2006/main">
-  <p:cSld>
-    <p:spTree>
-      <p:nvGrpSpPr>
-        <p:cNvPr id="1" name=""/>
-        <p:cNvGrpSpPr/>
-        <p:nvPr/>
-      </p:nvGrpSpPr>
-      <p:grpSpPr>
-        <a:xfrm>
-          <a:off x="0" y="0"/>
-          <a:ext cx="0" cy="0"/>
-          <a:chOff x="0" y="0"/>
-          <a:chExt cx="0" cy="0"/>
-        </a:xfrm>
-      </p:grpSpPr>
-      <p:sp>
-        <p:nvSpPr>
-          <p:cNvPr id="2" name="Title 1"/>
-          <p:cNvSpPr>
-            <a:spLocks noGrp="1"/>
-          </p:cNvSpPr>
-          <p:nvPr>
-            <p:ph type="title"/>
-          </p:nvPr>
-        </p:nvSpPr>
-        <p:spPr/>
-        <p:txBody>
-          <a:bodyPr/>
-          <a:lstStyle/>
-          <a:p>
-            <a:r>
-              <a:rPr lang="en-US" dirty="0"/>
-              <a:t>Open source licensing</a:t>
-            </a:r>
-          </a:p>
-        </p:txBody>
-      </p:sp>
-      <p:sp>
-        <p:nvSpPr>
-          <p:cNvPr id="3" name="Content Placeholder 2"/>
-          <p:cNvSpPr>
-            <a:spLocks noGrp="1"/>
-          </p:cNvSpPr>
-          <p:nvPr>
-            <p:ph idx="1"/>
-          </p:nvPr>
-        </p:nvSpPr>
-        <p:spPr/>
-        <p:txBody>
-          <a:bodyPr>
-            <a:noAutofit/>
-          </a:bodyPr>
-          <a:lstStyle/>
-          <a:p>
-            <a:r>
-              <a:rPr lang="en-US" dirty="0"/>
-              <a:t>A fundamental principle of open-source development is that source code should be freely available, this does not mean that anyone can do as they wish with that code.</a:t>
-            </a:r>
-          </a:p>
-          <a:p>
-            <a:pPr lvl="1"/>
-            <a:r>
-              <a:rPr lang="en-US" sz="1800" dirty="0"/>
-              <a:t>Legally, the developer of the code (either a company or an individual) still owns the code. They can place restrictions on how it is used by including legally binding conditions in an open source software license. </a:t>
-            </a:r>
-          </a:p>
-          <a:p>
-            <a:pPr lvl="1"/>
-            <a:r>
-              <a:rPr lang="en-US" sz="1800" dirty="0"/>
-              <a:t>Some open source developers believe that if an open source component is used to develop a new system, then that system should also be open source. </a:t>
-            </a:r>
-          </a:p>
-          <a:p>
-            <a:pPr lvl="1"/>
-            <a:r>
-              <a:rPr lang="en-US" sz="1800" dirty="0"/>
-              <a:t>Others are willing to allow their code to be used without this restriction. The developed systems may be proprietary and sold as closed source systems.</a:t>
-            </a:r>
-            <a:endParaRPr lang="en-GB" sz="1800" dirty="0"/>
-          </a:p>
-        </p:txBody>
-      </p:sp>
-    </p:spTree>
-  </p:cSld>
-  <p:clrMapOvr>
-    <a:masterClrMapping/>
-  </p:clrMapOvr>
-</p:sld>
-</file>
-
-<file path=ppt/slides/slide27.xml><?xml version="1.0" encoding="utf-8"?>
-<p:sld xmlns:a="http://schemas.openxmlformats.org/drawingml/2006/main" xmlns:r="http://schemas.openxmlformats.org/officeDocument/2006/relationships" xmlns:p="http://schemas.openxmlformats.org/presentationml/2006/main">
-  <p:cSld>
-    <p:spTree>
-      <p:nvGrpSpPr>
-        <p:cNvPr id="1" name=""/>
-        <p:cNvGrpSpPr/>
-        <p:nvPr/>
-      </p:nvGrpSpPr>
-      <p:grpSpPr>
-        <a:xfrm>
-          <a:off x="0" y="0"/>
-          <a:ext cx="0" cy="0"/>
-          <a:chOff x="0" y="0"/>
-          <a:chExt cx="0" cy="0"/>
-        </a:xfrm>
-      </p:grpSpPr>
-      <p:sp>
-        <p:nvSpPr>
-          <p:cNvPr id="2" name="Title 1"/>
-          <p:cNvSpPr>
-            <a:spLocks noGrp="1"/>
-          </p:cNvSpPr>
-          <p:nvPr>
-            <p:ph type="title"/>
-          </p:nvPr>
-        </p:nvSpPr>
-        <p:spPr/>
-        <p:txBody>
-          <a:bodyPr/>
-          <a:lstStyle/>
-          <a:p>
-            <a:r>
-              <a:rPr lang="en-US" dirty="0"/>
-              <a:t>License models</a:t>
-            </a:r>
-          </a:p>
-        </p:txBody>
-      </p:sp>
-      <p:sp>
-        <p:nvSpPr>
-          <p:cNvPr id="3" name="Content Placeholder 2"/>
-          <p:cNvSpPr>
-            <a:spLocks noGrp="1"/>
-          </p:cNvSpPr>
-          <p:nvPr>
-            <p:ph idx="1"/>
-          </p:nvPr>
-        </p:nvSpPr>
-        <p:spPr/>
-        <p:txBody>
-          <a:bodyPr>
-            <a:normAutofit fontScale="92500"/>
-          </a:bodyPr>
-          <a:lstStyle/>
-          <a:p>
-            <a:r>
-              <a:rPr lang="en-US" sz="2200" dirty="0"/>
-              <a:t>The GNU General Public License (GPL). This is a so-called ‘reciprocal’ license that means that if you use open source software that is licensed under the GPL license, then you must make that software open source. </a:t>
-            </a:r>
-            <a:endParaRPr lang="en-GB" sz="2200" dirty="0"/>
-          </a:p>
-          <a:p>
-            <a:r>
-              <a:rPr lang="en-US" sz="2200" dirty="0"/>
-              <a:t>The GNU Lesser General Public License (LGPL) is a variant of the GPL license where you can write components that link to open source code without having to publish the source of these components. </a:t>
-            </a:r>
-            <a:endParaRPr lang="en-GB" sz="2200" dirty="0"/>
-          </a:p>
-          <a:p>
-            <a:r>
-              <a:rPr lang="en-US" sz="2200" dirty="0"/>
-              <a:t>The Berkley Standard Distribution (BSD) License. This is a non-reciprocal license, which means you are not obliged to re-publish any changes or modifications made to open source code. You can include the code in proprietary systems that are sold.</a:t>
-            </a:r>
-            <a:endParaRPr lang="en-GB" sz="2200" dirty="0"/>
-          </a:p>
-          <a:p>
-            <a:endParaRPr lang="en-US" dirty="0"/>
-          </a:p>
-        </p:txBody>
-      </p:sp>
-    </p:spTree>
-  </p:cSld>
-  <p:clrMapOvr>
-    <a:masterClrMapping/>
-  </p:clrMapOvr>
-</p:sld>
-</file>
-
-<file path=ppt/slides/slide28.xml><?xml version="1.0" encoding="utf-8"?>
 <p:sld xmlns:a="http://schemas.openxmlformats.org/drawingml/2006/main" xmlns:r="http://schemas.openxmlformats.org/officeDocument/2006/relationships" xmlns:p="http://schemas.openxmlformats.org/presentationml/2006/main">
   <p:cSld>
     <p:bg>
@@ -10940,7 +10633,7 @@
 </p:sld>
 </file>
 
-<file path=ppt/slides/slide29.xml><?xml version="1.0" encoding="utf-8"?>
+<file path=ppt/slides/slide23.xml><?xml version="1.0" encoding="utf-8"?>
 <p:sld xmlns:a="http://schemas.openxmlformats.org/drawingml/2006/main" xmlns:r="http://schemas.openxmlformats.org/officeDocument/2006/relationships" xmlns:p="http://schemas.openxmlformats.org/presentationml/2006/main">
   <p:cSld>
     <p:bg>
@@ -11286,72 +10979,71 @@
           </a:bodyPr>
           <a:lstStyle/>
           <a:p>
-            <a:r>
-              <a:rPr lang="en-US" sz="4000" dirty="0"/>
+            <a:pPr>
+              <a:spcBef>
+                <a:spcPct val="20000"/>
+              </a:spcBef>
+              <a:spcAft>
+                <a:spcPts val="600"/>
+              </a:spcAft>
+              <a:buClr>
+                <a:schemeClr val="accent2"/>
+              </a:buClr>
+              <a:buSzPct val="92000"/>
+            </a:pPr>
+            <a:r>
+              <a:rPr lang="en-US" sz="4000" dirty="0">
+                <a:solidFill>
+                  <a:schemeClr val="tx2"/>
+                </a:solidFill>
+                <a:latin typeface="+mn-lt"/>
+                <a:ea typeface="+mn-ea"/>
+                <a:cs typeface="+mn-cs"/>
+              </a:rPr>
               <a:t>Thank You</a:t>
             </a:r>
             <a:br>
-              <a:rPr lang="en-US" sz="4000" dirty="0"/>
+              <a:rPr lang="en-US" sz="4000" dirty="0">
+                <a:solidFill>
+                  <a:schemeClr val="tx2"/>
+                </a:solidFill>
+                <a:latin typeface="+mn-lt"/>
+                <a:ea typeface="+mn-ea"/>
+                <a:cs typeface="+mn-cs"/>
+              </a:rPr>
             </a:br>
             <a:r>
-              <a:rPr lang="en-US" sz="4000" dirty="0"/>
+              <a:rPr lang="en-US" sz="4000" dirty="0">
+                <a:solidFill>
+                  <a:schemeClr val="tx2"/>
+                </a:solidFill>
+                <a:latin typeface="+mn-lt"/>
+                <a:ea typeface="+mn-ea"/>
+                <a:cs typeface="+mn-cs"/>
+              </a:rPr>
               <a:t>for</a:t>
             </a:r>
             <a:br>
-              <a:rPr lang="en-US" sz="4000" dirty="0"/>
+              <a:rPr lang="en-US" sz="4000" dirty="0">
+                <a:solidFill>
+                  <a:schemeClr val="tx2"/>
+                </a:solidFill>
+                <a:latin typeface="+mn-lt"/>
+                <a:ea typeface="+mn-ea"/>
+                <a:cs typeface="+mn-cs"/>
+              </a:rPr>
             </a:br>
             <a:r>
-              <a:rPr lang="en-US" sz="4000" dirty="0"/>
+              <a:rPr lang="en-US" sz="4000" dirty="0">
+                <a:solidFill>
+                  <a:schemeClr val="tx2"/>
+                </a:solidFill>
+                <a:latin typeface="+mn-lt"/>
+                <a:ea typeface="+mn-ea"/>
+                <a:cs typeface="+mn-cs"/>
+              </a:rPr>
               <a:t>your attention.</a:t>
             </a:r>
-            <a:endParaRPr lang="en-US" sz="4000" dirty="0">
-              <a:solidFill>
-                <a:schemeClr val="tx2"/>
-              </a:solidFill>
-            </a:endParaRPr>
-          </a:p>
-        </p:txBody>
-      </p:sp>
-      <p:sp>
-        <p:nvSpPr>
-          <p:cNvPr id="3" name="Content Placeholder 2">
-            <a:extLst>
-              <a:ext uri="{FF2B5EF4-FFF2-40B4-BE49-F238E27FC236}">
-                <a16:creationId xmlns:a16="http://schemas.microsoft.com/office/drawing/2014/main" id="{F23D8891-C261-407D-B8B8-D59F550B43D8}"/>
-              </a:ext>
-            </a:extLst>
-          </p:cNvPr>
-          <p:cNvSpPr>
-            <a:spLocks noGrp="1"/>
-          </p:cNvSpPr>
-          <p:nvPr>
-            <p:ph type="body" idx="1"/>
-          </p:nvPr>
-        </p:nvSpPr>
-        <p:spPr>
-          <a:xfrm>
-            <a:off x="1193898" y="1577340"/>
-            <a:ext cx="2037879" cy="3703320"/>
-          </a:xfrm>
-          <a:ln w="57150">
-            <a:noFill/>
-          </a:ln>
-        </p:spPr>
-        <p:txBody>
-          <a:bodyPr vert="horz" lIns="91440" tIns="45720" rIns="91440" bIns="45720" rtlCol="0" anchor="ctr">
-            <a:normAutofit/>
-          </a:bodyPr>
-          <a:lstStyle/>
-          <a:p>
-            <a:r>
-              <a:rPr lang="en-US" sz="4000" dirty="0">
-                <a:solidFill>
-                  <a:schemeClr val="tx2"/>
-                </a:solidFill>
-              </a:rPr>
-              <a:t>Q&amp;A</a:t>
-            </a:r>
-            <a:endParaRPr lang="en-US" sz="4000" dirty="0"/>
           </a:p>
         </p:txBody>
       </p:sp>
@@ -11997,8 +11689,6 @@
               <a:rPr lang="en-US" b="1" dirty="0"/>
               <a:t>Software design &amp; implementation is </a:t>
             </a:r>
-          </a:p>
-          <a:p>
             <a:r>
               <a:rPr lang="en-US" dirty="0"/>
               <a:t>the stage in the software engineering process that an executable software system is developed.</a:t>
@@ -12008,33 +11698,22 @@
             <a:endParaRPr lang="en-US" dirty="0"/>
           </a:p>
           <a:p>
-            <a:pPr marL="0" indent="0">
-              <a:buNone/>
-            </a:pPr>
-            <a:r>
-              <a:rPr lang="en-US" dirty="0"/>
-              <a:t>Software design &amp; implementation activities are always closely linked. </a:t>
-            </a:r>
-          </a:p>
-          <a:p>
-            <a:pPr lvl="1"/>
-            <a:r>
-              <a:rPr lang="en-US" sz="1800" b="1" dirty="0"/>
+            <a:r>
+              <a:rPr lang="en-US" sz="2000" b="1" dirty="0"/>
               <a:t>Software design</a:t>
             </a:r>
             <a:r>
-              <a:rPr lang="en-US" sz="1800" dirty="0"/>
+              <a:rPr lang="en-US" sz="2000" dirty="0"/>
               <a:t> is a creative activity in which you identify software components and their relationships, based on a customer’s requirements. </a:t>
             </a:r>
           </a:p>
           <a:p>
-            <a:pPr lvl="1"/>
-            <a:r>
-              <a:rPr lang="en-US" sz="1800" b="1" dirty="0"/>
+            <a:r>
+              <a:rPr lang="en-US" sz="2000" b="1" dirty="0"/>
               <a:t>Implementation</a:t>
             </a:r>
             <a:r>
-              <a:rPr lang="en-US" sz="1800" dirty="0"/>
+              <a:rPr lang="en-US" sz="2000" dirty="0"/>
               <a:t> is the process of realizing the design as a program. </a:t>
             </a:r>
           </a:p>
@@ -12753,15 +12432,7 @@
             </a:r>
             <a:r>
               <a:rPr lang="en-US" sz="2000" dirty="0"/>
-              <a:t>developed by different groups design </a:t>
-            </a:r>
-            <a:r>
-              <a:rPr lang="en-US" sz="2000" b="1" dirty="0"/>
-              <a:t>models</a:t>
-            </a:r>
-            <a:r>
-              <a:rPr lang="en-US" sz="2000" dirty="0"/>
-              <a:t> are an </a:t>
+              <a:t>developed by different groups design models are an </a:t>
             </a:r>
             <a:r>
               <a:rPr lang="en-US" sz="2000" b="1" dirty="0"/>

--- a/2019Nov_Design_Implementation/Ch7.pptx
+++ b/2019Nov_Design_Implementation/Ch7.pptx
@@ -5,7 +5,7 @@
     <p:sldMasterId id="2147483763" r:id="rId1"/>
   </p:sldMasterIdLst>
   <p:notesMasterIdLst>
-    <p:notesMasterId r:id="rId25"/>
+    <p:notesMasterId r:id="rId26"/>
   </p:notesMasterIdLst>
   <p:sldIdLst>
     <p:sldId id="257" r:id="rId2"/>
@@ -15,22 +15,23 @@
     <p:sldId id="271" r:id="rId6"/>
     <p:sldId id="267" r:id="rId7"/>
     <p:sldId id="272" r:id="rId8"/>
-    <p:sldId id="280" r:id="rId9"/>
-    <p:sldId id="279" r:id="rId10"/>
-    <p:sldId id="284" r:id="rId11"/>
-    <p:sldId id="288" r:id="rId12"/>
-    <p:sldId id="266" r:id="rId13"/>
-    <p:sldId id="275" r:id="rId14"/>
-    <p:sldId id="317" r:id="rId15"/>
-    <p:sldId id="319" r:id="rId16"/>
-    <p:sldId id="268" r:id="rId17"/>
-    <p:sldId id="318" r:id="rId18"/>
-    <p:sldId id="292" r:id="rId19"/>
-    <p:sldId id="269" r:id="rId20"/>
-    <p:sldId id="308" r:id="rId21"/>
-    <p:sldId id="311" r:id="rId22"/>
-    <p:sldId id="259" r:id="rId23"/>
-    <p:sldId id="260" r:id="rId24"/>
+    <p:sldId id="320" r:id="rId9"/>
+    <p:sldId id="284" r:id="rId10"/>
+    <p:sldId id="279" r:id="rId11"/>
+    <p:sldId id="280" r:id="rId12"/>
+    <p:sldId id="288" r:id="rId13"/>
+    <p:sldId id="266" r:id="rId14"/>
+    <p:sldId id="275" r:id="rId15"/>
+    <p:sldId id="317" r:id="rId16"/>
+    <p:sldId id="319" r:id="rId17"/>
+    <p:sldId id="268" r:id="rId18"/>
+    <p:sldId id="318" r:id="rId19"/>
+    <p:sldId id="292" r:id="rId20"/>
+    <p:sldId id="269" r:id="rId21"/>
+    <p:sldId id="308" r:id="rId22"/>
+    <p:sldId id="311" r:id="rId23"/>
+    <p:sldId id="259" r:id="rId24"/>
+    <p:sldId id="260" r:id="rId25"/>
   </p:sldIdLst>
   <p:sldSz cx="9144000" cy="6858000" type="screen4x3"/>
   <p:notesSz cx="6858000" cy="9144000"/>
@@ -222,7 +223,7 @@
           <a:p>
             <a:fld id="{7654D399-1BD5-4C39-A70D-A43E30608BC1}" type="datetimeFigureOut">
               <a:rPr lang="en-US" smtClean="0"/>
-              <a:t>11/24/2019</a:t>
+              <a:t>11/25/2019</a:t>
             </a:fld>
             <a:endParaRPr lang="en-US"/>
           </a:p>
@@ -640,10 +641,6 @@
           <a:bodyPr/>
           <a:lstStyle/>
           <a:p>
-            <a:r>
-              <a:rPr lang="en-US" dirty="0" err="1"/>
-              <a:t>Incompatablity</a:t>
-            </a:r>
             <a:endParaRPr lang="en-US" dirty="0"/>
           </a:p>
         </p:txBody>
@@ -665,7 +662,7 @@
           <a:p>
             <a:fld id="{2409C4FB-DC9D-443A-B59A-674DF8005B57}" type="slidenum">
               <a:rPr lang="en-US" smtClean="0"/>
-              <a:t>17</a:t>
+              <a:t>15</a:t>
             </a:fld>
             <a:endParaRPr lang="en-US"/>
           </a:p>
@@ -674,7 +671,7 @@
     </p:spTree>
     <p:extLst>
       <p:ext uri="{BB962C8B-B14F-4D97-AF65-F5344CB8AC3E}">
-        <p14:creationId xmlns:p14="http://schemas.microsoft.com/office/powerpoint/2010/main" val="1921602732"/>
+        <p14:creationId xmlns:p14="http://schemas.microsoft.com/office/powerpoint/2010/main" val="1595860565"/>
       </p:ext>
     </p:extLst>
   </p:cSld>
@@ -729,58 +726,10 @@
           <a:lstStyle/>
           <a:p>
             <a:r>
-              <a:rPr lang="en-US" dirty="0"/>
-              <a:t>The abstraction level </a:t>
-            </a:r>
-          </a:p>
-          <a:p>
-            <a:pPr lvl="1"/>
-            <a:r>
-              <a:rPr lang="en-US" dirty="0"/>
-              <a:t>At this level, you don’t reuse software directly but use knowledge of successful abstractions in the design of your software. </a:t>
-            </a:r>
-            <a:endParaRPr lang="en-GB" dirty="0"/>
-          </a:p>
-          <a:p>
-            <a:r>
-              <a:rPr lang="en-US" dirty="0"/>
-              <a:t>The object level </a:t>
-            </a:r>
-          </a:p>
-          <a:p>
-            <a:pPr lvl="1"/>
-            <a:r>
-              <a:rPr lang="en-US" dirty="0"/>
-              <a:t>At this level, you directly reuse objects from a library rather than writing the code yourself. </a:t>
-            </a:r>
-            <a:endParaRPr lang="en-GB" dirty="0"/>
-          </a:p>
-          <a:p>
-            <a:r>
-              <a:rPr lang="en-US" dirty="0"/>
-              <a:t>The component level </a:t>
-            </a:r>
-          </a:p>
-          <a:p>
-            <a:pPr lvl="1"/>
-            <a:r>
-              <a:rPr lang="en-US" dirty="0"/>
-              <a:t>Components are collections of objects and object classes that you reuse in application systems. </a:t>
-            </a:r>
-            <a:endParaRPr lang="en-GB" dirty="0"/>
-          </a:p>
-          <a:p>
-            <a:r>
-              <a:rPr lang="en-US" dirty="0"/>
-              <a:t>The system level </a:t>
-            </a:r>
-          </a:p>
-          <a:p>
-            <a:pPr lvl="1"/>
-            <a:r>
-              <a:rPr lang="en-US" dirty="0"/>
-              <a:t>At this level, you reuse entire application systems. </a:t>
-            </a:r>
+              <a:rPr lang="en-US" dirty="0" err="1"/>
+              <a:t>Incompatablity</a:t>
+            </a:r>
+            <a:endParaRPr lang="en-US" dirty="0"/>
           </a:p>
         </p:txBody>
       </p:sp>
@@ -810,7 +759,7 @@
     </p:spTree>
     <p:extLst>
       <p:ext uri="{BB962C8B-B14F-4D97-AF65-F5344CB8AC3E}">
-        <p14:creationId xmlns:p14="http://schemas.microsoft.com/office/powerpoint/2010/main" val="590082539"/>
+        <p14:creationId xmlns:p14="http://schemas.microsoft.com/office/powerpoint/2010/main" val="1921602732"/>
       </p:ext>
     </p:extLst>
   </p:cSld>
@@ -866,6 +815,142 @@
           <a:p>
             <a:r>
               <a:rPr lang="en-US" dirty="0"/>
+              <a:t>The abstraction level </a:t>
+            </a:r>
+          </a:p>
+          <a:p>
+            <a:pPr lvl="1"/>
+            <a:r>
+              <a:rPr lang="en-US" dirty="0"/>
+              <a:t>At this level, you don’t reuse software directly but use knowledge of successful abstractions in the design of your software. </a:t>
+            </a:r>
+            <a:endParaRPr lang="en-GB" dirty="0"/>
+          </a:p>
+          <a:p>
+            <a:r>
+              <a:rPr lang="en-US" dirty="0"/>
+              <a:t>The object level </a:t>
+            </a:r>
+          </a:p>
+          <a:p>
+            <a:pPr lvl="1"/>
+            <a:r>
+              <a:rPr lang="en-US" dirty="0"/>
+              <a:t>At this level, you directly reuse objects from a library rather than writing the code yourself. </a:t>
+            </a:r>
+            <a:endParaRPr lang="en-GB" dirty="0"/>
+          </a:p>
+          <a:p>
+            <a:r>
+              <a:rPr lang="en-US" dirty="0"/>
+              <a:t>The component level </a:t>
+            </a:r>
+          </a:p>
+          <a:p>
+            <a:pPr lvl="1"/>
+            <a:r>
+              <a:rPr lang="en-US" dirty="0"/>
+              <a:t>Components are collections of objects and object classes that you reuse in application systems. </a:t>
+            </a:r>
+            <a:endParaRPr lang="en-GB" dirty="0"/>
+          </a:p>
+          <a:p>
+            <a:r>
+              <a:rPr lang="en-US" dirty="0"/>
+              <a:t>The system level </a:t>
+            </a:r>
+          </a:p>
+          <a:p>
+            <a:pPr lvl="1"/>
+            <a:r>
+              <a:rPr lang="en-US" dirty="0"/>
+              <a:t>At this level, you reuse entire application systems. </a:t>
+            </a:r>
+          </a:p>
+        </p:txBody>
+      </p:sp>
+      <p:sp>
+        <p:nvSpPr>
+          <p:cNvPr id="4" name="Slide Number Placeholder 3"/>
+          <p:cNvSpPr>
+            <a:spLocks noGrp="1"/>
+          </p:cNvSpPr>
+          <p:nvPr>
+            <p:ph type="sldNum" sz="quarter" idx="5"/>
+          </p:nvPr>
+        </p:nvSpPr>
+        <p:spPr/>
+        <p:txBody>
+          <a:bodyPr/>
+          <a:lstStyle/>
+          <a:p>
+            <a:fld id="{2409C4FB-DC9D-443A-B59A-674DF8005B57}" type="slidenum">
+              <a:rPr lang="en-US" smtClean="0"/>
+              <a:t>19</a:t>
+            </a:fld>
+            <a:endParaRPr lang="en-US"/>
+          </a:p>
+        </p:txBody>
+      </p:sp>
+    </p:spTree>
+    <p:extLst>
+      <p:ext uri="{BB962C8B-B14F-4D97-AF65-F5344CB8AC3E}">
+        <p14:creationId xmlns:p14="http://schemas.microsoft.com/office/powerpoint/2010/main" val="590082539"/>
+      </p:ext>
+    </p:extLst>
+  </p:cSld>
+  <p:clrMapOvr>
+    <a:masterClrMapping/>
+  </p:clrMapOvr>
+</p:notes>
+</file>
+
+<file path=ppt/notesSlides/notesSlide13.xml><?xml version="1.0" encoding="utf-8"?>
+<p:notes xmlns:a="http://schemas.openxmlformats.org/drawingml/2006/main" xmlns:r="http://schemas.openxmlformats.org/officeDocument/2006/relationships" xmlns:p="http://schemas.openxmlformats.org/presentationml/2006/main">
+  <p:cSld>
+    <p:spTree>
+      <p:nvGrpSpPr>
+        <p:cNvPr id="1" name=""/>
+        <p:cNvGrpSpPr/>
+        <p:nvPr/>
+      </p:nvGrpSpPr>
+      <p:grpSpPr>
+        <a:xfrm>
+          <a:off x="0" y="0"/>
+          <a:ext cx="0" cy="0"/>
+          <a:chOff x="0" y="0"/>
+          <a:chExt cx="0" cy="0"/>
+        </a:xfrm>
+      </p:grpSpPr>
+      <p:sp>
+        <p:nvSpPr>
+          <p:cNvPr id="2" name="Slide Image Placeholder 1"/>
+          <p:cNvSpPr>
+            <a:spLocks noGrp="1" noRot="1" noChangeAspect="1"/>
+          </p:cNvSpPr>
+          <p:nvPr>
+            <p:ph type="sldImg"/>
+          </p:nvPr>
+        </p:nvSpPr>
+        <p:spPr/>
+      </p:sp>
+      <p:sp>
+        <p:nvSpPr>
+          <p:cNvPr id="3" name="Notes Placeholder 2"/>
+          <p:cNvSpPr>
+            <a:spLocks noGrp="1"/>
+          </p:cNvSpPr>
+          <p:nvPr>
+            <p:ph type="body" idx="1"/>
+          </p:nvPr>
+        </p:nvSpPr>
+        <p:spPr/>
+        <p:txBody>
+          <a:bodyPr/>
+          <a:lstStyle/>
+          <a:p>
+            <a:r>
+              <a:rPr lang="en-US" dirty="0"/>
               <a:t>MIT</a:t>
             </a:r>
             <a:r>
@@ -909,7 +994,7 @@
           <a:p>
             <a:fld id="{2409C4FB-DC9D-443A-B59A-674DF8005B57}" type="slidenum">
               <a:rPr lang="en-US" smtClean="0"/>
-              <a:t>21</a:t>
+              <a:t>22</a:t>
             </a:fld>
             <a:endParaRPr lang="en-US"/>
           </a:p>
@@ -1206,46 +1291,15 @@
           <a:bodyPr/>
           <a:lstStyle/>
           <a:p>
-            <a:r>
-              <a:rPr lang="en-US" sz="1200" b="0" kern="1200" dirty="0">
-                <a:solidFill>
-                  <a:schemeClr val="tx1"/>
-                </a:solidFill>
-                <a:effectLst/>
-                <a:latin typeface="+mn-lt"/>
-                <a:ea typeface="+mn-ea"/>
-                <a:cs typeface="+mn-cs"/>
-              </a:rPr>
-              <a:t>Each of these use cases should be described in structured natural language. This</a:t>
-            </a:r>
-          </a:p>
-          <a:p>
-            <a:r>
-              <a:rPr lang="en-US" sz="1200" b="0" kern="1200" dirty="0">
-                <a:solidFill>
-                  <a:schemeClr val="tx1"/>
-                </a:solidFill>
-                <a:effectLst/>
-                <a:latin typeface="+mn-lt"/>
-                <a:ea typeface="+mn-ea"/>
-                <a:cs typeface="+mn-cs"/>
-              </a:rPr>
-              <a:t>helps designers identify objects in the system and gives them an understanding of</a:t>
-            </a:r>
-          </a:p>
-          <a:p>
-            <a:r>
-              <a:rPr lang="en-US" sz="1200" b="0" kern="1200" dirty="0">
-                <a:solidFill>
-                  <a:schemeClr val="tx1"/>
-                </a:solidFill>
-                <a:effectLst/>
-                <a:latin typeface="+mn-lt"/>
-                <a:ea typeface="+mn-ea"/>
-                <a:cs typeface="+mn-cs"/>
-              </a:rPr>
-              <a:t>what the system is intended to do. I use a standard format for this description that clearly identifies what information is exchanged, how the interaction is initiated, and so on.</a:t>
-            </a:r>
+            <a:endParaRPr lang="en-US" sz="1200" b="0" kern="1200" dirty="0">
+              <a:solidFill>
+                <a:schemeClr val="tx1"/>
+              </a:solidFill>
+              <a:effectLst/>
+              <a:latin typeface="+mn-lt"/>
+              <a:ea typeface="+mn-ea"/>
+              <a:cs typeface="+mn-cs"/>
+            </a:endParaRPr>
           </a:p>
         </p:txBody>
       </p:sp>
@@ -1275,7 +1329,7 @@
     </p:spTree>
     <p:extLst>
       <p:ext uri="{BB962C8B-B14F-4D97-AF65-F5344CB8AC3E}">
-        <p14:creationId xmlns:p14="http://schemas.microsoft.com/office/powerpoint/2010/main" val="3703035571"/>
+        <p14:creationId xmlns:p14="http://schemas.microsoft.com/office/powerpoint/2010/main" val="3791459963"/>
       </p:ext>
     </p:extLst>
   </p:cSld>
@@ -1329,102 +1383,15 @@
           <a:bodyPr/>
           <a:lstStyle/>
           <a:p>
-            <a:r>
-              <a:rPr lang="en-US" sz="1200" b="0" kern="1200" dirty="0">
-                <a:solidFill>
-                  <a:schemeClr val="tx1"/>
-                </a:solidFill>
-                <a:effectLst/>
-                <a:latin typeface="+mn-lt"/>
-                <a:ea typeface="+mn-ea"/>
-                <a:cs typeface="+mn-cs"/>
-              </a:rPr>
-              <a:t>Each subsystem listens for messages on that</a:t>
-            </a:r>
-          </a:p>
-          <a:p>
-            <a:r>
-              <a:rPr lang="en-US" sz="1200" b="0" kern="1200" dirty="0">
-                <a:solidFill>
-                  <a:schemeClr val="tx1"/>
-                </a:solidFill>
-                <a:effectLst/>
-                <a:latin typeface="+mn-lt"/>
-                <a:ea typeface="+mn-ea"/>
-                <a:cs typeface="+mn-cs"/>
-              </a:rPr>
-              <a:t>infrastructure and picks up the messages that are intended for them. This is</a:t>
-            </a:r>
-          </a:p>
-          <a:p>
-            <a:r>
-              <a:rPr lang="en-US" sz="1200" b="0" kern="1200" dirty="0">
-                <a:solidFill>
-                  <a:schemeClr val="tx1"/>
-                </a:solidFill>
-                <a:effectLst/>
-                <a:latin typeface="+mn-lt"/>
-                <a:ea typeface="+mn-ea"/>
-                <a:cs typeface="+mn-cs"/>
-              </a:rPr>
-              <a:t>another commonly used architectural style in addition to those described in</a:t>
-            </a:r>
-          </a:p>
-          <a:p>
-            <a:r>
-              <a:rPr lang="en-US" sz="1200" b="0" kern="1200" dirty="0">
-                <a:solidFill>
-                  <a:schemeClr val="tx1"/>
-                </a:solidFill>
-                <a:effectLst/>
-                <a:latin typeface="+mn-lt"/>
-                <a:ea typeface="+mn-ea"/>
-                <a:cs typeface="+mn-cs"/>
-              </a:rPr>
-              <a:t>Chapter 6.</a:t>
-            </a:r>
-          </a:p>
-          <a:p>
-            <a:r>
-              <a:rPr lang="en-US" sz="1200" b="0" kern="1200" dirty="0">
-                <a:solidFill>
-                  <a:schemeClr val="tx1"/>
-                </a:solidFill>
-                <a:effectLst/>
-                <a:latin typeface="+mn-lt"/>
-                <a:ea typeface="+mn-ea"/>
-                <a:cs typeface="+mn-cs"/>
-              </a:rPr>
-              <a:t>For example, when the communications subsystem receives a control command, such as shutdown, the command is picked up by each of the other subsystems, which then shut themselves down in the correct way. The key benefit of this</a:t>
-            </a:r>
-          </a:p>
-          <a:p>
-            <a:r>
-              <a:rPr lang="en-US" sz="1200" b="0" kern="1200" dirty="0">
-                <a:solidFill>
-                  <a:schemeClr val="tx1"/>
-                </a:solidFill>
-                <a:effectLst/>
-                <a:latin typeface="+mn-lt"/>
-                <a:ea typeface="+mn-ea"/>
-                <a:cs typeface="+mn-cs"/>
-              </a:rPr>
-              <a:t>architecture is that it is easy to support different configurations of subsystems</a:t>
-            </a:r>
-          </a:p>
-          <a:p>
-            <a:r>
-              <a:rPr lang="en-US" sz="1200" b="0" kern="1200" dirty="0">
-                <a:solidFill>
-                  <a:schemeClr val="tx1"/>
-                </a:solidFill>
-                <a:effectLst/>
-                <a:latin typeface="+mn-lt"/>
-                <a:ea typeface="+mn-ea"/>
-                <a:cs typeface="+mn-cs"/>
-              </a:rPr>
-              <a:t>because the sender of a message does not need to address the message to a particular subsystem.</a:t>
-            </a:r>
+            <a:endParaRPr lang="en-US" sz="1200" b="0" kern="1200" dirty="0">
+              <a:solidFill>
+                <a:schemeClr val="tx1"/>
+              </a:solidFill>
+              <a:effectLst/>
+              <a:latin typeface="+mn-lt"/>
+              <a:ea typeface="+mn-ea"/>
+              <a:cs typeface="+mn-cs"/>
+            </a:endParaRPr>
           </a:p>
         </p:txBody>
       </p:sp>
@@ -1454,7 +1421,7 @@
     </p:spTree>
     <p:extLst>
       <p:ext uri="{BB962C8B-B14F-4D97-AF65-F5344CB8AC3E}">
-        <p14:creationId xmlns:p14="http://schemas.microsoft.com/office/powerpoint/2010/main" val="2480783258"/>
+        <p14:creationId xmlns:p14="http://schemas.microsoft.com/office/powerpoint/2010/main" val="4104773218"/>
       </p:ext>
     </p:extLst>
   </p:cSld>
@@ -1508,6 +1475,94 @@
           <a:bodyPr/>
           <a:lstStyle/>
           <a:p>
+            <a:r>
+              <a:rPr lang="en-US" sz="1200" b="0" kern="1200" dirty="0">
+                <a:solidFill>
+                  <a:schemeClr val="tx1"/>
+                </a:solidFill>
+                <a:effectLst/>
+                <a:latin typeface="+mn-lt"/>
+                <a:ea typeface="+mn-ea"/>
+                <a:cs typeface="+mn-cs"/>
+              </a:rPr>
+              <a:t>Each subsystem listens for messages on that Infrastructure and picks up the messages that are intended for them. This is</a:t>
+            </a:r>
+          </a:p>
+          <a:p>
+            <a:r>
+              <a:rPr lang="en-US" sz="1200" b="0" kern="1200" dirty="0">
+                <a:solidFill>
+                  <a:schemeClr val="tx1"/>
+                </a:solidFill>
+                <a:effectLst/>
+                <a:latin typeface="+mn-lt"/>
+                <a:ea typeface="+mn-ea"/>
+                <a:cs typeface="+mn-cs"/>
+              </a:rPr>
+              <a:t>another commonly used architectural style in addition to those described in Chapter 6.</a:t>
+            </a:r>
+          </a:p>
+          <a:p>
+            <a:r>
+              <a:rPr lang="en-US" sz="1200" b="0" kern="1200" dirty="0">
+                <a:solidFill>
+                  <a:schemeClr val="tx1"/>
+                </a:solidFill>
+                <a:effectLst/>
+                <a:latin typeface="+mn-lt"/>
+                <a:ea typeface="+mn-ea"/>
+                <a:cs typeface="+mn-cs"/>
+              </a:rPr>
+              <a:t>For example, when the communications subsystem receives a control command, such as shutdown, the command is picked up by each of the other subsystems, which then shut themselves down in the correct way. The key benefit of this</a:t>
+            </a:r>
+          </a:p>
+          <a:p>
+            <a:r>
+              <a:rPr lang="en-US" sz="1200" b="0" kern="1200" dirty="0">
+                <a:solidFill>
+                  <a:schemeClr val="tx1"/>
+                </a:solidFill>
+                <a:effectLst/>
+                <a:latin typeface="+mn-lt"/>
+                <a:ea typeface="+mn-ea"/>
+                <a:cs typeface="+mn-cs"/>
+              </a:rPr>
+              <a:t>architecture is that it is easy to support different configurations of subsystems</a:t>
+            </a:r>
+          </a:p>
+          <a:p>
+            <a:r>
+              <a:rPr lang="en-US" sz="1200" b="0" kern="1200" dirty="0">
+                <a:solidFill>
+                  <a:schemeClr val="tx1"/>
+                </a:solidFill>
+                <a:effectLst/>
+                <a:latin typeface="+mn-lt"/>
+                <a:ea typeface="+mn-ea"/>
+                <a:cs typeface="+mn-cs"/>
+              </a:rPr>
+              <a:t>because the sender of a message does not need to address the message to a particular subsystem.</a:t>
+            </a:r>
+          </a:p>
+          <a:p>
+            <a:r>
+              <a:rPr lang="en-US" sz="1200" b="0" kern="1200" dirty="0">
+                <a:solidFill>
+                  <a:schemeClr val="tx1"/>
+                </a:solidFill>
+                <a:effectLst/>
+                <a:latin typeface="+mn-lt"/>
+                <a:ea typeface="+mn-ea"/>
+                <a:cs typeface="+mn-cs"/>
+              </a:rPr>
+              <a:t>-----------</a:t>
+            </a:r>
+          </a:p>
+          <a:p>
+            <a:r>
+              <a:rPr lang="en-US" dirty="0"/>
+              <a:t>You identify the major components that make up the system and their interactions, and then may organize the components using an architectural pattern such as a layered or client–server model. However, this is not essential at this stage. The high-level architectural design for the weather station software is shown in Figure 7.4. The weather station is composed of independent subsystems that communicate by broadcasting messages on a common infrastructure, shown as the Communication link in Figure 7.4. Each subsystem listens for messages on that infrastructure and picks up the messages that are intended for them. This is another commonly used architectural style in addition to those described in Chapter 6. For example, when the communications subsystem receives a control command, such as shutdown, the command is picked up by each of the other subsystems, which then shut themselves down in the correct way. The key benefit of this architecture is that it is easy to support different configurations of subsystems because the sender of a message does not need to address the message to a particular subsystem.</a:t>
+            </a:r>
             <a:endParaRPr lang="en-US" sz="1200" b="0" kern="1200" dirty="0">
               <a:solidFill>
                 <a:schemeClr val="tx1"/>
@@ -1546,7 +1601,7 @@
     </p:spTree>
     <p:extLst>
       <p:ext uri="{BB962C8B-B14F-4D97-AF65-F5344CB8AC3E}">
-        <p14:creationId xmlns:p14="http://schemas.microsoft.com/office/powerpoint/2010/main" val="4104773218"/>
+        <p14:creationId xmlns:p14="http://schemas.microsoft.com/office/powerpoint/2010/main" val="2480783258"/>
       </p:ext>
     </p:extLst>
   </p:cSld>
@@ -1610,7 +1665,7 @@
                 <a:ea typeface="+mn-ea"/>
                 <a:cs typeface="+mn-cs"/>
               </a:rPr>
-              <a:t>State diagrams are useful high-level models of a system or an object’s operation.</a:t>
+              <a:t>Each of these use cases should be described in structured natural language. This</a:t>
             </a:r>
           </a:p>
           <a:p>
@@ -1624,7 +1679,21 @@
                 <a:ea typeface="+mn-ea"/>
                 <a:cs typeface="+mn-cs"/>
               </a:rPr>
-              <a:t>You don’t usually need a state diagram for all of the objects in the system. Many of the objects in a system are relatively simple and a state model adds unnecessary detail to the design</a:t>
+              <a:t>helps designers identify objects in the system and gives them an understanding of</a:t>
+            </a:r>
+          </a:p>
+          <a:p>
+            <a:r>
+              <a:rPr lang="en-US" sz="1200" b="0" kern="1200" dirty="0">
+                <a:solidFill>
+                  <a:schemeClr val="tx1"/>
+                </a:solidFill>
+                <a:effectLst/>
+                <a:latin typeface="+mn-lt"/>
+                <a:ea typeface="+mn-ea"/>
+                <a:cs typeface="+mn-cs"/>
+              </a:rPr>
+              <a:t>what the system is intended to do. I use a standard format for this description that clearly identifies what information is exchanged, how the interaction is initiated, and so on.</a:t>
             </a:r>
           </a:p>
         </p:txBody>
@@ -1655,7 +1724,7 @@
     </p:spTree>
     <p:extLst>
       <p:ext uri="{BB962C8B-B14F-4D97-AF65-F5344CB8AC3E}">
-        <p14:creationId xmlns:p14="http://schemas.microsoft.com/office/powerpoint/2010/main" val="1040362761"/>
+        <p14:creationId xmlns:p14="http://schemas.microsoft.com/office/powerpoint/2010/main" val="3703035571"/>
       </p:ext>
     </p:extLst>
   </p:cSld>
@@ -1719,7 +1788,7 @@
                 <a:ea typeface="+mn-ea"/>
                 <a:cs typeface="+mn-cs"/>
               </a:rPr>
-              <a:t>Design patterns were derived from ideas put forward by Christopher Alexander</a:t>
+              <a:t>State diagrams are useful high-level models of a system or an object’s operation.</a:t>
             </a:r>
           </a:p>
           <a:p>
@@ -1733,25 +1802,8 @@
                 <a:ea typeface="+mn-ea"/>
                 <a:cs typeface="+mn-cs"/>
               </a:rPr>
-              <a:t>(Alexander et al., 1977), who suggested that there were certain common patterns of</a:t>
-            </a:r>
-          </a:p>
-          <a:p>
-            <a:r>
-              <a:rPr lang="en-US" sz="1200" b="0" kern="1200" dirty="0">
-                <a:solidFill>
-                  <a:schemeClr val="tx1"/>
-                </a:solidFill>
-                <a:effectLst/>
-                <a:latin typeface="+mn-lt"/>
-                <a:ea typeface="+mn-ea"/>
-                <a:cs typeface="+mn-cs"/>
-              </a:rPr>
-              <a:t>building design that were inherently pleasing and effective.</a:t>
-            </a:r>
-          </a:p>
-          <a:p>
-            <a:endParaRPr lang="en-US" dirty="0"/>
+              <a:t>You don’t usually need a state diagram for all of the objects in the system. Many of the objects in a system are relatively simple and a state model adds unnecessary detail to the design</a:t>
+            </a:r>
           </a:p>
         </p:txBody>
       </p:sp>
@@ -1772,7 +1824,7 @@
           <a:p>
             <a:fld id="{2409C4FB-DC9D-443A-B59A-674DF8005B57}" type="slidenum">
               <a:rPr lang="en-US" smtClean="0"/>
-              <a:t>13</a:t>
+              <a:t>12</a:t>
             </a:fld>
             <a:endParaRPr lang="en-US"/>
           </a:p>
@@ -1781,7 +1833,7 @@
     </p:spTree>
     <p:extLst>
       <p:ext uri="{BB962C8B-B14F-4D97-AF65-F5344CB8AC3E}">
-        <p14:creationId xmlns:p14="http://schemas.microsoft.com/office/powerpoint/2010/main" val="3193709210"/>
+        <p14:creationId xmlns:p14="http://schemas.microsoft.com/office/powerpoint/2010/main" val="1040362761"/>
       </p:ext>
     </p:extLst>
   </p:cSld>
@@ -1835,6 +1887,48 @@
           <a:bodyPr/>
           <a:lstStyle/>
           <a:p>
+            <a:r>
+              <a:rPr lang="en-US" sz="1200" b="0" kern="1200" dirty="0">
+                <a:solidFill>
+                  <a:schemeClr val="tx1"/>
+                </a:solidFill>
+                <a:effectLst/>
+                <a:latin typeface="+mn-lt"/>
+                <a:ea typeface="+mn-ea"/>
+                <a:cs typeface="+mn-cs"/>
+              </a:rPr>
+              <a:t>Design patterns were derived from ideas put forward by Christopher Alexander</a:t>
+            </a:r>
+          </a:p>
+          <a:p>
+            <a:r>
+              <a:rPr lang="en-US" sz="1200" b="0" kern="1200" dirty="0">
+                <a:solidFill>
+                  <a:schemeClr val="tx1"/>
+                </a:solidFill>
+                <a:effectLst/>
+                <a:latin typeface="+mn-lt"/>
+                <a:ea typeface="+mn-ea"/>
+                <a:cs typeface="+mn-cs"/>
+              </a:rPr>
+              <a:t>(Alexander et al., 1977), who suggested that there were certain common patterns of</a:t>
+            </a:r>
+          </a:p>
+          <a:p>
+            <a:r>
+              <a:rPr lang="en-US" sz="1200" b="0" kern="1200" dirty="0">
+                <a:solidFill>
+                  <a:schemeClr val="tx1"/>
+                </a:solidFill>
+                <a:effectLst/>
+                <a:latin typeface="+mn-lt"/>
+                <a:ea typeface="+mn-ea"/>
+                <a:cs typeface="+mn-cs"/>
+              </a:rPr>
+              <a:t>building design that were inherently pleasing and effective.</a:t>
+            </a:r>
+          </a:p>
+          <a:p>
             <a:endParaRPr lang="en-US" dirty="0"/>
           </a:p>
         </p:txBody>
@@ -1865,7 +1959,7 @@
     </p:spTree>
     <p:extLst>
       <p:ext uri="{BB962C8B-B14F-4D97-AF65-F5344CB8AC3E}">
-        <p14:creationId xmlns:p14="http://schemas.microsoft.com/office/powerpoint/2010/main" val="1595860565"/>
+        <p14:creationId xmlns:p14="http://schemas.microsoft.com/office/powerpoint/2010/main" val="3193709210"/>
       </p:ext>
     </p:extLst>
   </p:cSld>
@@ -2115,7 +2209,7 @@
           <a:p>
             <a:fld id="{ED291B17-9318-49DB-B28B-6E5994AE9581}" type="datetime1">
               <a:rPr lang="en-US" smtClean="0"/>
-              <a:t>11/24/2019</a:t>
+              <a:t>11/25/2019</a:t>
             </a:fld>
             <a:endParaRPr lang="en-US" dirty="0"/>
           </a:p>
@@ -2362,7 +2456,7 @@
           <a:p>
             <a:fld id="{2CED4963-E985-44C4-B8C4-FDD613B7C2F8}" type="datetime1">
               <a:rPr lang="en-US" smtClean="0"/>
-              <a:t>11/24/2019</a:t>
+              <a:t>11/25/2019</a:t>
             </a:fld>
             <a:endParaRPr lang="en-US" dirty="0"/>
           </a:p>
@@ -2597,7 +2691,7 @@
           <a:p>
             <a:fld id="{ED291B17-9318-49DB-B28B-6E5994AE9581}" type="datetime1">
               <a:rPr lang="en-US" smtClean="0"/>
-              <a:t>11/24/2019</a:t>
+              <a:t>11/25/2019</a:t>
             </a:fld>
             <a:endParaRPr lang="en-US" dirty="0"/>
           </a:p>
@@ -2827,7 +2921,7 @@
           <a:p>
             <a:fld id="{78DD82B9-B8EE-4375-B6FF-88FA6ABB15D9}" type="datetime1">
               <a:rPr lang="en-US" smtClean="0"/>
-              <a:t>11/24/2019</a:t>
+              <a:t>11/25/2019</a:t>
             </a:fld>
             <a:endParaRPr lang="en-US" dirty="0"/>
           </a:p>
@@ -3129,7 +3223,7 @@
           <a:p>
             <a:fld id="{B2497495-0637-405E-AE64-5CC7506D51F5}" type="datetime1">
               <a:rPr lang="en-US" smtClean="0"/>
-              <a:t>11/24/2019</a:t>
+              <a:t>11/25/2019</a:t>
             </a:fld>
             <a:endParaRPr lang="en-US" dirty="0"/>
           </a:p>
@@ -3426,7 +3520,7 @@
           <a:p>
             <a:fld id="{7BFFD690-9426-415D-8B65-26881E07B2D4}" type="datetime1">
               <a:rPr lang="en-US" smtClean="0"/>
-              <a:t>11/24/2019</a:t>
+              <a:t>11/25/2019</a:t>
             </a:fld>
             <a:endParaRPr lang="en-US" dirty="0"/>
           </a:p>
@@ -3847,7 +3941,7 @@
           <a:p>
             <a:fld id="{04C4989A-474C-40DE-95B9-011C28B71673}" type="datetime1">
               <a:rPr lang="en-US" smtClean="0"/>
-              <a:t>11/24/2019</a:t>
+              <a:t>11/25/2019</a:t>
             </a:fld>
             <a:endParaRPr lang="en-US" dirty="0"/>
           </a:p>
@@ -4004,7 +4098,7 @@
           <a:p>
             <a:fld id="{5DB4ED54-5B5E-4A04-93D3-5772E3CE3818}" type="datetime1">
               <a:rPr lang="en-US" smtClean="0"/>
-              <a:t>11/24/2019</a:t>
+              <a:t>11/25/2019</a:t>
             </a:fld>
             <a:endParaRPr lang="en-US" dirty="0"/>
           </a:p>
@@ -4099,7 +4193,7 @@
           <a:p>
             <a:fld id="{4EDE50D6-574B-40AF-946F-D52A04ADE379}" type="datetime1">
               <a:rPr lang="en-US" smtClean="0"/>
-              <a:t>11/24/2019</a:t>
+              <a:t>11/25/2019</a:t>
             </a:fld>
             <a:endParaRPr lang="en-US" dirty="0"/>
           </a:p>
@@ -4477,7 +4571,7 @@
           <a:p>
             <a:fld id="{D82884F1-FFEA-405F-9602-3DCA865EDA4E}" type="datetime1">
               <a:rPr lang="en-US" smtClean="0"/>
-              <a:t>11/24/2019</a:t>
+              <a:t>11/25/2019</a:t>
             </a:fld>
             <a:endParaRPr lang="en-US" dirty="0"/>
           </a:p>
@@ -4767,7 +4861,7 @@
           <a:p>
             <a:fld id="{7E18DB4A-8810-4A10-AD5C-D5E2C667F5B3}" type="datetime1">
               <a:rPr lang="en-US" smtClean="0"/>
-              <a:t>11/24/2019</a:t>
+              <a:t>11/25/2019</a:t>
             </a:fld>
             <a:endParaRPr lang="en-US" dirty="0"/>
           </a:p>
@@ -4979,7 +5073,7 @@
           <a:p>
             <a:fld id="{ED291B17-9318-49DB-B28B-6E5994AE9581}" type="datetime1">
               <a:rPr lang="en-US" smtClean="0"/>
-              <a:t>11/24/2019</a:t>
+              <a:t>11/25/2019</a:t>
             </a:fld>
             <a:endParaRPr lang="en-US" dirty="0"/>
           </a:p>
@@ -5917,7 +6011,114 @@
 </file>
 
 <file path=ppt/slides/slide10.xml><?xml version="1.0" encoding="utf-8"?>
-<p:sld xmlns:a="http://schemas.openxmlformats.org/drawingml/2006/main" xmlns:r="http://schemas.openxmlformats.org/officeDocument/2006/relationships" xmlns:p="http://schemas.openxmlformats.org/presentationml/2006/main">
+<p:sld xmlns:a="http://schemas.openxmlformats.org/drawingml/2006/main" xmlns:r="http://schemas.openxmlformats.org/officeDocument/2006/relationships" xmlns:p="http://schemas.openxmlformats.org/presentationml/2006/main" show="0">
+  <p:cSld>
+    <p:spTree>
+      <p:nvGrpSpPr>
+        <p:cNvPr id="1" name=""/>
+        <p:cNvGrpSpPr/>
+        <p:nvPr/>
+      </p:nvGrpSpPr>
+      <p:grpSpPr>
+        <a:xfrm>
+          <a:off x="0" y="0"/>
+          <a:ext cx="0" cy="0"/>
+          <a:chOff x="0" y="0"/>
+          <a:chExt cx="0" cy="0"/>
+        </a:xfrm>
+      </p:grpSpPr>
+      <p:sp>
+        <p:nvSpPr>
+          <p:cNvPr id="2" name="Title 1">
+            <a:extLst>
+              <a:ext uri="{FF2B5EF4-FFF2-40B4-BE49-F238E27FC236}">
+                <a16:creationId xmlns:a16="http://schemas.microsoft.com/office/drawing/2014/main" id="{3D4A63FE-1C4F-4075-A1EA-8241C5E2A890}"/>
+              </a:ext>
+            </a:extLst>
+          </p:cNvPr>
+          <p:cNvSpPr>
+            <a:spLocks noGrp="1"/>
+          </p:cNvSpPr>
+          <p:nvPr>
+            <p:ph type="title"/>
+          </p:nvPr>
+        </p:nvSpPr>
+        <p:spPr/>
+        <p:txBody>
+          <a:bodyPr vert="horz" lIns="91440" tIns="45720" rIns="91440" bIns="45720" rtlCol="0" anchor="ctr">
+            <a:normAutofit/>
+          </a:bodyPr>
+          <a:lstStyle/>
+          <a:p>
+            <a:pPr>
+              <a:lnSpc>
+                <a:spcPct val="90000"/>
+              </a:lnSpc>
+            </a:pPr>
+            <a:r>
+              <a:rPr lang="en-US" sz="2700" dirty="0">
+                <a:solidFill>
+                  <a:schemeClr val="bg1"/>
+                </a:solidFill>
+              </a:rPr>
+              <a:t>High-level architecture </a:t>
+            </a:r>
+          </a:p>
+        </p:txBody>
+      </p:sp>
+      <p:pic>
+        <p:nvPicPr>
+          <p:cNvPr id="5" name="Content Placeholder 4">
+            <a:extLst>
+              <a:ext uri="{FF2B5EF4-FFF2-40B4-BE49-F238E27FC236}">
+                <a16:creationId xmlns:a16="http://schemas.microsoft.com/office/drawing/2014/main" id="{3060C921-241F-4CDA-A5BC-416FA9EE2FD5}"/>
+              </a:ext>
+            </a:extLst>
+          </p:cNvPr>
+          <p:cNvPicPr>
+            <a:picLocks noGrp="1" noChangeAspect="1"/>
+          </p:cNvPicPr>
+          <p:nvPr>
+            <p:ph idx="1"/>
+          </p:nvPr>
+        </p:nvPicPr>
+        <p:blipFill>
+          <a:blip r:embed="rId3">
+            <a:extLst>
+              <a:ext uri="{28A0092B-C50C-407E-A947-70E740481C1C}">
+                <a14:useLocalDpi xmlns:a14="http://schemas.microsoft.com/office/drawing/2010/main" val="0"/>
+              </a:ext>
+            </a:extLst>
+          </a:blip>
+          <a:stretch>
+            <a:fillRect/>
+          </a:stretch>
+        </p:blipFill>
+        <p:spPr>
+          <a:xfrm>
+            <a:off x="1306679" y="2574252"/>
+            <a:ext cx="6530642" cy="2962619"/>
+          </a:xfrm>
+          <a:prstGeom prst="rect">
+            <a:avLst/>
+          </a:prstGeom>
+        </p:spPr>
+      </p:pic>
+    </p:spTree>
+    <p:extLst>
+      <p:ext uri="{BB962C8B-B14F-4D97-AF65-F5344CB8AC3E}">
+        <p14:creationId xmlns:p14="http://schemas.microsoft.com/office/powerpoint/2010/main" val="1437748920"/>
+      </p:ext>
+    </p:extLst>
+  </p:cSld>
+  <p:clrMapOvr>
+    <a:masterClrMapping/>
+  </p:clrMapOvr>
+</p:sld>
+</file>
+
+<file path=ppt/slides/slide11.xml><?xml version="1.0" encoding="utf-8"?>
+<p:sld xmlns:a="http://schemas.openxmlformats.org/drawingml/2006/main" xmlns:r="http://schemas.openxmlformats.org/officeDocument/2006/relationships" xmlns:p="http://schemas.openxmlformats.org/presentationml/2006/main" show="0">
   <p:cSld>
     <p:spTree>
       <p:nvGrpSpPr>
@@ -5963,8 +6164,8 @@
         </p:blipFill>
         <p:spPr>
           <a:xfrm>
-            <a:off x="1814001" y="593890"/>
-            <a:ext cx="5515997" cy="4458850"/>
+            <a:off x="782317" y="704850"/>
+            <a:ext cx="2901174" cy="4305301"/>
           </a:xfrm>
           <a:prstGeom prst="rect">
             <a:avLst/>
@@ -6010,7 +6211,7 @@
                   <a:schemeClr val="bg1"/>
                 </a:solidFill>
               </a:rPr>
-              <a:t>Weather station</a:t>
+              <a:t>Weather station </a:t>
             </a:r>
             <a:br>
               <a:rPr lang="en-US" sz="2700" dirty="0">
@@ -6025,15 +6226,50 @@
                   <a:schemeClr val="bg1"/>
                 </a:solidFill>
               </a:rPr>
-              <a:t>Object class identification</a:t>
-            </a:r>
-          </a:p>
-        </p:txBody>
-      </p:sp>
+              <a:t>use cases</a:t>
+            </a:r>
+          </a:p>
+        </p:txBody>
+      </p:sp>
+      <p:pic>
+        <p:nvPicPr>
+          <p:cNvPr id="4" name="Content Placeholder 4">
+            <a:extLst>
+              <a:ext uri="{FF2B5EF4-FFF2-40B4-BE49-F238E27FC236}">
+                <a16:creationId xmlns:a16="http://schemas.microsoft.com/office/drawing/2014/main" id="{44F3B676-930F-420D-BC3B-58F404D62324}"/>
+              </a:ext>
+            </a:extLst>
+          </p:cNvPr>
+          <p:cNvPicPr>
+            <a:picLocks noChangeAspect="1"/>
+          </p:cNvPicPr>
+          <p:nvPr/>
+        </p:nvPicPr>
+        <p:blipFill rotWithShape="1">
+          <a:blip r:embed="rId4">
+            <a:extLst>
+              <a:ext uri="{28A0092B-C50C-407E-A947-70E740481C1C}">
+                <a14:useLocalDpi xmlns:a14="http://schemas.microsoft.com/office/drawing/2010/main" val="0"/>
+              </a:ext>
+            </a:extLst>
+          </a:blip>
+          <a:srcRect r="43281"/>
+          <a:stretch/>
+        </p:blipFill>
+        <p:spPr>
+          <a:xfrm>
+            <a:off x="4268296" y="1278120"/>
+            <a:ext cx="4412759" cy="3158760"/>
+          </a:xfrm>
+          <a:prstGeom prst="rect">
+            <a:avLst/>
+          </a:prstGeom>
+        </p:spPr>
+      </p:pic>
     </p:spTree>
     <p:extLst>
       <p:ext uri="{BB962C8B-B14F-4D97-AF65-F5344CB8AC3E}">
-        <p14:creationId xmlns:p14="http://schemas.microsoft.com/office/powerpoint/2010/main" val="2516723076"/>
+        <p14:creationId xmlns:p14="http://schemas.microsoft.com/office/powerpoint/2010/main" val="2259654914"/>
       </p:ext>
     </p:extLst>
   </p:cSld>
@@ -6043,8 +6279,8 @@
 </p:sld>
 </file>
 
-<file path=ppt/slides/slide11.xml><?xml version="1.0" encoding="utf-8"?>
-<p:sld xmlns:a="http://schemas.openxmlformats.org/drawingml/2006/main" xmlns:r="http://schemas.openxmlformats.org/officeDocument/2006/relationships" xmlns:p="http://schemas.openxmlformats.org/presentationml/2006/main">
+<file path=ppt/slides/slide12.xml><?xml version="1.0" encoding="utf-8"?>
+<p:sld xmlns:a="http://schemas.openxmlformats.org/drawingml/2006/main" xmlns:r="http://schemas.openxmlformats.org/officeDocument/2006/relationships" xmlns:p="http://schemas.openxmlformats.org/presentationml/2006/main" show="0">
   <p:cSld>
     <p:spTree>
       <p:nvGrpSpPr>
@@ -6136,7 +6372,7 @@
 </p:sld>
 </file>
 
-<file path=ppt/slides/slide12.xml><?xml version="1.0" encoding="utf-8"?>
+<file path=ppt/slides/slide13.xml><?xml version="1.0" encoding="utf-8"?>
 <p:sld xmlns:a="http://schemas.openxmlformats.org/drawingml/2006/main" xmlns:r="http://schemas.openxmlformats.org/officeDocument/2006/relationships" xmlns:p="http://schemas.openxmlformats.org/presentationml/2006/main">
   <p:cSld>
     <p:bg>
@@ -6582,7 +6818,7 @@
 </p:sld>
 </file>
 
-<file path=ppt/slides/slide13.xml><?xml version="1.0" encoding="utf-8"?>
+<file path=ppt/slides/slide14.xml><?xml version="1.0" encoding="utf-8"?>
 <p:sld xmlns:a="http://schemas.openxmlformats.org/drawingml/2006/main" xmlns:r="http://schemas.openxmlformats.org/officeDocument/2006/relationships" xmlns:p="http://schemas.openxmlformats.org/presentationml/2006/main">
   <p:cSld>
     <p:spTree>
@@ -6683,7 +6919,7 @@
 </p:sld>
 </file>
 
-<file path=ppt/slides/slide14.xml><?xml version="1.0" encoding="utf-8"?>
+<file path=ppt/slides/slide15.xml><?xml version="1.0" encoding="utf-8"?>
 <p:sld xmlns:a="http://schemas.openxmlformats.org/drawingml/2006/main" xmlns:r="http://schemas.openxmlformats.org/officeDocument/2006/relationships" xmlns:p="http://schemas.openxmlformats.org/presentationml/2006/main">
   <p:cSld>
     <p:spTree>
@@ -7438,7 +7674,7 @@
 </p:sld>
 </file>
 
-<file path=ppt/slides/slide15.xml><?xml version="1.0" encoding="utf-8"?>
+<file path=ppt/slides/slide16.xml><?xml version="1.0" encoding="utf-8"?>
 <p:sld xmlns:a="http://schemas.openxmlformats.org/drawingml/2006/main" xmlns:r="http://schemas.openxmlformats.org/officeDocument/2006/relationships" xmlns:p="http://schemas.openxmlformats.org/presentationml/2006/main">
   <p:cSld>
     <p:bg>
@@ -7998,7 +8234,7 @@
 </p:sld>
 </file>
 
-<file path=ppt/slides/slide16.xml><?xml version="1.0" encoding="utf-8"?>
+<file path=ppt/slides/slide17.xml><?xml version="1.0" encoding="utf-8"?>
 <p:sld xmlns:a="http://schemas.openxmlformats.org/drawingml/2006/main" xmlns:r="http://schemas.openxmlformats.org/officeDocument/2006/relationships" xmlns:p="http://schemas.openxmlformats.org/presentationml/2006/main">
   <p:cSld>
     <p:bg>
@@ -8435,129 +8671,6 @@
     <p:extLst>
       <p:ext uri="{BB962C8B-B14F-4D97-AF65-F5344CB8AC3E}">
         <p14:creationId xmlns:p14="http://schemas.microsoft.com/office/powerpoint/2010/main" val="834722342"/>
-      </p:ext>
-    </p:extLst>
-  </p:cSld>
-  <p:clrMapOvr>
-    <a:masterClrMapping/>
-  </p:clrMapOvr>
-</p:sld>
-</file>
-
-<file path=ppt/slides/slide17.xml><?xml version="1.0" encoding="utf-8"?>
-<p:sld xmlns:a="http://schemas.openxmlformats.org/drawingml/2006/main" xmlns:r="http://schemas.openxmlformats.org/officeDocument/2006/relationships" xmlns:p="http://schemas.openxmlformats.org/presentationml/2006/main">
-  <p:cSld>
-    <p:spTree>
-      <p:nvGrpSpPr>
-        <p:cNvPr id="1" name=""/>
-        <p:cNvGrpSpPr/>
-        <p:nvPr/>
-      </p:nvGrpSpPr>
-      <p:grpSpPr>
-        <a:xfrm>
-          <a:off x="0" y="0"/>
-          <a:ext cx="0" cy="0"/>
-          <a:chOff x="0" y="0"/>
-          <a:chExt cx="0" cy="0"/>
-        </a:xfrm>
-      </p:grpSpPr>
-      <p:sp>
-        <p:nvSpPr>
-          <p:cNvPr id="2" name="Title 1">
-            <a:extLst>
-              <a:ext uri="{FF2B5EF4-FFF2-40B4-BE49-F238E27FC236}">
-                <a16:creationId xmlns:a16="http://schemas.microsoft.com/office/drawing/2014/main" id="{2DDF9CC6-CC6E-4280-8357-ECF4C6F27A04}"/>
-              </a:ext>
-            </a:extLst>
-          </p:cNvPr>
-          <p:cNvSpPr>
-            <a:spLocks noGrp="1"/>
-          </p:cNvSpPr>
-          <p:nvPr>
-            <p:ph type="title"/>
-          </p:nvPr>
-        </p:nvSpPr>
-        <p:spPr/>
-        <p:txBody>
-          <a:bodyPr/>
-          <a:lstStyle/>
-          <a:p>
-            <a:r>
-              <a:rPr lang="en-US" dirty="0"/>
-              <a:t>Implementation issues</a:t>
-            </a:r>
-          </a:p>
-        </p:txBody>
-      </p:sp>
-      <p:sp>
-        <p:nvSpPr>
-          <p:cNvPr id="3" name="Content Placeholder 2">
-            <a:extLst>
-              <a:ext uri="{FF2B5EF4-FFF2-40B4-BE49-F238E27FC236}">
-                <a16:creationId xmlns:a16="http://schemas.microsoft.com/office/drawing/2014/main" id="{E6B3CE25-FBD5-411E-8DBD-0DAD63840C1B}"/>
-              </a:ext>
-            </a:extLst>
-          </p:cNvPr>
-          <p:cNvSpPr>
-            <a:spLocks noGrp="1"/>
-          </p:cNvSpPr>
-          <p:nvPr>
-            <p:ph idx="1"/>
-          </p:nvPr>
-        </p:nvSpPr>
-        <p:spPr/>
-        <p:txBody>
-          <a:bodyPr/>
-          <a:lstStyle/>
-          <a:p>
-            <a:r>
-              <a:rPr lang="en-US" b="1" dirty="0"/>
-              <a:t>Reuse</a:t>
-            </a:r>
-          </a:p>
-          <a:p>
-            <a:pPr lvl="1"/>
-            <a:r>
-              <a:rPr lang="en-US" dirty="0"/>
-              <a:t>Make as much use as possible of existing code.</a:t>
-            </a:r>
-          </a:p>
-          <a:p>
-            <a:r>
-              <a:rPr lang="en-US" b="1" dirty="0"/>
-              <a:t>Configuration management</a:t>
-            </a:r>
-          </a:p>
-          <a:p>
-            <a:pPr lvl="1"/>
-            <a:r>
-              <a:rPr lang="en-US" dirty="0"/>
-              <a:t>During the development process, you have to keep track of the many different versions of each software component in a configuration management system.</a:t>
-            </a:r>
-          </a:p>
-          <a:p>
-            <a:r>
-              <a:rPr lang="en-US" b="1" dirty="0"/>
-              <a:t>Host-target development</a:t>
-            </a:r>
-            <a:r>
-              <a:rPr lang="en-US" dirty="0"/>
-              <a:t> </a:t>
-            </a:r>
-          </a:p>
-          <a:p>
-            <a:pPr lvl="1"/>
-            <a:r>
-              <a:rPr lang="en-US" dirty="0"/>
-              <a:t>Production software does not usually execute on the same computer as the software development environment</a:t>
-            </a:r>
-          </a:p>
-        </p:txBody>
-      </p:sp>
-    </p:spTree>
-    <p:extLst>
-      <p:ext uri="{BB962C8B-B14F-4D97-AF65-F5344CB8AC3E}">
-        <p14:creationId xmlns:p14="http://schemas.microsoft.com/office/powerpoint/2010/main" val="3599300705"/>
       </p:ext>
     </p:extLst>
   </p:cSld>
@@ -8586,7 +8699,13 @@
       </p:grpSpPr>
       <p:sp>
         <p:nvSpPr>
-          <p:cNvPr id="2" name="Title 1"/>
+          <p:cNvPr id="2" name="Title 1">
+            <a:extLst>
+              <a:ext uri="{FF2B5EF4-FFF2-40B4-BE49-F238E27FC236}">
+                <a16:creationId xmlns:a16="http://schemas.microsoft.com/office/drawing/2014/main" id="{2DDF9CC6-CC6E-4280-8357-ECF4C6F27A04}"/>
+              </a:ext>
+            </a:extLst>
+          </p:cNvPr>
           <p:cNvSpPr>
             <a:spLocks noGrp="1"/>
           </p:cNvSpPr>
@@ -8601,14 +8720,20 @@
           <a:p>
             <a:r>
               <a:rPr lang="en-US" dirty="0"/>
-              <a:t>Reuse levels</a:t>
-            </a:r>
-          </a:p>
-        </p:txBody>
-      </p:sp>
-      <p:sp>
-        <p:nvSpPr>
-          <p:cNvPr id="3" name="Content Placeholder 2"/>
+              <a:t>Implementation issues</a:t>
+            </a:r>
+          </a:p>
+        </p:txBody>
+      </p:sp>
+      <p:sp>
+        <p:nvSpPr>
+          <p:cNvPr id="3" name="Content Placeholder 2">
+            <a:extLst>
+              <a:ext uri="{FF2B5EF4-FFF2-40B4-BE49-F238E27FC236}">
+                <a16:creationId xmlns:a16="http://schemas.microsoft.com/office/drawing/2014/main" id="{E6B3CE25-FBD5-411E-8DBD-0DAD63840C1B}"/>
+              </a:ext>
+            </a:extLst>
+          </p:cNvPr>
           <p:cNvSpPr>
             <a:spLocks noGrp="1"/>
           </p:cNvSpPr>
@@ -8618,37 +8743,59 @@
         </p:nvSpPr>
         <p:spPr/>
         <p:txBody>
-          <a:bodyPr>
-            <a:normAutofit/>
-          </a:bodyPr>
+          <a:bodyPr/>
           <a:lstStyle/>
           <a:p>
             <a:r>
-              <a:rPr lang="en-US" sz="2000" dirty="0"/>
-              <a:t>The abstraction level </a:t>
-            </a:r>
-          </a:p>
-          <a:p>
-            <a:r>
-              <a:rPr lang="en-US" sz="2000" dirty="0"/>
-              <a:t>The object level </a:t>
-            </a:r>
-          </a:p>
-          <a:p>
-            <a:r>
-              <a:rPr lang="en-US" sz="2000" dirty="0"/>
-              <a:t>The component level </a:t>
-            </a:r>
-          </a:p>
-          <a:p>
-            <a:r>
-              <a:rPr lang="en-US" sz="2000" dirty="0"/>
-              <a:t>The system level </a:t>
+              <a:rPr lang="en-US" b="1" dirty="0"/>
+              <a:t>Reuse</a:t>
+            </a:r>
+          </a:p>
+          <a:p>
+            <a:pPr lvl="1"/>
+            <a:r>
+              <a:rPr lang="en-US" dirty="0"/>
+              <a:t>Make as much use as possible of existing code.</a:t>
+            </a:r>
+          </a:p>
+          <a:p>
+            <a:r>
+              <a:rPr lang="en-US" b="1" dirty="0"/>
+              <a:t>Configuration management</a:t>
+            </a:r>
+          </a:p>
+          <a:p>
+            <a:pPr lvl="1"/>
+            <a:r>
+              <a:rPr lang="en-US" dirty="0"/>
+              <a:t>During the development process, you have to keep track of the many different versions of each software component in a configuration management system.</a:t>
+            </a:r>
+          </a:p>
+          <a:p>
+            <a:r>
+              <a:rPr lang="en-US" b="1" dirty="0"/>
+              <a:t>Host-target development</a:t>
+            </a:r>
+            <a:r>
+              <a:rPr lang="en-US" dirty="0"/>
+              <a:t> </a:t>
+            </a:r>
+          </a:p>
+          <a:p>
+            <a:pPr lvl="1"/>
+            <a:r>
+              <a:rPr lang="en-US" dirty="0"/>
+              <a:t>Production software does not usually execute on the same computer as the software development environment</a:t>
             </a:r>
           </a:p>
         </p:txBody>
       </p:sp>
     </p:spTree>
+    <p:extLst>
+      <p:ext uri="{BB962C8B-B14F-4D97-AF65-F5344CB8AC3E}">
+        <p14:creationId xmlns:p14="http://schemas.microsoft.com/office/powerpoint/2010/main" val="3599300705"/>
+      </p:ext>
+    </p:extLst>
   </p:cSld>
   <p:clrMapOvr>
     <a:masterClrMapping/>
@@ -8659,14 +8806,6 @@
 <file path=ppt/slides/slide19.xml><?xml version="1.0" encoding="utf-8"?>
 <p:sld xmlns:a="http://schemas.openxmlformats.org/drawingml/2006/main" xmlns:r="http://schemas.openxmlformats.org/officeDocument/2006/relationships" xmlns:p="http://schemas.openxmlformats.org/presentationml/2006/main">
   <p:cSld>
-    <p:bg>
-      <p:bgPr>
-        <a:solidFill>
-          <a:schemeClr val="bg1"/>
-        </a:solidFill>
-        <a:effectLst/>
-      </p:bgPr>
-    </p:bg>
     <p:spTree>
       <p:nvGrpSpPr>
         <p:cNvPr id="1" name=""/>
@@ -8683,418 +8822,69 @@
       </p:grpSpPr>
       <p:sp>
         <p:nvSpPr>
-          <p:cNvPr id="10" name="Rectangle 9">
-            <a:extLst>
-              <a:ext uri="{FF2B5EF4-FFF2-40B4-BE49-F238E27FC236}">
-                <a16:creationId xmlns:a16="http://schemas.microsoft.com/office/drawing/2014/main" id="{DB691D59-8F51-4DD8-AD41-D568D29B08F8}"/>
-              </a:ext>
-              <a:ext uri="{C183D7F6-B498-43B3-948B-1728B52AA6E4}">
-                <adec:decorative xmlns:adec="http://schemas.microsoft.com/office/drawing/2017/decorative" val="1"/>
-              </a:ext>
-            </a:extLst>
-          </p:cNvPr>
-          <p:cNvSpPr>
-            <a:spLocks noGrp="1" noRot="1" noChangeAspect="1" noMove="1" noResize="1" noEditPoints="1" noAdjustHandles="1" noChangeArrowheads="1" noChangeShapeType="1" noTextEdit="1"/>
-          </p:cNvSpPr>
-          <p:nvPr>
-            <p:extLst>
-              <p:ext uri="{386F3935-93C4-4BCD-93E2-E3B085C9AB24}">
-                <p16:designElem xmlns:p16="http://schemas.microsoft.com/office/powerpoint/2015/main" val="1"/>
-              </p:ext>
-            </p:extLst>
-          </p:nvPr>
-        </p:nvSpPr>
-        <p:spPr>
-          <a:xfrm>
-            <a:off x="334900" y="457200"/>
-            <a:ext cx="2777490" cy="94997"/>
-          </a:xfrm>
-          <a:prstGeom prst="rect">
-            <a:avLst/>
-          </a:prstGeom>
-          <a:solidFill>
-            <a:schemeClr val="accent1"/>
-          </a:solidFill>
-          <a:ln>
-            <a:noFill/>
-          </a:ln>
-          <a:effectLst/>
-        </p:spPr>
-        <p:style>
-          <a:lnRef idx="1">
-            <a:schemeClr val="accent1"/>
-          </a:lnRef>
-          <a:fillRef idx="3">
-            <a:schemeClr val="accent1"/>
-          </a:fillRef>
-          <a:effectRef idx="2">
-            <a:schemeClr val="accent1"/>
-          </a:effectRef>
-          <a:fontRef idx="minor">
-            <a:schemeClr val="lt1"/>
-          </a:fontRef>
-        </p:style>
-      </p:sp>
-      <p:sp>
-        <p:nvSpPr>
-          <p:cNvPr id="12" name="Rectangle 11">
-            <a:extLst>
-              <a:ext uri="{FF2B5EF4-FFF2-40B4-BE49-F238E27FC236}">
-                <a16:creationId xmlns:a16="http://schemas.microsoft.com/office/drawing/2014/main" id="{204AEF18-0627-48F3-9B3D-F7E8F050B1D4}"/>
-              </a:ext>
-              <a:ext uri="{C183D7F6-B498-43B3-948B-1728B52AA6E4}">
-                <adec:decorative xmlns:adec="http://schemas.microsoft.com/office/drawing/2017/decorative" val="1"/>
-              </a:ext>
-            </a:extLst>
-          </p:cNvPr>
-          <p:cNvSpPr>
-            <a:spLocks noGrp="1" noRot="1" noChangeAspect="1" noMove="1" noResize="1" noEditPoints="1" noAdjustHandles="1" noChangeArrowheads="1" noChangeShapeType="1" noTextEdit="1"/>
-          </p:cNvSpPr>
-          <p:nvPr>
-            <p:extLst>
-              <p:ext uri="{386F3935-93C4-4BCD-93E2-E3B085C9AB24}">
-                <p16:designElem xmlns:p16="http://schemas.microsoft.com/office/powerpoint/2015/main" val="1"/>
-              </p:ext>
-            </p:extLst>
-          </p:nvPr>
-        </p:nvSpPr>
-        <p:spPr>
-          <a:xfrm>
-            <a:off x="6031610" y="453643"/>
-            <a:ext cx="2777490" cy="98554"/>
-          </a:xfrm>
-          <a:prstGeom prst="rect">
-            <a:avLst/>
-          </a:prstGeom>
-          <a:solidFill>
-            <a:schemeClr val="accent4"/>
-          </a:solidFill>
-          <a:ln>
-            <a:noFill/>
-          </a:ln>
-          <a:effectLst/>
-        </p:spPr>
-        <p:style>
-          <a:lnRef idx="1">
-            <a:schemeClr val="accent1"/>
-          </a:lnRef>
-          <a:fillRef idx="3">
-            <a:schemeClr val="accent1"/>
-          </a:fillRef>
-          <a:effectRef idx="2">
-            <a:schemeClr val="accent1"/>
-          </a:effectRef>
-          <a:fontRef idx="minor">
-            <a:schemeClr val="lt1"/>
-          </a:fontRef>
-        </p:style>
-      </p:sp>
-      <p:sp>
-        <p:nvSpPr>
-          <p:cNvPr id="14" name="Rectangle 13">
-            <a:extLst>
-              <a:ext uri="{FF2B5EF4-FFF2-40B4-BE49-F238E27FC236}">
-                <a16:creationId xmlns:a16="http://schemas.microsoft.com/office/drawing/2014/main" id="{CEAEE08A-C572-438F-9753-B0D527A515A7}"/>
-              </a:ext>
-              <a:ext uri="{C183D7F6-B498-43B3-948B-1728B52AA6E4}">
-                <adec:decorative xmlns:adec="http://schemas.microsoft.com/office/drawing/2017/decorative" val="1"/>
-              </a:ext>
-            </a:extLst>
-          </p:cNvPr>
-          <p:cNvSpPr>
-            <a:spLocks noGrp="1" noRot="1" noChangeAspect="1" noMove="1" noResize="1" noEditPoints="1" noAdjustHandles="1" noChangeArrowheads="1" noChangeShapeType="1" noTextEdit="1"/>
-          </p:cNvSpPr>
-          <p:nvPr>
-            <p:extLst>
-              <p:ext uri="{386F3935-93C4-4BCD-93E2-E3B085C9AB24}">
-                <p16:designElem xmlns:p16="http://schemas.microsoft.com/office/powerpoint/2015/main" val="1"/>
-              </p:ext>
-            </p:extLst>
-          </p:nvPr>
-        </p:nvSpPr>
-        <p:spPr>
-          <a:xfrm>
-            <a:off x="3181372" y="457200"/>
-            <a:ext cx="2777490" cy="91440"/>
-          </a:xfrm>
-          <a:prstGeom prst="rect">
-            <a:avLst/>
-          </a:prstGeom>
-          <a:solidFill>
-            <a:schemeClr val="accent2"/>
-          </a:solidFill>
-          <a:ln>
-            <a:noFill/>
-          </a:ln>
-          <a:effectLst/>
-        </p:spPr>
-        <p:style>
-          <a:lnRef idx="1">
-            <a:schemeClr val="accent1"/>
-          </a:lnRef>
-          <a:fillRef idx="3">
-            <a:schemeClr val="accent1"/>
-          </a:fillRef>
-          <a:effectRef idx="2">
-            <a:schemeClr val="accent1"/>
-          </a:effectRef>
-          <a:fontRef idx="minor">
-            <a:schemeClr val="lt1"/>
-          </a:fontRef>
-        </p:style>
-      </p:sp>
-      <p:sp>
-        <p:nvSpPr>
-          <p:cNvPr id="16" name="Rectangle 15">
-            <a:extLst>
-              <a:ext uri="{FF2B5EF4-FFF2-40B4-BE49-F238E27FC236}">
-                <a16:creationId xmlns:a16="http://schemas.microsoft.com/office/drawing/2014/main" id="{DB93146F-62ED-4C59-844C-0935D0FB5031}"/>
-              </a:ext>
-              <a:ext uri="{C183D7F6-B498-43B3-948B-1728B52AA6E4}">
-                <adec:decorative xmlns:adec="http://schemas.microsoft.com/office/drawing/2017/decorative" val="1"/>
-              </a:ext>
-            </a:extLst>
-          </p:cNvPr>
-          <p:cNvSpPr>
-            <a:spLocks noGrp="1" noRot="1" noChangeAspect="1" noMove="1" noResize="1" noEditPoints="1" noAdjustHandles="1" noChangeArrowheads="1" noChangeShapeType="1" noTextEdit="1"/>
-          </p:cNvSpPr>
-          <p:nvPr>
-            <p:extLst>
-              <p:ext uri="{386F3935-93C4-4BCD-93E2-E3B085C9AB24}">
-                <p16:designElem xmlns:p16="http://schemas.microsoft.com/office/powerpoint/2015/main" val="1"/>
-              </p:ext>
-            </p:extLst>
-          </p:nvPr>
-        </p:nvSpPr>
-        <p:spPr>
-          <a:xfrm>
-            <a:off x="334900" y="3085765"/>
-            <a:ext cx="8447150" cy="3304800"/>
-          </a:xfrm>
-          <a:prstGeom prst="rect">
-            <a:avLst/>
-          </a:prstGeom>
-          <a:solidFill>
-            <a:schemeClr val="accent1"/>
-          </a:solidFill>
-          <a:ln>
-            <a:noFill/>
-          </a:ln>
-          <a:effectLst/>
-        </p:spPr>
-        <p:style>
-          <a:lnRef idx="1">
-            <a:schemeClr val="accent1"/>
-          </a:lnRef>
-          <a:fillRef idx="3">
-            <a:schemeClr val="accent1"/>
-          </a:fillRef>
-          <a:effectRef idx="2">
-            <a:schemeClr val="accent1"/>
-          </a:effectRef>
-          <a:fontRef idx="minor">
-            <a:schemeClr val="lt1"/>
-          </a:fontRef>
-        </p:style>
-      </p:sp>
-      <p:sp useBgFill="1">
-        <p:nvSpPr>
-          <p:cNvPr id="18" name="Rectangle 17">
-            <a:extLst>
-              <a:ext uri="{FF2B5EF4-FFF2-40B4-BE49-F238E27FC236}">
-                <a16:creationId xmlns:a16="http://schemas.microsoft.com/office/drawing/2014/main" id="{B5D795CF-5F70-4821-BB11-0B2B8FCCD45A}"/>
-              </a:ext>
-              <a:ext uri="{C183D7F6-B498-43B3-948B-1728B52AA6E4}">
-                <adec:decorative xmlns:adec="http://schemas.microsoft.com/office/drawing/2017/decorative" val="1"/>
-              </a:ext>
-            </a:extLst>
-          </p:cNvPr>
-          <p:cNvSpPr>
-            <a:spLocks noGrp="1" noRot="1" noChangeAspect="1" noMove="1" noResize="1" noEditPoints="1" noAdjustHandles="1" noChangeArrowheads="1" noChangeShapeType="1" noTextEdit="1"/>
-          </p:cNvSpPr>
-          <p:nvPr>
-            <p:extLst>
-              <p:ext uri="{386F3935-93C4-4BCD-93E2-E3B085C9AB24}">
-                <p16:designElem xmlns:p16="http://schemas.microsoft.com/office/powerpoint/2015/main" val="1"/>
-              </p:ext>
-            </p:extLst>
-          </p:nvPr>
-        </p:nvSpPr>
-        <p:spPr>
-          <a:xfrm>
-            <a:off x="0" y="638175"/>
-            <a:ext cx="9143999" cy="6219825"/>
-          </a:xfrm>
-          <a:prstGeom prst="rect">
-            <a:avLst/>
-          </a:prstGeom>
-          <a:ln>
-            <a:noFill/>
-          </a:ln>
-        </p:spPr>
-        <p:style>
-          <a:lnRef idx="2">
-            <a:schemeClr val="accent1">
-              <a:shade val="50000"/>
-            </a:schemeClr>
-          </a:lnRef>
-          <a:fillRef idx="1">
-            <a:schemeClr val="accent1"/>
-          </a:fillRef>
-          <a:effectRef idx="0">
-            <a:schemeClr val="accent1"/>
-          </a:effectRef>
-          <a:fontRef idx="minor">
-            <a:schemeClr val="lt1"/>
-          </a:fontRef>
-        </p:style>
-        <p:txBody>
-          <a:bodyPr rtlCol="0" anchor="ctr"/>
+          <p:cNvPr id="2" name="Title 1"/>
+          <p:cNvSpPr>
+            <a:spLocks noGrp="1"/>
+          </p:cNvSpPr>
+          <p:nvPr>
+            <p:ph type="title"/>
+          </p:nvPr>
+        </p:nvSpPr>
+        <p:spPr/>
+        <p:txBody>
+          <a:bodyPr/>
           <a:lstStyle/>
           <a:p>
-            <a:pPr algn="ctr"/>
-            <a:endParaRPr lang="en-US"/>
-          </a:p>
-        </p:txBody>
-      </p:sp>
-      <p:sp>
-        <p:nvSpPr>
-          <p:cNvPr id="20" name="Rectangle 19">
-            <a:extLst>
-              <a:ext uri="{FF2B5EF4-FFF2-40B4-BE49-F238E27FC236}">
-                <a16:creationId xmlns:a16="http://schemas.microsoft.com/office/drawing/2014/main" id="{73B1AC31-0B6C-4781-BA06-16BE17F8AFBE}"/>
-              </a:ext>
-              <a:ext uri="{C183D7F6-B498-43B3-948B-1728B52AA6E4}">
-                <adec:decorative xmlns:adec="http://schemas.microsoft.com/office/drawing/2017/decorative" val="1"/>
-              </a:ext>
-            </a:extLst>
-          </p:cNvPr>
-          <p:cNvSpPr>
-            <a:spLocks noGrp="1" noRot="1" noChangeAspect="1" noMove="1" noResize="1" noEditPoints="1" noAdjustHandles="1" noChangeArrowheads="1" noChangeShapeType="1" noTextEdit="1"/>
-          </p:cNvSpPr>
-          <p:nvPr>
-            <p:extLst>
-              <p:ext uri="{386F3935-93C4-4BCD-93E2-E3B085C9AB24}">
-                <p16:designElem xmlns:p16="http://schemas.microsoft.com/office/powerpoint/2015/main" val="1"/>
-              </p:ext>
-            </p:extLst>
-          </p:nvPr>
-        </p:nvSpPr>
-        <p:spPr>
-          <a:xfrm>
-            <a:off x="3185138" y="723899"/>
-            <a:ext cx="5623962" cy="5666666"/>
-          </a:xfrm>
-          <a:prstGeom prst="rect">
-            <a:avLst/>
-          </a:prstGeom>
-          <a:solidFill>
-            <a:schemeClr val="accent1"/>
-          </a:solidFill>
-          <a:ln>
-            <a:noFill/>
-          </a:ln>
-          <a:effectLst/>
-        </p:spPr>
-        <p:style>
-          <a:lnRef idx="1">
-            <a:schemeClr val="accent1"/>
-          </a:lnRef>
-          <a:fillRef idx="3">
-            <a:schemeClr val="accent1"/>
-          </a:fillRef>
-          <a:effectRef idx="2">
-            <a:schemeClr val="accent1"/>
-          </a:effectRef>
-          <a:fontRef idx="minor">
-            <a:schemeClr val="lt1"/>
-          </a:fontRef>
-        </p:style>
-      </p:sp>
-      <p:sp>
-        <p:nvSpPr>
-          <p:cNvPr id="2" name="Title 1">
-            <a:extLst>
-              <a:ext uri="{FF2B5EF4-FFF2-40B4-BE49-F238E27FC236}">
-                <a16:creationId xmlns:a16="http://schemas.microsoft.com/office/drawing/2014/main" id="{890863BB-7193-4FC9-8079-76A0EE482197}"/>
-              </a:ext>
-            </a:extLst>
-          </p:cNvPr>
+            <a:r>
+              <a:rPr lang="en-US" dirty="0"/>
+              <a:t>Reuse levels</a:t>
+            </a:r>
+          </a:p>
+        </p:txBody>
+      </p:sp>
+      <p:sp>
+        <p:nvSpPr>
+          <p:cNvPr id="3" name="Content Placeholder 2"/>
           <p:cNvSpPr>
             <a:spLocks noGrp="1"/>
           </p:cNvSpPr>
           <p:nvPr>
-            <p:ph type="title"/>
-          </p:nvPr>
-        </p:nvSpPr>
-        <p:spPr>
-          <a:xfrm>
-            <a:off x="3434432" y="1419225"/>
-            <a:ext cx="5098956" cy="2085869"/>
-          </a:xfrm>
-        </p:spPr>
-        <p:txBody>
-          <a:bodyPr vert="horz" lIns="91440" tIns="45720" rIns="91440" bIns="45720" rtlCol="0" anchor="b">
+            <p:ph idx="1"/>
+          </p:nvPr>
+        </p:nvSpPr>
+        <p:spPr/>
+        <p:txBody>
+          <a:bodyPr>
             <a:normAutofit/>
           </a:bodyPr>
           <a:lstStyle/>
           <a:p>
             <a:r>
-              <a:rPr lang="en-US" sz="3600" dirty="0">
-                <a:solidFill>
-                  <a:srgbClr val="FFFFFF"/>
-                </a:solidFill>
-              </a:rPr>
-              <a:t>Open source development</a:t>
-            </a:r>
-          </a:p>
-        </p:txBody>
-      </p:sp>
-      <p:pic>
-        <p:nvPicPr>
-          <p:cNvPr id="7" name="Graphic 6" descr="Open Source">
-            <a:extLst>
-              <a:ext uri="{FF2B5EF4-FFF2-40B4-BE49-F238E27FC236}">
-                <a16:creationId xmlns:a16="http://schemas.microsoft.com/office/drawing/2014/main" id="{5BC91557-3ACC-4C17-9BE9-5B0805521AA5}"/>
-              </a:ext>
-            </a:extLst>
-          </p:cNvPr>
-          <p:cNvPicPr>
-            <a:picLocks noChangeAspect="1"/>
-          </p:cNvPicPr>
-          <p:nvPr/>
-        </p:nvPicPr>
-        <p:blipFill>
-          <a:blip r:embed="rId2">
-            <a:extLst>
-              <a:ext uri="{28A0092B-C50C-407E-A947-70E740481C1C}">
-                <a14:useLocalDpi xmlns:a14="http://schemas.microsoft.com/office/drawing/2010/main" val="0"/>
-              </a:ext>
-              <a:ext uri="{96DAC541-7B7A-43D3-8B79-37D633B846F1}">
-                <asvg:svgBlip xmlns:asvg="http://schemas.microsoft.com/office/drawing/2016/SVG/main" r:embed="rId3"/>
-              </a:ext>
-            </a:extLst>
-          </a:blip>
-          <a:stretch>
-            <a:fillRect/>
-          </a:stretch>
-        </p:blipFill>
-        <p:spPr>
-          <a:xfrm>
-            <a:off x="577724" y="2392970"/>
-            <a:ext cx="2294126" cy="2294126"/>
-          </a:xfrm>
-          <a:prstGeom prst="rect">
-            <a:avLst/>
-          </a:prstGeom>
-        </p:spPr>
-      </p:pic>
+              <a:rPr lang="en-US" sz="2000" dirty="0"/>
+              <a:t>The abstraction level </a:t>
+            </a:r>
+          </a:p>
+          <a:p>
+            <a:r>
+              <a:rPr lang="en-US" sz="2000" dirty="0"/>
+              <a:t>The object level </a:t>
+            </a:r>
+          </a:p>
+          <a:p>
+            <a:r>
+              <a:rPr lang="en-US" sz="2000" dirty="0"/>
+              <a:t>The component level </a:t>
+            </a:r>
+          </a:p>
+          <a:p>
+            <a:r>
+              <a:rPr lang="en-US" sz="2000" dirty="0"/>
+              <a:t>The system level </a:t>
+            </a:r>
+          </a:p>
+        </p:txBody>
+      </p:sp>
     </p:spTree>
-    <p:extLst>
-      <p:ext uri="{BB962C8B-B14F-4D97-AF65-F5344CB8AC3E}">
-        <p14:creationId xmlns:p14="http://schemas.microsoft.com/office/powerpoint/2010/main" val="501695002"/>
-      </p:ext>
-    </p:extLst>
   </p:cSld>
   <p:clrMapOvr>
     <a:masterClrMapping/>
@@ -9770,280 +9560,11 @@
 <file path=ppt/slides/slide20.xml><?xml version="1.0" encoding="utf-8"?>
 <p:sld xmlns:a="http://schemas.openxmlformats.org/drawingml/2006/main" xmlns:r="http://schemas.openxmlformats.org/officeDocument/2006/relationships" xmlns:p="http://schemas.openxmlformats.org/presentationml/2006/main">
   <p:cSld>
-    <p:spTree>
-      <p:nvGrpSpPr>
-        <p:cNvPr id="1" name=""/>
-        <p:cNvGrpSpPr/>
-        <p:nvPr/>
-      </p:nvGrpSpPr>
-      <p:grpSpPr>
-        <a:xfrm>
-          <a:off x="0" y="0"/>
-          <a:ext cx="0" cy="0"/>
-          <a:chOff x="0" y="0"/>
-          <a:chExt cx="0" cy="0"/>
-        </a:xfrm>
-      </p:grpSpPr>
-      <p:sp>
-        <p:nvSpPr>
-          <p:cNvPr id="2" name="Title 1"/>
-          <p:cNvSpPr>
-            <a:spLocks noGrp="1"/>
-          </p:cNvSpPr>
-          <p:nvPr>
-            <p:ph type="title"/>
-          </p:nvPr>
-        </p:nvSpPr>
-        <p:spPr/>
-        <p:txBody>
-          <a:bodyPr/>
-          <a:lstStyle/>
-          <a:p>
-            <a:r>
-              <a:rPr lang="en-US" dirty="0"/>
-              <a:t>Open source</a:t>
-            </a:r>
-          </a:p>
-        </p:txBody>
-      </p:sp>
-      <p:sp>
-        <p:nvSpPr>
-          <p:cNvPr id="3" name="Content Placeholder 2"/>
-          <p:cNvSpPr>
-            <a:spLocks noGrp="1"/>
-          </p:cNvSpPr>
-          <p:nvPr>
-            <p:ph idx="1"/>
-          </p:nvPr>
-        </p:nvSpPr>
-        <p:spPr>
-          <a:xfrm>
-            <a:off x="581192" y="2228003"/>
-            <a:ext cx="7989752" cy="3942523"/>
-          </a:xfrm>
-        </p:spPr>
-        <p:txBody>
-          <a:bodyPr>
-            <a:normAutofit fontScale="92500" lnSpcReduction="20000"/>
-          </a:bodyPr>
-          <a:lstStyle/>
-          <a:p>
-            <a:pPr marL="0" indent="0">
-              <a:buNone/>
-            </a:pPr>
-            <a:r>
-              <a:rPr lang="en-US" sz="2000" dirty="0"/>
-              <a:t>Is an approach that we publish our source code and volunteers are invited to participate in the development process</a:t>
-            </a:r>
-          </a:p>
-          <a:p>
-            <a:pPr marL="0" indent="0">
-              <a:buNone/>
-            </a:pPr>
-            <a:r>
-              <a:rPr lang="en-US" sz="2000" dirty="0"/>
-              <a:t>ISSUES </a:t>
-            </a:r>
-          </a:p>
-          <a:p>
-            <a:r>
-              <a:rPr lang="en-US" sz="2000" dirty="0"/>
-              <a:t>Should we make use of open source components?</a:t>
-            </a:r>
-            <a:endParaRPr lang="en-GB" sz="2000" dirty="0"/>
-          </a:p>
-          <a:p>
-            <a:r>
-              <a:rPr lang="en-US" sz="2000" dirty="0"/>
-              <a:t>Should an open source approach be used for the software’s development?</a:t>
-            </a:r>
-          </a:p>
-          <a:p>
-            <a:pPr marL="0" indent="0">
-              <a:buNone/>
-            </a:pPr>
-            <a:r>
-              <a:rPr lang="en-US" sz="2000" cap="all" dirty="0"/>
-              <a:t>business</a:t>
-            </a:r>
-            <a:endParaRPr lang="en-US" sz="2000" dirty="0"/>
-          </a:p>
-          <a:p>
-            <a:r>
-              <a:rPr lang="en-US" sz="2000" dirty="0"/>
-              <a:t>Open source projects business model is not reliant on selling a software product but on selling support for that product. </a:t>
-            </a:r>
-          </a:p>
-          <a:p>
-            <a:r>
-              <a:rPr lang="en-US" sz="2000" dirty="0"/>
-              <a:t>It is believed that involving the open source community will allow software to be developed more cheaply, more quickly and will create a community of users for the software. </a:t>
-            </a:r>
-          </a:p>
-          <a:p>
-            <a:pPr marL="0" indent="0">
-              <a:buNone/>
-            </a:pPr>
-            <a:r>
-              <a:rPr lang="en-US" sz="2000" dirty="0"/>
-              <a:t>LICENSE: GPL, LGPL, BSD, …</a:t>
-            </a:r>
-            <a:endParaRPr lang="en-GB" sz="2000" dirty="0"/>
-          </a:p>
-        </p:txBody>
-      </p:sp>
-    </p:spTree>
-  </p:cSld>
-  <p:clrMapOvr>
-    <a:masterClrMapping/>
-  </p:clrMapOvr>
-</p:sld>
-</file>
-
-<file path=ppt/slides/slide21.xml><?xml version="1.0" encoding="utf-8"?>
-<p:sld xmlns:a="http://schemas.openxmlformats.org/drawingml/2006/main" xmlns:r="http://schemas.openxmlformats.org/officeDocument/2006/relationships" xmlns:p="http://schemas.openxmlformats.org/presentationml/2006/main" show="0">
-  <p:cSld>
-    <p:spTree>
-      <p:nvGrpSpPr>
-        <p:cNvPr id="1" name=""/>
-        <p:cNvGrpSpPr/>
-        <p:nvPr/>
-      </p:nvGrpSpPr>
-      <p:grpSpPr>
-        <a:xfrm>
-          <a:off x="0" y="0"/>
-          <a:ext cx="0" cy="0"/>
-          <a:chOff x="0" y="0"/>
-          <a:chExt cx="0" cy="0"/>
-        </a:xfrm>
-      </p:grpSpPr>
-      <p:sp>
-        <p:nvSpPr>
-          <p:cNvPr id="2" name="Title 1"/>
-          <p:cNvSpPr>
-            <a:spLocks noGrp="1"/>
-          </p:cNvSpPr>
-          <p:nvPr>
-            <p:ph type="title"/>
-          </p:nvPr>
-        </p:nvSpPr>
-        <p:spPr/>
-        <p:txBody>
-          <a:bodyPr/>
-          <a:lstStyle/>
-          <a:p>
-            <a:r>
-              <a:rPr lang="en-US" dirty="0"/>
-              <a:t>License models</a:t>
-            </a:r>
-          </a:p>
-        </p:txBody>
-      </p:sp>
-      <p:sp>
-        <p:nvSpPr>
-          <p:cNvPr id="3" name="Content Placeholder 2"/>
-          <p:cNvSpPr>
-            <a:spLocks noGrp="1"/>
-          </p:cNvSpPr>
-          <p:nvPr>
-            <p:ph idx="1"/>
-          </p:nvPr>
-        </p:nvSpPr>
-        <p:spPr/>
-        <p:txBody>
-          <a:bodyPr>
-            <a:normAutofit fontScale="92500" lnSpcReduction="10000"/>
-          </a:bodyPr>
-          <a:lstStyle/>
-          <a:p>
-            <a:r>
-              <a:rPr lang="en-US" sz="2200" dirty="0"/>
-              <a:t>The GNU General Public License (GPL)</a:t>
-            </a:r>
-          </a:p>
-          <a:p>
-            <a:pPr lvl="1"/>
-            <a:r>
-              <a:rPr lang="en-US" sz="2000" dirty="0"/>
-              <a:t>If you use open source software that is licensed under the GPL license, then </a:t>
-            </a:r>
-            <a:r>
-              <a:rPr lang="en-US" sz="2000" b="1" dirty="0"/>
-              <a:t>you must make that software open source. </a:t>
-            </a:r>
-            <a:endParaRPr lang="en-GB" sz="2000" b="1" dirty="0"/>
-          </a:p>
-          <a:p>
-            <a:r>
-              <a:rPr lang="en-US" sz="2200" dirty="0"/>
-              <a:t>The GNU Lesser General Public License (LGPL)</a:t>
-            </a:r>
-          </a:p>
-          <a:p>
-            <a:pPr lvl="1"/>
-            <a:r>
-              <a:rPr lang="en-US" sz="2000" dirty="0"/>
-              <a:t>You can write components that link to open source code </a:t>
-            </a:r>
-            <a:r>
-              <a:rPr lang="en-US" sz="2000" b="1" dirty="0"/>
-              <a:t>without having to publish </a:t>
-            </a:r>
-            <a:r>
-              <a:rPr lang="en-US" sz="2000" dirty="0"/>
-              <a:t>the source of these components. </a:t>
-            </a:r>
-            <a:endParaRPr lang="en-GB" sz="2000" dirty="0"/>
-          </a:p>
-          <a:p>
-            <a:r>
-              <a:rPr lang="en-US" sz="2200" dirty="0"/>
-              <a:t>The Berkley Standard Distribution (BSD) License</a:t>
-            </a:r>
-          </a:p>
-          <a:p>
-            <a:pPr lvl="1"/>
-            <a:r>
-              <a:rPr lang="en-US" sz="2000" dirty="0"/>
-              <a:t>You are not obliged to re-publish any changes or modifications made to open source code. You can include the code in proprietary systems that are sold.</a:t>
-            </a:r>
-            <a:endParaRPr lang="en-GB" sz="2000" dirty="0"/>
-          </a:p>
-        </p:txBody>
-      </p:sp>
-    </p:spTree>
-  </p:cSld>
-  <p:clrMapOvr>
-    <a:masterClrMapping/>
-  </p:clrMapOvr>
-</p:sld>
-</file>
-
-<file path=ppt/slides/slide22.xml><?xml version="1.0" encoding="utf-8"?>
-<p:sld xmlns:a="http://schemas.openxmlformats.org/drawingml/2006/main" xmlns:r="http://schemas.openxmlformats.org/officeDocument/2006/relationships" xmlns:p="http://schemas.openxmlformats.org/presentationml/2006/main">
-  <p:cSld>
     <p:bg>
       <p:bgPr>
-        <a:gradFill rotWithShape="1">
-          <a:gsLst>
-            <a:gs pos="0">
-              <a:schemeClr val="bg2">
-                <a:tint val="90000"/>
-                <a:lumMod val="110000"/>
-              </a:schemeClr>
-            </a:gs>
-            <a:gs pos="100000">
-              <a:schemeClr val="bg2">
-                <a:shade val="98000"/>
-                <a:satMod val="110000"/>
-                <a:lumMod val="86000"/>
-              </a:schemeClr>
-            </a:gs>
-          </a:gsLst>
-          <a:path path="circle">
-            <a:fillToRect l="50000" t="50000" r="100000" b="100000"/>
-          </a:path>
-        </a:gradFill>
+        <a:solidFill>
+          <a:schemeClr val="bg1"/>
+        </a:solidFill>
         <a:effectLst/>
       </p:bgPr>
     </p:bg>
@@ -10066,7 +9587,7 @@
           <p:cNvPr id="10" name="Rectangle 9">
             <a:extLst>
               <a:ext uri="{FF2B5EF4-FFF2-40B4-BE49-F238E27FC236}">
-                <a16:creationId xmlns:a16="http://schemas.microsoft.com/office/drawing/2014/main" id="{E9AA9F65-94B8-41A5-A7FF-23D2CFB116BB}"/>
+                <a16:creationId xmlns:a16="http://schemas.microsoft.com/office/drawing/2014/main" id="{DB691D59-8F51-4DD8-AD41-D568D29B08F8}"/>
               </a:ext>
               <a:ext uri="{C183D7F6-B498-43B3-948B-1728B52AA6E4}">
                 <adec:decorative xmlns:adec="http://schemas.microsoft.com/office/drawing/2017/decorative" val="1"/>
@@ -10120,7 +9641,7 @@
           <p:cNvPr id="12" name="Rectangle 11">
             <a:extLst>
               <a:ext uri="{FF2B5EF4-FFF2-40B4-BE49-F238E27FC236}">
-                <a16:creationId xmlns:a16="http://schemas.microsoft.com/office/drawing/2014/main" id="{7E8B0F8E-3F6C-4541-B9C1-774D80A08834}"/>
+                <a16:creationId xmlns:a16="http://schemas.microsoft.com/office/drawing/2014/main" id="{204AEF18-0627-48F3-9B3D-F7E8F050B1D4}"/>
               </a:ext>
               <a:ext uri="{C183D7F6-B498-43B3-948B-1728B52AA6E4}">
                 <adec:decorative xmlns:adec="http://schemas.microsoft.com/office/drawing/2017/decorative" val="1"/>
@@ -10174,7 +9695,7 @@
           <p:cNvPr id="14" name="Rectangle 13">
             <a:extLst>
               <a:ext uri="{FF2B5EF4-FFF2-40B4-BE49-F238E27FC236}">
-                <a16:creationId xmlns:a16="http://schemas.microsoft.com/office/drawing/2014/main" id="{7A45F5BC-32D1-41CD-B270-C46F18CA1ACC}"/>
+                <a16:creationId xmlns:a16="http://schemas.microsoft.com/office/drawing/2014/main" id="{CEAEE08A-C572-438F-9753-B0D527A515A7}"/>
               </a:ext>
               <a:ext uri="{C183D7F6-B498-43B3-948B-1728B52AA6E4}">
                 <adec:decorative xmlns:adec="http://schemas.microsoft.com/office/drawing/2017/decorative" val="1"/>
@@ -10228,7 +9749,7 @@
           <p:cNvPr id="16" name="Rectangle 15">
             <a:extLst>
               <a:ext uri="{FF2B5EF4-FFF2-40B4-BE49-F238E27FC236}">
-                <a16:creationId xmlns:a16="http://schemas.microsoft.com/office/drawing/2014/main" id="{CE57EE13-72B0-4FFA-ACE1-EBDE89340E47}"/>
+                <a16:creationId xmlns:a16="http://schemas.microsoft.com/office/drawing/2014/main" id="{DB93146F-62ED-4C59-844C-0935D0FB5031}"/>
               </a:ext>
               <a:ext uri="{C183D7F6-B498-43B3-948B-1728B52AA6E4}">
                 <adec:decorative xmlns:adec="http://schemas.microsoft.com/office/drawing/2017/decorative" val="1"/>
@@ -10282,7 +9803,7 @@
           <p:cNvPr id="18" name="Rectangle 17">
             <a:extLst>
               <a:ext uri="{FF2B5EF4-FFF2-40B4-BE49-F238E27FC236}">
-                <a16:creationId xmlns:a16="http://schemas.microsoft.com/office/drawing/2014/main" id="{8E019540-1104-4B12-9F83-45F58674186F}"/>
+                <a16:creationId xmlns:a16="http://schemas.microsoft.com/office/drawing/2014/main" id="{B5D795CF-5F70-4821-BB11-0B2B8FCCD45A}"/>
               </a:ext>
               <a:ext uri="{C183D7F6-B498-43B3-948B-1728B52AA6E4}">
                 <adec:decorative xmlns:adec="http://schemas.microsoft.com/office/drawing/2017/decorative" val="1"/>
@@ -10302,8 +9823,8 @@
         </p:nvSpPr>
         <p:spPr>
           <a:xfrm>
-            <a:off x="0" y="0"/>
-            <a:ext cx="9144000" cy="6858000"/>
+            <a:off x="0" y="638175"/>
+            <a:ext cx="9143999" cy="6219825"/>
           </a:xfrm>
           <a:prstGeom prst="rect">
             <a:avLst/>
@@ -10339,115 +9860,10 @@
       </p:sp>
       <p:sp>
         <p:nvSpPr>
-          <p:cNvPr id="2" name="Title 1">
-            <a:extLst>
-              <a:ext uri="{FF2B5EF4-FFF2-40B4-BE49-F238E27FC236}">
-                <a16:creationId xmlns:a16="http://schemas.microsoft.com/office/drawing/2014/main" id="{5E562972-3449-42D1-8185-B4BEFD52AB44}"/>
-              </a:ext>
-            </a:extLst>
-          </p:cNvPr>
-          <p:cNvSpPr>
-            <a:spLocks noGrp="1"/>
-          </p:cNvSpPr>
-          <p:nvPr>
-            <p:ph type="title"/>
-          </p:nvPr>
-        </p:nvSpPr>
-        <p:spPr>
-          <a:xfrm>
-            <a:off x="3643053" y="1577339"/>
-            <a:ext cx="4671712" cy="3991177"/>
-          </a:xfrm>
-        </p:spPr>
-        <p:txBody>
-          <a:bodyPr vert="horz" lIns="91440" tIns="45720" rIns="91440" bIns="45720" rtlCol="0" anchor="b">
-            <a:normAutofit/>
-          </a:bodyPr>
-          <a:lstStyle/>
-          <a:p>
-            <a:pPr algn="ctr"/>
-            <a:r>
-              <a:rPr lang="en-US" sz="1800" dirty="0">
-                <a:solidFill>
-                  <a:schemeClr val="tx2"/>
-                </a:solidFill>
-              </a:rPr>
-              <a:t>Software Engineering</a:t>
-            </a:r>
-            <a:br>
-              <a:rPr lang="en-US" sz="1800" dirty="0">
-                <a:solidFill>
-                  <a:schemeClr val="tx2"/>
-                </a:solidFill>
-              </a:rPr>
-            </a:br>
-            <a:r>
-              <a:rPr lang="en-US" sz="1800" dirty="0">
-                <a:solidFill>
-                  <a:schemeClr val="tx2"/>
-                </a:solidFill>
-              </a:rPr>
-              <a:t>Sommerville</a:t>
-            </a:r>
-          </a:p>
-        </p:txBody>
-      </p:sp>
-      <p:sp>
-        <p:nvSpPr>
-          <p:cNvPr id="5" name="Content Placeholder 4">
-            <a:extLst>
-              <a:ext uri="{FF2B5EF4-FFF2-40B4-BE49-F238E27FC236}">
-                <a16:creationId xmlns:a16="http://schemas.microsoft.com/office/drawing/2014/main" id="{F2DC320D-BC45-4859-9136-1A26BE4DA136}"/>
-              </a:ext>
-            </a:extLst>
-          </p:cNvPr>
-          <p:cNvSpPr>
-            <a:spLocks noGrp="1"/>
-          </p:cNvSpPr>
-          <p:nvPr>
-            <p:ph idx="1"/>
-          </p:nvPr>
-        </p:nvSpPr>
-        <p:spPr>
-          <a:xfrm>
-            <a:off x="1193898" y="1577340"/>
-            <a:ext cx="2252003" cy="3703320"/>
-          </a:xfrm>
-          <a:ln w="57150">
-            <a:noFill/>
-          </a:ln>
-        </p:spPr>
-        <p:txBody>
-          <a:bodyPr vert="horz" lIns="91440" tIns="45720" rIns="91440" bIns="45720" rtlCol="0" anchor="ctr">
-            <a:normAutofit/>
-          </a:bodyPr>
-          <a:lstStyle/>
-          <a:p>
-            <a:pPr marL="0" indent="0">
-              <a:buNone/>
-            </a:pPr>
-            <a:r>
-              <a:rPr lang="en-US" sz="2400" b="1" cap="all" dirty="0">
-                <a:solidFill>
-                  <a:schemeClr val="tx1"/>
-                </a:solidFill>
-              </a:rPr>
-              <a:t>Reference</a:t>
-            </a:r>
-            <a:endParaRPr lang="en-US" sz="2400" b="1" i="1" cap="all" dirty="0">
-              <a:solidFill>
-                <a:schemeClr val="tx1"/>
-              </a:solidFill>
-            </a:endParaRPr>
-          </a:p>
-        </p:txBody>
-      </p:sp>
-      <p:sp>
-        <p:nvSpPr>
           <p:cNvPr id="20" name="Rectangle 19">
             <a:extLst>
               <a:ext uri="{FF2B5EF4-FFF2-40B4-BE49-F238E27FC236}">
-                <a16:creationId xmlns:a16="http://schemas.microsoft.com/office/drawing/2014/main" id="{11D976D6-8C98-48CC-8C34-0468F31678C2}"/>
+                <a16:creationId xmlns:a16="http://schemas.microsoft.com/office/drawing/2014/main" id="{73B1AC31-0B6C-4781-BA06-16BE17F8AFBE}"/>
               </a:ext>
               <a:ext uri="{C183D7F6-B498-43B3-948B-1728B52AA6E4}">
                 <adec:decorative xmlns:adec="http://schemas.microsoft.com/office/drawing/2017/decorative" val="1"/>
@@ -10466,15 +9882,15 @@
           </p:nvPr>
         </p:nvSpPr>
         <p:spPr>
-          <a:xfrm rot="16200000">
-            <a:off x="-50297" y="3394710"/>
-            <a:ext cx="2286000" cy="68580"/>
+          <a:xfrm>
+            <a:off x="3185138" y="723899"/>
+            <a:ext cx="5623962" cy="5666666"/>
           </a:xfrm>
           <a:prstGeom prst="rect">
             <a:avLst/>
           </a:prstGeom>
           <a:solidFill>
-            <a:schemeClr val="accent2"/>
+            <a:schemeClr val="accent1"/>
           </a:solidFill>
           <a:ln>
             <a:noFill/>
@@ -10498,69 +9914,54 @@
       </p:sp>
       <p:sp>
         <p:nvSpPr>
-          <p:cNvPr id="22" name="Rectangle 21">
+          <p:cNvPr id="2" name="Title 1">
             <a:extLst>
               <a:ext uri="{FF2B5EF4-FFF2-40B4-BE49-F238E27FC236}">
-                <a16:creationId xmlns:a16="http://schemas.microsoft.com/office/drawing/2014/main" id="{3580CFD6-E44A-486A-9E73-D8D948F78A34}"/>
-              </a:ext>
-              <a:ext uri="{C183D7F6-B498-43B3-948B-1728B52AA6E4}">
-                <adec:decorative xmlns:adec="http://schemas.microsoft.com/office/drawing/2017/decorative" val="1"/>
+                <a16:creationId xmlns:a16="http://schemas.microsoft.com/office/drawing/2014/main" id="{890863BB-7193-4FC9-8079-76A0EE482197}"/>
               </a:ext>
             </a:extLst>
           </p:cNvPr>
           <p:cNvSpPr>
-            <a:spLocks noGrp="1" noRot="1" noChangeAspect="1" noMove="1" noResize="1" noEditPoints="1" noAdjustHandles="1" noChangeArrowheads="1" noChangeShapeType="1" noTextEdit="1"/>
-          </p:cNvSpPr>
-          <p:nvPr>
-            <p:extLst>
-              <p:ext uri="{386F3935-93C4-4BCD-93E2-E3B085C9AB24}">
-                <p16:designElem xmlns:p16="http://schemas.microsoft.com/office/powerpoint/2015/main" val="1"/>
-              </p:ext>
-            </p:extLst>
-          </p:nvPr>
-        </p:nvSpPr>
-        <p:spPr>
-          <a:xfrm rot="16200000">
-            <a:off x="1628532" y="3394710"/>
-            <a:ext cx="3703320" cy="68580"/>
-          </a:xfrm>
-          <a:prstGeom prst="rect">
-            <a:avLst/>
-          </a:prstGeom>
-          <a:solidFill>
-            <a:schemeClr val="accent4"/>
-          </a:solidFill>
-          <a:ln>
-            <a:noFill/>
-          </a:ln>
-          <a:effectLst/>
-        </p:spPr>
-        <p:style>
-          <a:lnRef idx="1">
-            <a:schemeClr val="accent1"/>
-          </a:lnRef>
-          <a:fillRef idx="3">
-            <a:schemeClr val="accent1"/>
-          </a:fillRef>
-          <a:effectRef idx="2">
-            <a:schemeClr val="accent1"/>
-          </a:effectRef>
-          <a:fontRef idx="minor">
-            <a:schemeClr val="lt1"/>
-          </a:fontRef>
-        </p:style>
+            <a:spLocks noGrp="1"/>
+          </p:cNvSpPr>
+          <p:nvPr>
+            <p:ph type="title"/>
+          </p:nvPr>
+        </p:nvSpPr>
+        <p:spPr>
+          <a:xfrm>
+            <a:off x="3434432" y="1419225"/>
+            <a:ext cx="5098956" cy="2085869"/>
+          </a:xfrm>
+        </p:spPr>
+        <p:txBody>
+          <a:bodyPr vert="horz" lIns="91440" tIns="45720" rIns="91440" bIns="45720" rtlCol="0" anchor="b">
+            <a:normAutofit/>
+          </a:bodyPr>
+          <a:lstStyle/>
+          <a:p>
+            <a:r>
+              <a:rPr lang="en-US" sz="3600" dirty="0">
+                <a:solidFill>
+                  <a:srgbClr val="FFFFFF"/>
+                </a:solidFill>
+              </a:rPr>
+              <a:t>Open source development</a:t>
+            </a:r>
+          </a:p>
+        </p:txBody>
       </p:sp>
       <p:pic>
         <p:nvPicPr>
-          <p:cNvPr id="1026" name="Picture 2" descr="Software Engineering">
+          <p:cNvPr id="7" name="Graphic 6" descr="Open Source">
             <a:extLst>
               <a:ext uri="{FF2B5EF4-FFF2-40B4-BE49-F238E27FC236}">
-                <a16:creationId xmlns:a16="http://schemas.microsoft.com/office/drawing/2014/main" id="{257DD15B-5EC2-49EE-90B4-E1681697FF25}"/>
+                <a16:creationId xmlns:a16="http://schemas.microsoft.com/office/drawing/2014/main" id="{5BC91557-3ACC-4C17-9BE9-5B0805521AA5}"/>
               </a:ext>
             </a:extLst>
           </p:cNvPr>
           <p:cNvPicPr>
-            <a:picLocks noChangeAspect="1" noChangeArrowheads="1"/>
+            <a:picLocks noChangeAspect="1"/>
           </p:cNvPicPr>
           <p:nvPr/>
         </p:nvPicPr>
@@ -10570,62 +9971,283 @@
               <a:ext uri="{28A0092B-C50C-407E-A947-70E740481C1C}">
                 <a14:useLocalDpi xmlns:a14="http://schemas.microsoft.com/office/drawing/2010/main" val="0"/>
               </a:ext>
+              <a:ext uri="{96DAC541-7B7A-43D3-8B79-37D633B846F1}">
+                <asvg:svgBlip xmlns:asvg="http://schemas.microsoft.com/office/drawing/2016/SVG/main" r:embed="rId3"/>
+              </a:ext>
             </a:extLst>
           </a:blip>
-          <a:srcRect/>
           <a:stretch>
             <a:fillRect/>
           </a:stretch>
         </p:blipFill>
-        <p:spPr bwMode="auto">
+        <p:spPr>
           <a:xfrm>
-            <a:off x="4702190" y="1289483"/>
-            <a:ext cx="2658839" cy="3282517"/>
+            <a:off x="577724" y="2392970"/>
+            <a:ext cx="2294126" cy="2294126"/>
           </a:xfrm>
           <a:prstGeom prst="rect">
             <a:avLst/>
           </a:prstGeom>
-          <a:solidFill>
-            <a:srgbClr val="FFFFFF">
-              <a:shade val="85000"/>
-            </a:srgbClr>
-          </a:solidFill>
-          <a:ln w="190500" cap="sq">
-            <a:solidFill>
-              <a:srgbClr val="FFFFFF"/>
-            </a:solidFill>
-            <a:miter lim="800000"/>
-          </a:ln>
-          <a:effectLst>
-            <a:outerShdw blurRad="65000" dist="50800" dir="12900000" kx="195000" ky="145000" algn="tl" rotWithShape="0">
-              <a:srgbClr val="000000">
-                <a:alpha val="30000"/>
-              </a:srgbClr>
-            </a:outerShdw>
-          </a:effectLst>
-          <a:scene3d>
-            <a:camera prst="orthographicFront">
-              <a:rot lat="0" lon="0" rev="360000"/>
-            </a:camera>
-            <a:lightRig rig="twoPt" dir="t">
-              <a:rot lat="0" lon="0" rev="7200000"/>
-            </a:lightRig>
-          </a:scene3d>
-          <a:sp3d contourW="12700">
-            <a:bevelT w="25400" h="19050"/>
-            <a:contourClr>
-              <a:srgbClr val="969696"/>
-            </a:contourClr>
-          </a:sp3d>
-          <a:extLst/>
         </p:spPr>
       </p:pic>
     </p:spTree>
     <p:extLst>
       <p:ext uri="{BB962C8B-B14F-4D97-AF65-F5344CB8AC3E}">
-        <p14:creationId xmlns:p14="http://schemas.microsoft.com/office/powerpoint/2010/main" val="2165918301"/>
+        <p14:creationId xmlns:p14="http://schemas.microsoft.com/office/powerpoint/2010/main" val="501695002"/>
       </p:ext>
     </p:extLst>
+  </p:cSld>
+  <p:clrMapOvr>
+    <a:masterClrMapping/>
+  </p:clrMapOvr>
+</p:sld>
+</file>
+
+<file path=ppt/slides/slide21.xml><?xml version="1.0" encoding="utf-8"?>
+<p:sld xmlns:a="http://schemas.openxmlformats.org/drawingml/2006/main" xmlns:r="http://schemas.openxmlformats.org/officeDocument/2006/relationships" xmlns:p="http://schemas.openxmlformats.org/presentationml/2006/main">
+  <p:cSld>
+    <p:spTree>
+      <p:nvGrpSpPr>
+        <p:cNvPr id="1" name=""/>
+        <p:cNvGrpSpPr/>
+        <p:nvPr/>
+      </p:nvGrpSpPr>
+      <p:grpSpPr>
+        <a:xfrm>
+          <a:off x="0" y="0"/>
+          <a:ext cx="0" cy="0"/>
+          <a:chOff x="0" y="0"/>
+          <a:chExt cx="0" cy="0"/>
+        </a:xfrm>
+      </p:grpSpPr>
+      <p:sp>
+        <p:nvSpPr>
+          <p:cNvPr id="2" name="Title 1"/>
+          <p:cNvSpPr>
+            <a:spLocks noGrp="1"/>
+          </p:cNvSpPr>
+          <p:nvPr>
+            <p:ph type="title"/>
+          </p:nvPr>
+        </p:nvSpPr>
+        <p:spPr/>
+        <p:txBody>
+          <a:bodyPr/>
+          <a:lstStyle/>
+          <a:p>
+            <a:r>
+              <a:rPr lang="en-US" dirty="0"/>
+              <a:t>Open source</a:t>
+            </a:r>
+          </a:p>
+        </p:txBody>
+      </p:sp>
+      <p:sp>
+        <p:nvSpPr>
+          <p:cNvPr id="3" name="Content Placeholder 2"/>
+          <p:cNvSpPr>
+            <a:spLocks noGrp="1"/>
+          </p:cNvSpPr>
+          <p:nvPr>
+            <p:ph idx="1"/>
+          </p:nvPr>
+        </p:nvSpPr>
+        <p:spPr>
+          <a:xfrm>
+            <a:off x="581192" y="2228003"/>
+            <a:ext cx="7989752" cy="3942523"/>
+          </a:xfrm>
+        </p:spPr>
+        <p:txBody>
+          <a:bodyPr>
+            <a:normAutofit fontScale="92500" lnSpcReduction="20000"/>
+          </a:bodyPr>
+          <a:lstStyle/>
+          <a:p>
+            <a:pPr marL="0" indent="0">
+              <a:buNone/>
+            </a:pPr>
+            <a:r>
+              <a:rPr lang="en-US" sz="2000" dirty="0"/>
+              <a:t>Is an approach that we publish our source code and volunteers are invited to participate in the development process</a:t>
+            </a:r>
+          </a:p>
+          <a:p>
+            <a:pPr marL="0" indent="0">
+              <a:buNone/>
+            </a:pPr>
+            <a:r>
+              <a:rPr lang="en-US" sz="2000" dirty="0"/>
+              <a:t>ISSUES </a:t>
+            </a:r>
+          </a:p>
+          <a:p>
+            <a:r>
+              <a:rPr lang="en-US" sz="2000" dirty="0"/>
+              <a:t>Should we make use of open source components?</a:t>
+            </a:r>
+            <a:endParaRPr lang="en-GB" sz="2000" dirty="0"/>
+          </a:p>
+          <a:p>
+            <a:r>
+              <a:rPr lang="en-US" sz="2000" dirty="0"/>
+              <a:t>Should an open source approach be used for the software’s development?</a:t>
+            </a:r>
+          </a:p>
+          <a:p>
+            <a:pPr marL="0" indent="0">
+              <a:buNone/>
+            </a:pPr>
+            <a:r>
+              <a:rPr lang="en-US" sz="2000" cap="all" dirty="0"/>
+              <a:t>business</a:t>
+            </a:r>
+            <a:endParaRPr lang="en-US" sz="2000" dirty="0"/>
+          </a:p>
+          <a:p>
+            <a:r>
+              <a:rPr lang="en-US" sz="2000" dirty="0"/>
+              <a:t>Open source projects business model is not reliant on selling a software product but on selling support for that product. </a:t>
+            </a:r>
+          </a:p>
+          <a:p>
+            <a:r>
+              <a:rPr lang="en-US" sz="2000" dirty="0"/>
+              <a:t>It is believed that involving the open source community will allow software to be developed more cheaply, more quickly and will create a community of users for the software. </a:t>
+            </a:r>
+          </a:p>
+          <a:p>
+            <a:pPr marL="0" indent="0">
+              <a:buNone/>
+            </a:pPr>
+            <a:r>
+              <a:rPr lang="en-US" sz="2000" dirty="0"/>
+              <a:t>LICENSE: GPL, LGPL, BSD, …</a:t>
+            </a:r>
+            <a:endParaRPr lang="en-GB" sz="2000" dirty="0"/>
+          </a:p>
+        </p:txBody>
+      </p:sp>
+    </p:spTree>
+  </p:cSld>
+  <p:clrMapOvr>
+    <a:masterClrMapping/>
+  </p:clrMapOvr>
+</p:sld>
+</file>
+
+<file path=ppt/slides/slide22.xml><?xml version="1.0" encoding="utf-8"?>
+<p:sld xmlns:a="http://schemas.openxmlformats.org/drawingml/2006/main" xmlns:r="http://schemas.openxmlformats.org/officeDocument/2006/relationships" xmlns:p="http://schemas.openxmlformats.org/presentationml/2006/main" show="0">
+  <p:cSld>
+    <p:spTree>
+      <p:nvGrpSpPr>
+        <p:cNvPr id="1" name=""/>
+        <p:cNvGrpSpPr/>
+        <p:nvPr/>
+      </p:nvGrpSpPr>
+      <p:grpSpPr>
+        <a:xfrm>
+          <a:off x="0" y="0"/>
+          <a:ext cx="0" cy="0"/>
+          <a:chOff x="0" y="0"/>
+          <a:chExt cx="0" cy="0"/>
+        </a:xfrm>
+      </p:grpSpPr>
+      <p:sp>
+        <p:nvSpPr>
+          <p:cNvPr id="2" name="Title 1"/>
+          <p:cNvSpPr>
+            <a:spLocks noGrp="1"/>
+          </p:cNvSpPr>
+          <p:nvPr>
+            <p:ph type="title"/>
+          </p:nvPr>
+        </p:nvSpPr>
+        <p:spPr/>
+        <p:txBody>
+          <a:bodyPr/>
+          <a:lstStyle/>
+          <a:p>
+            <a:r>
+              <a:rPr lang="en-US" dirty="0"/>
+              <a:t>License models</a:t>
+            </a:r>
+          </a:p>
+        </p:txBody>
+      </p:sp>
+      <p:sp>
+        <p:nvSpPr>
+          <p:cNvPr id="3" name="Content Placeholder 2"/>
+          <p:cNvSpPr>
+            <a:spLocks noGrp="1"/>
+          </p:cNvSpPr>
+          <p:nvPr>
+            <p:ph idx="1"/>
+          </p:nvPr>
+        </p:nvSpPr>
+        <p:spPr/>
+        <p:txBody>
+          <a:bodyPr>
+            <a:normAutofit fontScale="92500" lnSpcReduction="10000"/>
+          </a:bodyPr>
+          <a:lstStyle/>
+          <a:p>
+            <a:r>
+              <a:rPr lang="en-US" sz="2200" dirty="0"/>
+              <a:t>The GNU General Public License (GPL)</a:t>
+            </a:r>
+          </a:p>
+          <a:p>
+            <a:pPr lvl="1"/>
+            <a:r>
+              <a:rPr lang="en-US" sz="2000" dirty="0"/>
+              <a:t>If you use open source software that is licensed under the GPL license, then </a:t>
+            </a:r>
+            <a:r>
+              <a:rPr lang="en-US" sz="2000" b="1" dirty="0"/>
+              <a:t>you must make that software open source. </a:t>
+            </a:r>
+            <a:endParaRPr lang="en-GB" sz="2000" b="1" dirty="0"/>
+          </a:p>
+          <a:p>
+            <a:r>
+              <a:rPr lang="en-US" sz="2200" dirty="0"/>
+              <a:t>The GNU Lesser General Public License (LGPL)</a:t>
+            </a:r>
+          </a:p>
+          <a:p>
+            <a:pPr lvl="1"/>
+            <a:r>
+              <a:rPr lang="en-US" sz="2000" dirty="0"/>
+              <a:t>You can write components that link to open source code </a:t>
+            </a:r>
+            <a:r>
+              <a:rPr lang="en-US" sz="2000" b="1" dirty="0"/>
+              <a:t>without having to publish </a:t>
+            </a:r>
+            <a:r>
+              <a:rPr lang="en-US" sz="2000" dirty="0"/>
+              <a:t>the source of these components. </a:t>
+            </a:r>
+            <a:endParaRPr lang="en-GB" sz="2000" dirty="0"/>
+          </a:p>
+          <a:p>
+            <a:r>
+              <a:rPr lang="en-US" sz="2200" dirty="0"/>
+              <a:t>The Berkley Standard Distribution (BSD) License</a:t>
+            </a:r>
+          </a:p>
+          <a:p>
+            <a:pPr lvl="1"/>
+            <a:r>
+              <a:rPr lang="en-US" sz="2000" dirty="0"/>
+              <a:t>You are not obliged to re-publish any changes or modifications made to open source code. You can include the code in proprietary systems that are sold.</a:t>
+            </a:r>
+            <a:endParaRPr lang="en-GB" sz="2000" dirty="0"/>
+          </a:p>
+        </p:txBody>
+      </p:sp>
+    </p:spTree>
   </p:cSld>
   <p:clrMapOvr>
     <a:masterClrMapping/>
@@ -10677,6 +10299,620 @@
       </p:grpSpPr>
       <p:sp>
         <p:nvSpPr>
+          <p:cNvPr id="10" name="Rectangle 9">
+            <a:extLst>
+              <a:ext uri="{FF2B5EF4-FFF2-40B4-BE49-F238E27FC236}">
+                <a16:creationId xmlns:a16="http://schemas.microsoft.com/office/drawing/2014/main" id="{E9AA9F65-94B8-41A5-A7FF-23D2CFB116BB}"/>
+              </a:ext>
+              <a:ext uri="{C183D7F6-B498-43B3-948B-1728B52AA6E4}">
+                <adec:decorative xmlns:adec="http://schemas.microsoft.com/office/drawing/2017/decorative" val="1"/>
+              </a:ext>
+            </a:extLst>
+          </p:cNvPr>
+          <p:cNvSpPr>
+            <a:spLocks noGrp="1" noRot="1" noChangeAspect="1" noMove="1" noResize="1" noEditPoints="1" noAdjustHandles="1" noChangeArrowheads="1" noChangeShapeType="1" noTextEdit="1"/>
+          </p:cNvSpPr>
+          <p:nvPr>
+            <p:extLst>
+              <p:ext uri="{386F3935-93C4-4BCD-93E2-E3B085C9AB24}">
+                <p16:designElem xmlns:p16="http://schemas.microsoft.com/office/powerpoint/2015/main" val="1"/>
+              </p:ext>
+            </p:extLst>
+          </p:nvPr>
+        </p:nvSpPr>
+        <p:spPr>
+          <a:xfrm>
+            <a:off x="334900" y="457200"/>
+            <a:ext cx="2777490" cy="94997"/>
+          </a:xfrm>
+          <a:prstGeom prst="rect">
+            <a:avLst/>
+          </a:prstGeom>
+          <a:solidFill>
+            <a:schemeClr val="accent1"/>
+          </a:solidFill>
+          <a:ln>
+            <a:noFill/>
+          </a:ln>
+          <a:effectLst/>
+        </p:spPr>
+        <p:style>
+          <a:lnRef idx="1">
+            <a:schemeClr val="accent1"/>
+          </a:lnRef>
+          <a:fillRef idx="3">
+            <a:schemeClr val="accent1"/>
+          </a:fillRef>
+          <a:effectRef idx="2">
+            <a:schemeClr val="accent1"/>
+          </a:effectRef>
+          <a:fontRef idx="minor">
+            <a:schemeClr val="lt1"/>
+          </a:fontRef>
+        </p:style>
+      </p:sp>
+      <p:sp>
+        <p:nvSpPr>
+          <p:cNvPr id="12" name="Rectangle 11">
+            <a:extLst>
+              <a:ext uri="{FF2B5EF4-FFF2-40B4-BE49-F238E27FC236}">
+                <a16:creationId xmlns:a16="http://schemas.microsoft.com/office/drawing/2014/main" id="{7E8B0F8E-3F6C-4541-B9C1-774D80A08834}"/>
+              </a:ext>
+              <a:ext uri="{C183D7F6-B498-43B3-948B-1728B52AA6E4}">
+                <adec:decorative xmlns:adec="http://schemas.microsoft.com/office/drawing/2017/decorative" val="1"/>
+              </a:ext>
+            </a:extLst>
+          </p:cNvPr>
+          <p:cNvSpPr>
+            <a:spLocks noGrp="1" noRot="1" noChangeAspect="1" noMove="1" noResize="1" noEditPoints="1" noAdjustHandles="1" noChangeArrowheads="1" noChangeShapeType="1" noTextEdit="1"/>
+          </p:cNvSpPr>
+          <p:nvPr>
+            <p:extLst>
+              <p:ext uri="{386F3935-93C4-4BCD-93E2-E3B085C9AB24}">
+                <p16:designElem xmlns:p16="http://schemas.microsoft.com/office/powerpoint/2015/main" val="1"/>
+              </p:ext>
+            </p:extLst>
+          </p:nvPr>
+        </p:nvSpPr>
+        <p:spPr>
+          <a:xfrm>
+            <a:off x="6031610" y="453643"/>
+            <a:ext cx="2777490" cy="98554"/>
+          </a:xfrm>
+          <a:prstGeom prst="rect">
+            <a:avLst/>
+          </a:prstGeom>
+          <a:solidFill>
+            <a:schemeClr val="accent4"/>
+          </a:solidFill>
+          <a:ln>
+            <a:noFill/>
+          </a:ln>
+          <a:effectLst/>
+        </p:spPr>
+        <p:style>
+          <a:lnRef idx="1">
+            <a:schemeClr val="accent1"/>
+          </a:lnRef>
+          <a:fillRef idx="3">
+            <a:schemeClr val="accent1"/>
+          </a:fillRef>
+          <a:effectRef idx="2">
+            <a:schemeClr val="accent1"/>
+          </a:effectRef>
+          <a:fontRef idx="minor">
+            <a:schemeClr val="lt1"/>
+          </a:fontRef>
+        </p:style>
+      </p:sp>
+      <p:sp>
+        <p:nvSpPr>
+          <p:cNvPr id="14" name="Rectangle 13">
+            <a:extLst>
+              <a:ext uri="{FF2B5EF4-FFF2-40B4-BE49-F238E27FC236}">
+                <a16:creationId xmlns:a16="http://schemas.microsoft.com/office/drawing/2014/main" id="{7A45F5BC-32D1-41CD-B270-C46F18CA1ACC}"/>
+              </a:ext>
+              <a:ext uri="{C183D7F6-B498-43B3-948B-1728B52AA6E4}">
+                <adec:decorative xmlns:adec="http://schemas.microsoft.com/office/drawing/2017/decorative" val="1"/>
+              </a:ext>
+            </a:extLst>
+          </p:cNvPr>
+          <p:cNvSpPr>
+            <a:spLocks noGrp="1" noRot="1" noChangeAspect="1" noMove="1" noResize="1" noEditPoints="1" noAdjustHandles="1" noChangeArrowheads="1" noChangeShapeType="1" noTextEdit="1"/>
+          </p:cNvSpPr>
+          <p:nvPr>
+            <p:extLst>
+              <p:ext uri="{386F3935-93C4-4BCD-93E2-E3B085C9AB24}">
+                <p16:designElem xmlns:p16="http://schemas.microsoft.com/office/powerpoint/2015/main" val="1"/>
+              </p:ext>
+            </p:extLst>
+          </p:nvPr>
+        </p:nvSpPr>
+        <p:spPr>
+          <a:xfrm>
+            <a:off x="3181372" y="457200"/>
+            <a:ext cx="2777490" cy="91440"/>
+          </a:xfrm>
+          <a:prstGeom prst="rect">
+            <a:avLst/>
+          </a:prstGeom>
+          <a:solidFill>
+            <a:schemeClr val="accent2"/>
+          </a:solidFill>
+          <a:ln>
+            <a:noFill/>
+          </a:ln>
+          <a:effectLst/>
+        </p:spPr>
+        <p:style>
+          <a:lnRef idx="1">
+            <a:schemeClr val="accent1"/>
+          </a:lnRef>
+          <a:fillRef idx="3">
+            <a:schemeClr val="accent1"/>
+          </a:fillRef>
+          <a:effectRef idx="2">
+            <a:schemeClr val="accent1"/>
+          </a:effectRef>
+          <a:fontRef idx="minor">
+            <a:schemeClr val="lt1"/>
+          </a:fontRef>
+        </p:style>
+      </p:sp>
+      <p:sp>
+        <p:nvSpPr>
+          <p:cNvPr id="16" name="Rectangle 15">
+            <a:extLst>
+              <a:ext uri="{FF2B5EF4-FFF2-40B4-BE49-F238E27FC236}">
+                <a16:creationId xmlns:a16="http://schemas.microsoft.com/office/drawing/2014/main" id="{CE57EE13-72B0-4FFA-ACE1-EBDE89340E47}"/>
+              </a:ext>
+              <a:ext uri="{C183D7F6-B498-43B3-948B-1728B52AA6E4}">
+                <adec:decorative xmlns:adec="http://schemas.microsoft.com/office/drawing/2017/decorative" val="1"/>
+              </a:ext>
+            </a:extLst>
+          </p:cNvPr>
+          <p:cNvSpPr>
+            <a:spLocks noGrp="1" noRot="1" noChangeAspect="1" noMove="1" noResize="1" noEditPoints="1" noAdjustHandles="1" noChangeArrowheads="1" noChangeShapeType="1" noTextEdit="1"/>
+          </p:cNvSpPr>
+          <p:nvPr>
+            <p:extLst>
+              <p:ext uri="{386F3935-93C4-4BCD-93E2-E3B085C9AB24}">
+                <p16:designElem xmlns:p16="http://schemas.microsoft.com/office/powerpoint/2015/main" val="1"/>
+              </p:ext>
+            </p:extLst>
+          </p:nvPr>
+        </p:nvSpPr>
+        <p:spPr>
+          <a:xfrm>
+            <a:off x="334900" y="3085765"/>
+            <a:ext cx="8447150" cy="3304800"/>
+          </a:xfrm>
+          <a:prstGeom prst="rect">
+            <a:avLst/>
+          </a:prstGeom>
+          <a:solidFill>
+            <a:schemeClr val="accent1"/>
+          </a:solidFill>
+          <a:ln>
+            <a:noFill/>
+          </a:ln>
+          <a:effectLst/>
+        </p:spPr>
+        <p:style>
+          <a:lnRef idx="1">
+            <a:schemeClr val="accent1"/>
+          </a:lnRef>
+          <a:fillRef idx="3">
+            <a:schemeClr val="accent1"/>
+          </a:fillRef>
+          <a:effectRef idx="2">
+            <a:schemeClr val="accent1"/>
+          </a:effectRef>
+          <a:fontRef idx="minor">
+            <a:schemeClr val="lt1"/>
+          </a:fontRef>
+        </p:style>
+      </p:sp>
+      <p:sp useBgFill="1">
+        <p:nvSpPr>
+          <p:cNvPr id="18" name="Rectangle 17">
+            <a:extLst>
+              <a:ext uri="{FF2B5EF4-FFF2-40B4-BE49-F238E27FC236}">
+                <a16:creationId xmlns:a16="http://schemas.microsoft.com/office/drawing/2014/main" id="{8E019540-1104-4B12-9F83-45F58674186F}"/>
+              </a:ext>
+              <a:ext uri="{C183D7F6-B498-43B3-948B-1728B52AA6E4}">
+                <adec:decorative xmlns:adec="http://schemas.microsoft.com/office/drawing/2017/decorative" val="1"/>
+              </a:ext>
+            </a:extLst>
+          </p:cNvPr>
+          <p:cNvSpPr>
+            <a:spLocks noGrp="1" noRot="1" noChangeAspect="1" noMove="1" noResize="1" noEditPoints="1" noAdjustHandles="1" noChangeArrowheads="1" noChangeShapeType="1" noTextEdit="1"/>
+          </p:cNvSpPr>
+          <p:nvPr>
+            <p:extLst>
+              <p:ext uri="{386F3935-93C4-4BCD-93E2-E3B085C9AB24}">
+                <p16:designElem xmlns:p16="http://schemas.microsoft.com/office/powerpoint/2015/main" val="1"/>
+              </p:ext>
+            </p:extLst>
+          </p:nvPr>
+        </p:nvSpPr>
+        <p:spPr>
+          <a:xfrm>
+            <a:off x="0" y="0"/>
+            <a:ext cx="9144000" cy="6858000"/>
+          </a:xfrm>
+          <a:prstGeom prst="rect">
+            <a:avLst/>
+          </a:prstGeom>
+          <a:ln>
+            <a:noFill/>
+          </a:ln>
+        </p:spPr>
+        <p:style>
+          <a:lnRef idx="2">
+            <a:schemeClr val="accent1">
+              <a:shade val="50000"/>
+            </a:schemeClr>
+          </a:lnRef>
+          <a:fillRef idx="1">
+            <a:schemeClr val="accent1"/>
+          </a:fillRef>
+          <a:effectRef idx="0">
+            <a:schemeClr val="accent1"/>
+          </a:effectRef>
+          <a:fontRef idx="minor">
+            <a:schemeClr val="lt1"/>
+          </a:fontRef>
+        </p:style>
+        <p:txBody>
+          <a:bodyPr rtlCol="0" anchor="ctr"/>
+          <a:lstStyle/>
+          <a:p>
+            <a:pPr algn="ctr"/>
+            <a:endParaRPr lang="en-US"/>
+          </a:p>
+        </p:txBody>
+      </p:sp>
+      <p:sp>
+        <p:nvSpPr>
+          <p:cNvPr id="2" name="Title 1">
+            <a:extLst>
+              <a:ext uri="{FF2B5EF4-FFF2-40B4-BE49-F238E27FC236}">
+                <a16:creationId xmlns:a16="http://schemas.microsoft.com/office/drawing/2014/main" id="{5E562972-3449-42D1-8185-B4BEFD52AB44}"/>
+              </a:ext>
+            </a:extLst>
+          </p:cNvPr>
+          <p:cNvSpPr>
+            <a:spLocks noGrp="1"/>
+          </p:cNvSpPr>
+          <p:nvPr>
+            <p:ph type="title"/>
+          </p:nvPr>
+        </p:nvSpPr>
+        <p:spPr>
+          <a:xfrm>
+            <a:off x="3643053" y="1577339"/>
+            <a:ext cx="4671712" cy="3991177"/>
+          </a:xfrm>
+        </p:spPr>
+        <p:txBody>
+          <a:bodyPr vert="horz" lIns="91440" tIns="45720" rIns="91440" bIns="45720" rtlCol="0" anchor="b">
+            <a:normAutofit/>
+          </a:bodyPr>
+          <a:lstStyle/>
+          <a:p>
+            <a:pPr algn="ctr"/>
+            <a:r>
+              <a:rPr lang="en-US" sz="1800" dirty="0">
+                <a:solidFill>
+                  <a:schemeClr val="tx2"/>
+                </a:solidFill>
+              </a:rPr>
+              <a:t>Software Engineering</a:t>
+            </a:r>
+            <a:br>
+              <a:rPr lang="en-US" sz="1800" dirty="0">
+                <a:solidFill>
+                  <a:schemeClr val="tx2"/>
+                </a:solidFill>
+              </a:rPr>
+            </a:br>
+            <a:r>
+              <a:rPr lang="en-US" sz="1800" dirty="0">
+                <a:solidFill>
+                  <a:schemeClr val="tx2"/>
+                </a:solidFill>
+              </a:rPr>
+              <a:t>Sommerville</a:t>
+            </a:r>
+          </a:p>
+        </p:txBody>
+      </p:sp>
+      <p:sp>
+        <p:nvSpPr>
+          <p:cNvPr id="5" name="Content Placeholder 4">
+            <a:extLst>
+              <a:ext uri="{FF2B5EF4-FFF2-40B4-BE49-F238E27FC236}">
+                <a16:creationId xmlns:a16="http://schemas.microsoft.com/office/drawing/2014/main" id="{F2DC320D-BC45-4859-9136-1A26BE4DA136}"/>
+              </a:ext>
+            </a:extLst>
+          </p:cNvPr>
+          <p:cNvSpPr>
+            <a:spLocks noGrp="1"/>
+          </p:cNvSpPr>
+          <p:nvPr>
+            <p:ph idx="1"/>
+          </p:nvPr>
+        </p:nvSpPr>
+        <p:spPr>
+          <a:xfrm>
+            <a:off x="1193898" y="1577340"/>
+            <a:ext cx="2252003" cy="3703320"/>
+          </a:xfrm>
+          <a:ln w="57150">
+            <a:noFill/>
+          </a:ln>
+        </p:spPr>
+        <p:txBody>
+          <a:bodyPr vert="horz" lIns="91440" tIns="45720" rIns="91440" bIns="45720" rtlCol="0" anchor="ctr">
+            <a:normAutofit/>
+          </a:bodyPr>
+          <a:lstStyle/>
+          <a:p>
+            <a:pPr marL="0" indent="0">
+              <a:buNone/>
+            </a:pPr>
+            <a:r>
+              <a:rPr lang="en-US" sz="2400" b="1" cap="all" dirty="0">
+                <a:solidFill>
+                  <a:schemeClr val="tx1"/>
+                </a:solidFill>
+              </a:rPr>
+              <a:t>Reference</a:t>
+            </a:r>
+            <a:endParaRPr lang="en-US" sz="2400" b="1" i="1" cap="all" dirty="0">
+              <a:solidFill>
+                <a:schemeClr val="tx1"/>
+              </a:solidFill>
+            </a:endParaRPr>
+          </a:p>
+        </p:txBody>
+      </p:sp>
+      <p:sp>
+        <p:nvSpPr>
+          <p:cNvPr id="20" name="Rectangle 19">
+            <a:extLst>
+              <a:ext uri="{FF2B5EF4-FFF2-40B4-BE49-F238E27FC236}">
+                <a16:creationId xmlns:a16="http://schemas.microsoft.com/office/drawing/2014/main" id="{11D976D6-8C98-48CC-8C34-0468F31678C2}"/>
+              </a:ext>
+              <a:ext uri="{C183D7F6-B498-43B3-948B-1728B52AA6E4}">
+                <adec:decorative xmlns:adec="http://schemas.microsoft.com/office/drawing/2017/decorative" val="1"/>
+              </a:ext>
+            </a:extLst>
+          </p:cNvPr>
+          <p:cNvSpPr>
+            <a:spLocks noGrp="1" noRot="1" noChangeAspect="1" noMove="1" noResize="1" noEditPoints="1" noAdjustHandles="1" noChangeArrowheads="1" noChangeShapeType="1" noTextEdit="1"/>
+          </p:cNvSpPr>
+          <p:nvPr>
+            <p:extLst>
+              <p:ext uri="{386F3935-93C4-4BCD-93E2-E3B085C9AB24}">
+                <p16:designElem xmlns:p16="http://schemas.microsoft.com/office/powerpoint/2015/main" val="1"/>
+              </p:ext>
+            </p:extLst>
+          </p:nvPr>
+        </p:nvSpPr>
+        <p:spPr>
+          <a:xfrm rot="16200000">
+            <a:off x="-50297" y="3394710"/>
+            <a:ext cx="2286000" cy="68580"/>
+          </a:xfrm>
+          <a:prstGeom prst="rect">
+            <a:avLst/>
+          </a:prstGeom>
+          <a:solidFill>
+            <a:schemeClr val="accent2"/>
+          </a:solidFill>
+          <a:ln>
+            <a:noFill/>
+          </a:ln>
+          <a:effectLst/>
+        </p:spPr>
+        <p:style>
+          <a:lnRef idx="1">
+            <a:schemeClr val="accent1"/>
+          </a:lnRef>
+          <a:fillRef idx="3">
+            <a:schemeClr val="accent1"/>
+          </a:fillRef>
+          <a:effectRef idx="2">
+            <a:schemeClr val="accent1"/>
+          </a:effectRef>
+          <a:fontRef idx="minor">
+            <a:schemeClr val="lt1"/>
+          </a:fontRef>
+        </p:style>
+      </p:sp>
+      <p:sp>
+        <p:nvSpPr>
+          <p:cNvPr id="22" name="Rectangle 21">
+            <a:extLst>
+              <a:ext uri="{FF2B5EF4-FFF2-40B4-BE49-F238E27FC236}">
+                <a16:creationId xmlns:a16="http://schemas.microsoft.com/office/drawing/2014/main" id="{3580CFD6-E44A-486A-9E73-D8D948F78A34}"/>
+              </a:ext>
+              <a:ext uri="{C183D7F6-B498-43B3-948B-1728B52AA6E4}">
+                <adec:decorative xmlns:adec="http://schemas.microsoft.com/office/drawing/2017/decorative" val="1"/>
+              </a:ext>
+            </a:extLst>
+          </p:cNvPr>
+          <p:cNvSpPr>
+            <a:spLocks noGrp="1" noRot="1" noChangeAspect="1" noMove="1" noResize="1" noEditPoints="1" noAdjustHandles="1" noChangeArrowheads="1" noChangeShapeType="1" noTextEdit="1"/>
+          </p:cNvSpPr>
+          <p:nvPr>
+            <p:extLst>
+              <p:ext uri="{386F3935-93C4-4BCD-93E2-E3B085C9AB24}">
+                <p16:designElem xmlns:p16="http://schemas.microsoft.com/office/powerpoint/2015/main" val="1"/>
+              </p:ext>
+            </p:extLst>
+          </p:nvPr>
+        </p:nvSpPr>
+        <p:spPr>
+          <a:xfrm rot="16200000">
+            <a:off x="1628532" y="3394710"/>
+            <a:ext cx="3703320" cy="68580"/>
+          </a:xfrm>
+          <a:prstGeom prst="rect">
+            <a:avLst/>
+          </a:prstGeom>
+          <a:solidFill>
+            <a:schemeClr val="accent4"/>
+          </a:solidFill>
+          <a:ln>
+            <a:noFill/>
+          </a:ln>
+          <a:effectLst/>
+        </p:spPr>
+        <p:style>
+          <a:lnRef idx="1">
+            <a:schemeClr val="accent1"/>
+          </a:lnRef>
+          <a:fillRef idx="3">
+            <a:schemeClr val="accent1"/>
+          </a:fillRef>
+          <a:effectRef idx="2">
+            <a:schemeClr val="accent1"/>
+          </a:effectRef>
+          <a:fontRef idx="minor">
+            <a:schemeClr val="lt1"/>
+          </a:fontRef>
+        </p:style>
+      </p:sp>
+      <p:pic>
+        <p:nvPicPr>
+          <p:cNvPr id="1026" name="Picture 2" descr="Software Engineering">
+            <a:extLst>
+              <a:ext uri="{FF2B5EF4-FFF2-40B4-BE49-F238E27FC236}">
+                <a16:creationId xmlns:a16="http://schemas.microsoft.com/office/drawing/2014/main" id="{257DD15B-5EC2-49EE-90B4-E1681697FF25}"/>
+              </a:ext>
+            </a:extLst>
+          </p:cNvPr>
+          <p:cNvPicPr>
+            <a:picLocks noChangeAspect="1" noChangeArrowheads="1"/>
+          </p:cNvPicPr>
+          <p:nvPr/>
+        </p:nvPicPr>
+        <p:blipFill>
+          <a:blip r:embed="rId2">
+            <a:extLst>
+              <a:ext uri="{28A0092B-C50C-407E-A947-70E740481C1C}">
+                <a14:useLocalDpi xmlns:a14="http://schemas.microsoft.com/office/drawing/2010/main" val="0"/>
+              </a:ext>
+            </a:extLst>
+          </a:blip>
+          <a:srcRect/>
+          <a:stretch>
+            <a:fillRect/>
+          </a:stretch>
+        </p:blipFill>
+        <p:spPr bwMode="auto">
+          <a:xfrm>
+            <a:off x="4702190" y="1289483"/>
+            <a:ext cx="2658839" cy="3282517"/>
+          </a:xfrm>
+          <a:prstGeom prst="rect">
+            <a:avLst/>
+          </a:prstGeom>
+          <a:solidFill>
+            <a:srgbClr val="FFFFFF">
+              <a:shade val="85000"/>
+            </a:srgbClr>
+          </a:solidFill>
+          <a:ln w="190500" cap="sq">
+            <a:solidFill>
+              <a:srgbClr val="FFFFFF"/>
+            </a:solidFill>
+            <a:miter lim="800000"/>
+          </a:ln>
+          <a:effectLst>
+            <a:outerShdw blurRad="65000" dist="50800" dir="12900000" kx="195000" ky="145000" algn="tl" rotWithShape="0">
+              <a:srgbClr val="000000">
+                <a:alpha val="30000"/>
+              </a:srgbClr>
+            </a:outerShdw>
+          </a:effectLst>
+          <a:scene3d>
+            <a:camera prst="orthographicFront">
+              <a:rot lat="0" lon="0" rev="360000"/>
+            </a:camera>
+            <a:lightRig rig="twoPt" dir="t">
+              <a:rot lat="0" lon="0" rev="7200000"/>
+            </a:lightRig>
+          </a:scene3d>
+          <a:sp3d contourW="12700">
+            <a:bevelT w="25400" h="19050"/>
+            <a:contourClr>
+              <a:srgbClr val="969696"/>
+            </a:contourClr>
+          </a:sp3d>
+          <a:extLst/>
+        </p:spPr>
+      </p:pic>
+    </p:spTree>
+    <p:extLst>
+      <p:ext uri="{BB962C8B-B14F-4D97-AF65-F5344CB8AC3E}">
+        <p14:creationId xmlns:p14="http://schemas.microsoft.com/office/powerpoint/2010/main" val="2165918301"/>
+      </p:ext>
+    </p:extLst>
+  </p:cSld>
+  <p:clrMapOvr>
+    <a:masterClrMapping/>
+  </p:clrMapOvr>
+</p:sld>
+</file>
+
+<file path=ppt/slides/slide24.xml><?xml version="1.0" encoding="utf-8"?>
+<p:sld xmlns:a="http://schemas.openxmlformats.org/drawingml/2006/main" xmlns:r="http://schemas.openxmlformats.org/officeDocument/2006/relationships" xmlns:p="http://schemas.openxmlformats.org/presentationml/2006/main">
+  <p:cSld>
+    <p:bg>
+      <p:bgPr>
+        <a:gradFill rotWithShape="1">
+          <a:gsLst>
+            <a:gs pos="0">
+              <a:schemeClr val="bg2">
+                <a:tint val="90000"/>
+                <a:lumMod val="110000"/>
+              </a:schemeClr>
+            </a:gs>
+            <a:gs pos="100000">
+              <a:schemeClr val="bg2">
+                <a:shade val="98000"/>
+                <a:satMod val="110000"/>
+                <a:lumMod val="86000"/>
+              </a:schemeClr>
+            </a:gs>
+          </a:gsLst>
+          <a:path path="circle">
+            <a:fillToRect l="50000" t="50000" r="100000" b="100000"/>
+          </a:path>
+        </a:gradFill>
+        <a:effectLst/>
+      </p:bgPr>
+    </p:bg>
+    <p:spTree>
+      <p:nvGrpSpPr>
+        <p:cNvPr id="1" name=""/>
+        <p:cNvGrpSpPr/>
+        <p:nvPr/>
+      </p:nvGrpSpPr>
+      <p:grpSpPr>
+        <a:xfrm>
+          <a:off x="0" y="0"/>
+          <a:ext cx="0" cy="0"/>
+          <a:chOff x="0" y="0"/>
+          <a:chExt cx="0" cy="0"/>
+        </a:xfrm>
+      </p:grpSpPr>
+      <p:sp>
+        <p:nvSpPr>
           <p:cNvPr id="34" name="Rectangle 33">
             <a:extLst>
               <a:ext uri="{FF2B5EF4-FFF2-40B4-BE49-F238E27FC236}">
@@ -11801,37 +12037,20 @@
           <a:lstStyle/>
           <a:p>
             <a:r>
-              <a:rPr lang="en-US" sz="2000" dirty="0">
-                <a:solidFill>
-                  <a:sysClr val="windowText" lastClr="000000"/>
-                </a:solidFill>
-              </a:rPr>
+              <a:rPr lang="en-US" sz="2000" dirty="0"/>
               <a:t>In a wide range of domains, it is possible to buy off-the-shelf systems (COTS) that can be adapted and tailored to the users’ requirements. </a:t>
             </a:r>
           </a:p>
           <a:p>
             <a:pPr lvl="1"/>
             <a:r>
-              <a:rPr lang="en-US" sz="1800" dirty="0" err="1">
-                <a:solidFill>
-                  <a:sysClr val="windowText" lastClr="000000"/>
-                </a:solidFill>
-              </a:rPr>
+              <a:rPr lang="en-US" sz="2000" dirty="0" err="1"/>
               <a:t>e.g</a:t>
             </a:r>
             <a:r>
-              <a:rPr lang="en-US" sz="1800" dirty="0">
-                <a:solidFill>
-                  <a:sysClr val="windowText" lastClr="000000"/>
-                </a:solidFill>
-              </a:rPr>
+              <a:rPr lang="en-US" sz="2000" dirty="0"/>
               <a:t> for implement a medical records system, we can buy a package that is already used in hospitals vs developing a system. One can be cheaper and one faster ...</a:t>
             </a:r>
-            <a:endParaRPr lang="en-US" sz="2000" dirty="0">
-              <a:solidFill>
-                <a:sysClr val="windowText" lastClr="000000"/>
-              </a:solidFill>
-            </a:endParaRPr>
           </a:p>
         </p:txBody>
       </p:sp>
@@ -12275,7 +12494,7 @@
                   <a:srgbClr val="FFFFFF"/>
                 </a:solidFill>
               </a:rPr>
-              <a:t>Object-oriented design using UML</a:t>
+              <a:t>Object-oriented design</a:t>
             </a:r>
           </a:p>
         </p:txBody>
@@ -12440,7 +12659,7 @@
             </a:r>
             <a:r>
               <a:rPr lang="en-US" sz="2000" dirty="0"/>
-              <a:t>.</a:t>
+              <a:t> for team members.</a:t>
             </a:r>
           </a:p>
         </p:txBody>
@@ -12461,6 +12680,14 @@
 <file path=ppt/slides/slide8.xml><?xml version="1.0" encoding="utf-8"?>
 <p:sld xmlns:a="http://schemas.openxmlformats.org/drawingml/2006/main" xmlns:r="http://schemas.openxmlformats.org/officeDocument/2006/relationships" xmlns:p="http://schemas.openxmlformats.org/presentationml/2006/main">
   <p:cSld>
+    <p:bg>
+      <p:bgPr>
+        <a:solidFill>
+          <a:schemeClr val="bg2"/>
+        </a:solidFill>
+        <a:effectLst/>
+      </p:bgPr>
+    </p:bg>
     <p:spTree>
       <p:nvGrpSpPr>
         <p:cNvPr id="1" name=""/>
@@ -12475,109 +12702,75 @@
           <a:chExt cx="0" cy="0"/>
         </a:xfrm>
       </p:grpSpPr>
-      <p:pic>
-        <p:nvPicPr>
-          <p:cNvPr id="5" name="Content Placeholder 4">
+      <p:sp>
+        <p:nvSpPr>
+          <p:cNvPr id="12" name="Rectangle 11">
             <a:extLst>
               <a:ext uri="{FF2B5EF4-FFF2-40B4-BE49-F238E27FC236}">
-                <a16:creationId xmlns:a16="http://schemas.microsoft.com/office/drawing/2014/main" id="{3060C921-241F-4CDA-A5BC-416FA9EE2FD5}"/>
+                <a16:creationId xmlns:a16="http://schemas.microsoft.com/office/drawing/2014/main" id="{00401440-1DC9-4C9E-A3BA-4DECEEB46503}"/>
+              </a:ext>
+              <a:ext uri="{C183D7F6-B498-43B3-948B-1728B52AA6E4}">
+                <adec:decorative xmlns:adec="http://schemas.microsoft.com/office/drawing/2017/decorative" val="1"/>
               </a:ext>
             </a:extLst>
           </p:cNvPr>
-          <p:cNvPicPr>
-            <a:picLocks noGrp="1" noChangeAspect="1"/>
-          </p:cNvPicPr>
-          <p:nvPr>
-            <p:ph idx="1"/>
-          </p:nvPr>
-        </p:nvPicPr>
-        <p:blipFill>
-          <a:blip r:embed="rId3">
-            <a:extLst>
-              <a:ext uri="{28A0092B-C50C-407E-A947-70E740481C1C}">
-                <a14:useLocalDpi xmlns:a14="http://schemas.microsoft.com/office/drawing/2010/main" val="0"/>
-              </a:ext>
-            </a:extLst>
-          </a:blip>
-          <a:stretch>
-            <a:fillRect/>
-          </a:stretch>
-        </p:blipFill>
+          <p:cNvSpPr>
+            <a:spLocks noGrp="1" noRot="1" noChangeAspect="1" noMove="1" noResize="1" noEditPoints="1" noAdjustHandles="1" noChangeArrowheads="1" noChangeShapeType="1" noTextEdit="1"/>
+          </p:cNvSpPr>
+          <p:nvPr>
+            <p:extLst>
+              <p:ext uri="{386F3935-93C4-4BCD-93E2-E3B085C9AB24}">
+                <p16:designElem xmlns:p16="http://schemas.microsoft.com/office/powerpoint/2015/main" val="1"/>
+              </p:ext>
+            </p:extLst>
+          </p:nvPr>
+        </p:nvSpPr>
         <p:spPr>
           <a:xfrm>
-            <a:off x="782317" y="704850"/>
-            <a:ext cx="2901174" cy="4305301"/>
+            <a:off x="0" y="0"/>
+            <a:ext cx="9144000" cy="6858000"/>
           </a:xfrm>
           <a:prstGeom prst="rect">
             <a:avLst/>
           </a:prstGeom>
-        </p:spPr>
-      </p:pic>
-      <p:sp>
-        <p:nvSpPr>
-          <p:cNvPr id="2" name="Title 1">
+          <a:solidFill>
+            <a:srgbClr val="FFFFFF"/>
+          </a:solidFill>
+          <a:ln>
+            <a:noFill/>
+          </a:ln>
+        </p:spPr>
+        <p:style>
+          <a:lnRef idx="2">
+            <a:schemeClr val="accent1">
+              <a:shade val="50000"/>
+            </a:schemeClr>
+          </a:lnRef>
+          <a:fillRef idx="1">
+            <a:schemeClr val="accent1"/>
+          </a:fillRef>
+          <a:effectRef idx="0">
+            <a:schemeClr val="accent1"/>
+          </a:effectRef>
+          <a:fontRef idx="minor">
+            <a:schemeClr val="lt1"/>
+          </a:fontRef>
+        </p:style>
+        <p:txBody>
+          <a:bodyPr rtlCol="0" anchor="ctr"/>
+          <a:lstStyle/>
+          <a:p>
+            <a:pPr algn="ctr"/>
+            <a:endParaRPr lang="en-US" dirty="0"/>
+          </a:p>
+        </p:txBody>
+      </p:sp>
+      <p:pic>
+        <p:nvPicPr>
+          <p:cNvPr id="3" name="Picture 2">
             <a:extLst>
               <a:ext uri="{FF2B5EF4-FFF2-40B4-BE49-F238E27FC236}">
-                <a16:creationId xmlns:a16="http://schemas.microsoft.com/office/drawing/2014/main" id="{3D4A63FE-1C4F-4075-A1EA-8241C5E2A890}"/>
-              </a:ext>
-            </a:extLst>
-          </p:cNvPr>
-          <p:cNvSpPr>
-            <a:spLocks noGrp="1"/>
-          </p:cNvSpPr>
-          <p:nvPr>
-            <p:ph type="title"/>
-          </p:nvPr>
-        </p:nvSpPr>
-        <p:spPr>
-          <a:xfrm>
-            <a:off x="457199" y="5200649"/>
-            <a:ext cx="8223856" cy="1120611"/>
-          </a:xfrm>
-        </p:spPr>
-        <p:txBody>
-          <a:bodyPr vert="horz" lIns="91440" tIns="45720" rIns="91440" bIns="45720" rtlCol="0" anchor="ctr">
-            <a:normAutofit/>
-          </a:bodyPr>
-          <a:lstStyle/>
-          <a:p>
-            <a:pPr>
-              <a:lnSpc>
-                <a:spcPct val="90000"/>
-              </a:lnSpc>
-            </a:pPr>
-            <a:r>
-              <a:rPr lang="en-US" sz="2700" dirty="0">
-                <a:solidFill>
-                  <a:schemeClr val="bg1"/>
-                </a:solidFill>
-              </a:rPr>
-              <a:t>Weather station </a:t>
-            </a:r>
-            <a:br>
-              <a:rPr lang="en-US" sz="2700" dirty="0">
-                <a:solidFill>
-                  <a:schemeClr val="bg1"/>
-                </a:solidFill>
-              </a:rPr>
-            </a:br>
-            <a:r>
-              <a:rPr lang="en-US" sz="2700" dirty="0">
-                <a:solidFill>
-                  <a:schemeClr val="bg1"/>
-                </a:solidFill>
-              </a:rPr>
-              <a:t>use cases</a:t>
-            </a:r>
-          </a:p>
-        </p:txBody>
-      </p:sp>
-      <p:pic>
-        <p:nvPicPr>
-          <p:cNvPr id="4" name="Content Placeholder 4">
-            <a:extLst>
-              <a:ext uri="{FF2B5EF4-FFF2-40B4-BE49-F238E27FC236}">
-                <a16:creationId xmlns:a16="http://schemas.microsoft.com/office/drawing/2014/main" id="{44F3B676-930F-420D-BC3B-58F404D62324}"/>
+                <a16:creationId xmlns:a16="http://schemas.microsoft.com/office/drawing/2014/main" id="{83C960BC-FD46-4ED1-9FFE-70D95AF61C25}"/>
               </a:ext>
             </a:extLst>
           </p:cNvPr>
@@ -12586,7 +12779,89 @@
           </p:cNvPicPr>
           <p:nvPr/>
         </p:nvPicPr>
-        <p:blipFill rotWithShape="1">
+        <p:blipFill>
+          <a:blip r:embed="rId3"/>
+          <a:stretch>
+            <a:fillRect/>
+          </a:stretch>
+        </p:blipFill>
+        <p:spPr>
+          <a:xfrm>
+            <a:off x="4635689" y="1368788"/>
+            <a:ext cx="3998611" cy="1809371"/>
+          </a:xfrm>
+          <a:prstGeom prst="rect">
+            <a:avLst/>
+          </a:prstGeom>
+        </p:spPr>
+      </p:pic>
+      <p:cxnSp>
+        <p:nvCxnSpPr>
+          <p:cNvPr id="14" name="Straight Connector 13">
+            <a:extLst>
+              <a:ext uri="{FF2B5EF4-FFF2-40B4-BE49-F238E27FC236}">
+                <a16:creationId xmlns:a16="http://schemas.microsoft.com/office/drawing/2014/main" id="{EEE3F140-02CB-4BBC-ABC0-8BF046C9D1B8}"/>
+              </a:ext>
+              <a:ext uri="{C183D7F6-B498-43B3-948B-1728B52AA6E4}">
+                <adec:decorative xmlns:adec="http://schemas.microsoft.com/office/drawing/2017/decorative" val="1"/>
+              </a:ext>
+            </a:extLst>
+          </p:cNvPr>
+          <p:cNvCxnSpPr>
+            <a:cxnSpLocks noGrp="1" noRot="1" noChangeAspect="1" noMove="1" noResize="1" noEditPoints="1" noAdjustHandles="1" noChangeArrowheads="1" noChangeShapeType="1"/>
+          </p:cNvCxnSpPr>
+          <p:nvPr>
+            <p:extLst>
+              <p:ext uri="{386F3935-93C4-4BCD-93E2-E3B085C9AB24}">
+                <p16:designElem xmlns:p16="http://schemas.microsoft.com/office/powerpoint/2015/main" val="1"/>
+              </p:ext>
+            </p:extLst>
+          </p:nvPr>
+        </p:nvCxnSpPr>
+        <p:spPr>
+          <a:xfrm>
+            <a:off x="4572000" y="1436050"/>
+            <a:ext cx="0" cy="1645920"/>
+          </a:xfrm>
+          <a:prstGeom prst="line">
+            <a:avLst/>
+          </a:prstGeom>
+          <a:ln w="19050">
+            <a:solidFill>
+              <a:srgbClr val="465359"/>
+            </a:solidFill>
+          </a:ln>
+        </p:spPr>
+        <p:style>
+          <a:lnRef idx="1">
+            <a:schemeClr val="accent1"/>
+          </a:lnRef>
+          <a:fillRef idx="0">
+            <a:schemeClr val="accent1"/>
+          </a:fillRef>
+          <a:effectRef idx="0">
+            <a:schemeClr val="accent1"/>
+          </a:effectRef>
+          <a:fontRef idx="minor">
+            <a:schemeClr val="tx1"/>
+          </a:fontRef>
+        </p:style>
+      </p:cxnSp>
+      <p:pic>
+        <p:nvPicPr>
+          <p:cNvPr id="5" name="Content Placeholder 4">
+            <a:extLst>
+              <a:ext uri="{FF2B5EF4-FFF2-40B4-BE49-F238E27FC236}">
+                <a16:creationId xmlns:a16="http://schemas.microsoft.com/office/drawing/2014/main" id="{3060C921-241F-4CDA-A5BC-416FA9EE2FD5}"/>
+              </a:ext>
+            </a:extLst>
+          </p:cNvPr>
+          <p:cNvPicPr>
+            <a:picLocks noChangeAspect="1"/>
+          </p:cNvPicPr>
+          <p:nvPr/>
+        </p:nvPicPr>
+        <p:blipFill>
           <a:blip r:embed="rId4">
             <a:extLst>
               <a:ext uri="{28A0092B-C50C-407E-A947-70E740481C1C}">
@@ -12594,34 +12869,259 @@
               </a:ext>
             </a:extLst>
           </a:blip>
-          <a:srcRect r="43281"/>
-          <a:stretch/>
+          <a:stretch>
+            <a:fillRect/>
+          </a:stretch>
         </p:blipFill>
         <p:spPr>
           <a:xfrm>
-            <a:off x="4268296" y="1278120"/>
-            <a:ext cx="4412759" cy="3158760"/>
+            <a:off x="509700" y="508281"/>
+            <a:ext cx="3998608" cy="3358830"/>
           </a:xfrm>
           <a:prstGeom prst="rect">
             <a:avLst/>
           </a:prstGeom>
         </p:spPr>
       </p:pic>
+      <p:sp useBgFill="1">
+        <p:nvSpPr>
+          <p:cNvPr id="16" name="Rectangle 15">
+            <a:extLst>
+              <a:ext uri="{FF2B5EF4-FFF2-40B4-BE49-F238E27FC236}">
+                <a16:creationId xmlns:a16="http://schemas.microsoft.com/office/drawing/2014/main" id="{36B822CC-7DA9-4417-AA94-64CEB676F0B8}"/>
+              </a:ext>
+              <a:ext uri="{C183D7F6-B498-43B3-948B-1728B52AA6E4}">
+                <adec:decorative xmlns:adec="http://schemas.microsoft.com/office/drawing/2017/decorative" val="1"/>
+              </a:ext>
+            </a:extLst>
+          </p:cNvPr>
+          <p:cNvSpPr>
+            <a:spLocks noGrp="1" noRot="1" noChangeAspect="1" noMove="1" noResize="1" noEditPoints="1" noAdjustHandles="1" noChangeArrowheads="1" noChangeShapeType="1" noTextEdit="1"/>
+          </p:cNvSpPr>
+          <p:nvPr>
+            <p:extLst>
+              <p:ext uri="{386F3935-93C4-4BCD-93E2-E3B085C9AB24}">
+                <p16:designElem xmlns:p16="http://schemas.microsoft.com/office/powerpoint/2015/main" val="1"/>
+              </p:ext>
+            </p:extLst>
+          </p:nvPr>
+        </p:nvSpPr>
+        <p:spPr>
+          <a:xfrm>
+            <a:off x="335425" y="4219240"/>
+            <a:ext cx="8476488" cy="94997"/>
+          </a:xfrm>
+          <a:prstGeom prst="rect">
+            <a:avLst/>
+          </a:prstGeom>
+          <a:ln>
+            <a:noFill/>
+          </a:ln>
+          <a:effectLst/>
+        </p:spPr>
+        <p:style>
+          <a:lnRef idx="1">
+            <a:schemeClr val="accent1"/>
+          </a:lnRef>
+          <a:fillRef idx="3">
+            <a:schemeClr val="accent1"/>
+          </a:fillRef>
+          <a:effectRef idx="2">
+            <a:schemeClr val="accent1"/>
+          </a:effectRef>
+          <a:fontRef idx="minor">
+            <a:schemeClr val="lt1"/>
+          </a:fontRef>
+        </p:style>
+      </p:sp>
+      <p:sp useBgFill="1">
+        <p:nvSpPr>
+          <p:cNvPr id="18" name="Rectangle 17">
+            <a:extLst>
+              <a:ext uri="{FF2B5EF4-FFF2-40B4-BE49-F238E27FC236}">
+                <a16:creationId xmlns:a16="http://schemas.microsoft.com/office/drawing/2014/main" id="{AFA01E88-71CC-4FF3-9E81-51E0C32B45E4}"/>
+              </a:ext>
+              <a:ext uri="{C183D7F6-B498-43B3-948B-1728B52AA6E4}">
+                <adec:decorative xmlns:adec="http://schemas.microsoft.com/office/drawing/2017/decorative" val="1"/>
+              </a:ext>
+            </a:extLst>
+          </p:cNvPr>
+          <p:cNvSpPr>
+            <a:spLocks noGrp="1" noRot="1" noChangeAspect="1" noMove="1" noResize="1" noEditPoints="1" noAdjustHandles="1" noChangeArrowheads="1" noChangeShapeType="1" noTextEdit="1"/>
+          </p:cNvSpPr>
+          <p:nvPr>
+            <p:extLst>
+              <p:ext uri="{386F3935-93C4-4BCD-93E2-E3B085C9AB24}">
+                <p16:designElem xmlns:p16="http://schemas.microsoft.com/office/powerpoint/2015/main" val="1"/>
+              </p:ext>
+            </p:extLst>
+          </p:nvPr>
+        </p:nvSpPr>
+        <p:spPr>
+          <a:xfrm>
+            <a:off x="335425" y="4359623"/>
+            <a:ext cx="8477720" cy="2051143"/>
+          </a:xfrm>
+          <a:prstGeom prst="rect">
+            <a:avLst/>
+          </a:prstGeom>
+          <a:ln w="6350" cmpd="sng">
+            <a:noFill/>
+          </a:ln>
+          <a:effectLst/>
+        </p:spPr>
+        <p:style>
+          <a:lnRef idx="1">
+            <a:schemeClr val="accent1"/>
+          </a:lnRef>
+          <a:fillRef idx="3">
+            <a:schemeClr val="accent1"/>
+          </a:fillRef>
+          <a:effectRef idx="2">
+            <a:schemeClr val="accent1"/>
+          </a:effectRef>
+          <a:fontRef idx="minor">
+            <a:schemeClr val="lt1"/>
+          </a:fontRef>
+        </p:style>
+      </p:sp>
+      <p:sp>
+        <p:nvSpPr>
+          <p:cNvPr id="2" name="Title 1">
+            <a:extLst>
+              <a:ext uri="{FF2B5EF4-FFF2-40B4-BE49-F238E27FC236}">
+                <a16:creationId xmlns:a16="http://schemas.microsoft.com/office/drawing/2014/main" id="{3D4A63FE-1C4F-4075-A1EA-8241C5E2A890}"/>
+              </a:ext>
+            </a:extLst>
+          </p:cNvPr>
+          <p:cNvSpPr>
+            <a:spLocks noGrp="1"/>
+          </p:cNvSpPr>
+          <p:nvPr>
+            <p:ph type="title"/>
+          </p:nvPr>
+        </p:nvSpPr>
+        <p:spPr>
+          <a:xfrm>
+            <a:off x="509700" y="4596992"/>
+            <a:ext cx="2515074" cy="1607013"/>
+          </a:xfrm>
+        </p:spPr>
+        <p:txBody>
+          <a:bodyPr vert="horz" lIns="91440" tIns="45720" rIns="91440" bIns="45720" rtlCol="0" anchor="ctr">
+            <a:normAutofit/>
+          </a:bodyPr>
+          <a:lstStyle/>
+          <a:p>
+            <a:r>
+              <a:rPr lang="en-US" dirty="0">
+                <a:solidFill>
+                  <a:schemeClr val="tx2"/>
+                </a:solidFill>
+              </a:rPr>
+              <a:t>Object class</a:t>
+            </a:r>
+          </a:p>
+        </p:txBody>
+      </p:sp>
+      <p:sp>
+        <p:nvSpPr>
+          <p:cNvPr id="9" name="Content Placeholder 8">
+            <a:extLst>
+              <a:ext uri="{FF2B5EF4-FFF2-40B4-BE49-F238E27FC236}">
+                <a16:creationId xmlns:a16="http://schemas.microsoft.com/office/drawing/2014/main" id="{D001BDFE-6430-49F3-A15C-09FAE054EA33}"/>
+              </a:ext>
+            </a:extLst>
+          </p:cNvPr>
+          <p:cNvSpPr>
+            <a:spLocks noGrp="1"/>
+          </p:cNvSpPr>
+          <p:nvPr>
+            <p:ph idx="1"/>
+          </p:nvPr>
+        </p:nvSpPr>
+        <p:spPr>
+          <a:xfrm>
+            <a:off x="3203618" y="4596992"/>
+            <a:ext cx="5430682" cy="1607012"/>
+          </a:xfrm>
+        </p:spPr>
+        <p:txBody>
+          <a:bodyPr>
+            <a:normAutofit/>
+          </a:bodyPr>
+          <a:lstStyle/>
+          <a:p>
+            <a:pPr marL="0" indent="0" algn="r">
+              <a:buNone/>
+            </a:pPr>
+            <a:r>
+              <a:rPr lang="en-US" sz="2800" cap="all" dirty="0">
+                <a:latin typeface="+mj-lt"/>
+                <a:ea typeface="+mj-ea"/>
+                <a:cs typeface="+mj-cs"/>
+              </a:rPr>
+              <a:t>High-level architecture </a:t>
+            </a:r>
+          </a:p>
+        </p:txBody>
+      </p:sp>
+      <p:cxnSp>
+        <p:nvCxnSpPr>
+          <p:cNvPr id="6" name="Straight Connector 5">
+            <a:extLst>
+              <a:ext uri="{FF2B5EF4-FFF2-40B4-BE49-F238E27FC236}">
+                <a16:creationId xmlns:a16="http://schemas.microsoft.com/office/drawing/2014/main" id="{F9F0E6EE-C108-4F2B-99CE-4F172AEEED97}"/>
+              </a:ext>
+            </a:extLst>
+          </p:cNvPr>
+          <p:cNvCxnSpPr/>
+          <p:nvPr/>
+        </p:nvCxnSpPr>
+        <p:spPr>
+          <a:xfrm flipH="1">
+            <a:off x="3364992" y="4754880"/>
+            <a:ext cx="329184" cy="1243584"/>
+          </a:xfrm>
+          <a:prstGeom prst="line">
+            <a:avLst/>
+          </a:prstGeom>
+          <a:ln>
+            <a:solidFill>
+              <a:schemeClr val="tx1"/>
+            </a:solidFill>
+          </a:ln>
+        </p:spPr>
+        <p:style>
+          <a:lnRef idx="3">
+            <a:schemeClr val="accent2"/>
+          </a:lnRef>
+          <a:fillRef idx="0">
+            <a:schemeClr val="accent2"/>
+          </a:fillRef>
+          <a:effectRef idx="2">
+            <a:schemeClr val="accent2"/>
+          </a:effectRef>
+          <a:fontRef idx="minor">
+            <a:schemeClr val="tx1"/>
+          </a:fontRef>
+        </p:style>
+      </p:cxnSp>
     </p:spTree>
     <p:extLst>
       <p:ext uri="{BB962C8B-B14F-4D97-AF65-F5344CB8AC3E}">
-        <p14:creationId xmlns:p14="http://schemas.microsoft.com/office/powerpoint/2010/main" val="2259654914"/>
+        <p14:creationId xmlns:p14="http://schemas.microsoft.com/office/powerpoint/2010/main" val="2089888020"/>
       </p:ext>
     </p:extLst>
   </p:cSld>
   <p:clrMapOvr>
-    <a:masterClrMapping/>
+    <a:overrideClrMapping bg1="dk1" tx1="lt1" bg2="dk2" tx2="lt2" accent1="accent1" accent2="accent2" accent3="accent3" accent4="accent4" accent5="accent5" accent6="accent6" hlink="hlink" folHlink="folHlink"/>
   </p:clrMapOvr>
 </p:sld>
 </file>
 
 <file path=ppt/slides/slide9.xml><?xml version="1.0" encoding="utf-8"?>
-<p:sld xmlns:a="http://schemas.openxmlformats.org/drawingml/2006/main" xmlns:r="http://schemas.openxmlformats.org/officeDocument/2006/relationships" xmlns:p="http://schemas.openxmlformats.org/presentationml/2006/main">
+<p:sld xmlns:a="http://schemas.openxmlformats.org/drawingml/2006/main" xmlns:r="http://schemas.openxmlformats.org/officeDocument/2006/relationships" xmlns:p="http://schemas.openxmlformats.org/presentationml/2006/main" show="0">
   <p:cSld>
     <p:spTree>
       <p:nvGrpSpPr>
@@ -12637,6 +13137,45 @@
           <a:chExt cx="0" cy="0"/>
         </a:xfrm>
       </p:grpSpPr>
+      <p:sp>
+        <p:nvSpPr>
+          <p:cNvPr id="2" name="Title 1">
+            <a:extLst>
+              <a:ext uri="{FF2B5EF4-FFF2-40B4-BE49-F238E27FC236}">
+                <a16:creationId xmlns:a16="http://schemas.microsoft.com/office/drawing/2014/main" id="{3D4A63FE-1C4F-4075-A1EA-8241C5E2A890}"/>
+              </a:ext>
+            </a:extLst>
+          </p:cNvPr>
+          <p:cNvSpPr>
+            <a:spLocks noGrp="1"/>
+          </p:cNvSpPr>
+          <p:nvPr>
+            <p:ph type="title"/>
+          </p:nvPr>
+        </p:nvSpPr>
+        <p:spPr/>
+        <p:txBody>
+          <a:bodyPr vert="horz" lIns="91440" tIns="45720" rIns="91440" bIns="45720" rtlCol="0" anchor="ctr">
+            <a:normAutofit/>
+          </a:bodyPr>
+          <a:lstStyle/>
+          <a:p>
+            <a:pPr>
+              <a:lnSpc>
+                <a:spcPct val="90000"/>
+              </a:lnSpc>
+            </a:pPr>
+            <a:r>
+              <a:rPr lang="en-US" sz="2700" dirty="0">
+                <a:solidFill>
+                  <a:schemeClr val="bg1"/>
+                </a:solidFill>
+              </a:rPr>
+              <a:t>Object class</a:t>
+            </a:r>
+          </a:p>
+        </p:txBody>
+      </p:sp>
       <p:pic>
         <p:nvPicPr>
           <p:cNvPr id="5" name="Content Placeholder 4">
@@ -12667,77 +13206,18 @@
         </p:blipFill>
         <p:spPr>
           <a:xfrm>
-            <a:off x="1135957" y="1378286"/>
-            <a:ext cx="6872086" cy="3117514"/>
+            <a:off x="2029559" y="1979608"/>
+            <a:ext cx="5084882" cy="4268407"/>
           </a:xfrm>
           <a:prstGeom prst="rect">
             <a:avLst/>
           </a:prstGeom>
         </p:spPr>
       </p:pic>
-      <p:sp>
-        <p:nvSpPr>
-          <p:cNvPr id="2" name="Title 1">
-            <a:extLst>
-              <a:ext uri="{FF2B5EF4-FFF2-40B4-BE49-F238E27FC236}">
-                <a16:creationId xmlns:a16="http://schemas.microsoft.com/office/drawing/2014/main" id="{3D4A63FE-1C4F-4075-A1EA-8241C5E2A890}"/>
-              </a:ext>
-            </a:extLst>
-          </p:cNvPr>
-          <p:cNvSpPr>
-            <a:spLocks noGrp="1"/>
-          </p:cNvSpPr>
-          <p:nvPr>
-            <p:ph type="title"/>
-          </p:nvPr>
-        </p:nvSpPr>
-        <p:spPr>
-          <a:xfrm>
-            <a:off x="457199" y="5200649"/>
-            <a:ext cx="8223856" cy="1120611"/>
-          </a:xfrm>
-        </p:spPr>
-        <p:txBody>
-          <a:bodyPr vert="horz" lIns="91440" tIns="45720" rIns="91440" bIns="45720" rtlCol="0" anchor="ctr">
-            <a:normAutofit/>
-          </a:bodyPr>
-          <a:lstStyle/>
-          <a:p>
-            <a:pPr>
-              <a:lnSpc>
-                <a:spcPct val="90000"/>
-              </a:lnSpc>
-            </a:pPr>
-            <a:r>
-              <a:rPr lang="en-US" sz="2700" dirty="0">
-                <a:solidFill>
-                  <a:schemeClr val="bg1"/>
-                </a:solidFill>
-              </a:rPr>
-              <a:t>High-level architecture </a:t>
-            </a:r>
-            <a:br>
-              <a:rPr lang="en-US" sz="2700" dirty="0">
-                <a:solidFill>
-                  <a:schemeClr val="bg1"/>
-                </a:solidFill>
-              </a:rPr>
-            </a:br>
-            <a:r>
-              <a:rPr lang="en-US" sz="2700" dirty="0">
-                <a:solidFill>
-                  <a:schemeClr val="bg1"/>
-                </a:solidFill>
-              </a:rPr>
-              <a:t>of the weather station</a:t>
-            </a:r>
-          </a:p>
-        </p:txBody>
-      </p:sp>
     </p:spTree>
     <p:extLst>
       <p:ext uri="{BB962C8B-B14F-4D97-AF65-F5344CB8AC3E}">
-        <p14:creationId xmlns:p14="http://schemas.microsoft.com/office/powerpoint/2010/main" val="1437748920"/>
+        <p14:creationId xmlns:p14="http://schemas.microsoft.com/office/powerpoint/2010/main" val="2516723076"/>
       </p:ext>
     </p:extLst>
   </p:cSld>
